--- a/Documentation/PierwszaPrezentacja.pptx
+++ b/Documentation/PierwszaPrezentacja.pptx
@@ -15,9 +15,22 @@
     <p:sldId id="262" r:id="rId10"/>
     <p:sldId id="263" r:id="rId11"/>
     <p:sldId id="264" r:id="rId12"/>
+    <p:sldId id="265" r:id="rId13"/>
+    <p:sldId id="266" r:id="rId14"/>
+    <p:sldId id="267" r:id="rId15"/>
+    <p:sldId id="268" r:id="rId16"/>
+    <p:sldId id="269" r:id="rId17"/>
+    <p:sldId id="270" r:id="rId18"/>
+    <p:sldId id="271" r:id="rId19"/>
+    <p:sldId id="272" r:id="rId20"/>
+    <p:sldId id="273" r:id="rId21"/>
+    <p:sldId id="274" r:id="rId22"/>
+    <p:sldId id="275" r:id="rId23"/>
+    <p:sldId id="276" r:id="rId24"/>
+    <p:sldId id="277" r:id="rId25"/>
   </p:sldIdLst>
   <p:sldSz cx="9144000" cy="6858000"/>
-  <p:notesSz cx="6562725" cy="8686800"/>
+  <p:notesSz cx="7772400" cy="10058400"/>
 </p:presentation>
 </file>
 
@@ -72,16 +85,17 @@
         </p:nvSpPr>
         <p:spPr>
           <a:xfrm>
-            <a:off x="611280" y="630000"/>
-            <a:ext cx="8424720" cy="1035000"/>
-          </a:xfrm>
-          <a:prstGeom prst="rect">
-            <a:avLst/>
-          </a:prstGeom>
-        </p:spPr>
-        <p:txBody>
-          <a:bodyPr lIns="90000" rIns="90000" tIns="46800" bIns="46800" anchor="ctr"/>
-          <a:p>
+            <a:off x="457200" y="273600"/>
+            <a:ext cx="8229240" cy="1144800"/>
+          </a:xfrm>
+          <a:prstGeom prst="rect">
+            <a:avLst/>
+          </a:prstGeom>
+        </p:spPr>
+        <p:txBody>
+          <a:bodyPr lIns="0" rIns="0" tIns="0" bIns="0" anchor="ctr"/>
+          <a:p>
+            <a:pPr algn="ctr"/>
             <a:endParaRPr/>
           </a:p>
         </p:txBody>
@@ -98,15 +112,15 @@
         </p:nvSpPr>
         <p:spPr>
           <a:xfrm>
-            <a:off x="611280" y="1881360"/>
-            <a:ext cx="8424720" cy="2318400"/>
-          </a:xfrm>
-          <a:prstGeom prst="rect">
-            <a:avLst/>
-          </a:prstGeom>
-        </p:spPr>
-        <p:txBody>
-          <a:bodyPr lIns="90000" rIns="90000" tIns="46800" bIns="46800"/>
+            <a:off x="457200" y="1604520"/>
+            <a:ext cx="8229240" cy="1896840"/>
+          </a:xfrm>
+          <a:prstGeom prst="rect">
+            <a:avLst/>
+          </a:prstGeom>
+        </p:spPr>
+        <p:txBody>
+          <a:bodyPr lIns="0" rIns="0" tIns="0" bIns="0"/>
           <a:p>
             <a:endParaRPr/>
           </a:p>
@@ -124,15 +138,15 @@
         </p:nvSpPr>
         <p:spPr>
           <a:xfrm>
-            <a:off x="611280" y="4420440"/>
-            <a:ext cx="8424720" cy="2318400"/>
-          </a:xfrm>
-          <a:prstGeom prst="rect">
-            <a:avLst/>
-          </a:prstGeom>
-        </p:spPr>
-        <p:txBody>
-          <a:bodyPr lIns="90000" rIns="90000" tIns="46800" bIns="46800"/>
+            <a:off x="457200" y="3682080"/>
+            <a:ext cx="8229240" cy="1896840"/>
+          </a:xfrm>
+          <a:prstGeom prst="rect">
+            <a:avLst/>
+          </a:prstGeom>
+        </p:spPr>
+        <p:txBody>
+          <a:bodyPr lIns="0" rIns="0" tIns="0" bIns="0"/>
           <a:p>
             <a:endParaRPr/>
           </a:p>
@@ -172,16 +186,17 @@
         </p:nvSpPr>
         <p:spPr>
           <a:xfrm>
-            <a:off x="611280" y="630000"/>
-            <a:ext cx="8424720" cy="1035000"/>
-          </a:xfrm>
-          <a:prstGeom prst="rect">
-            <a:avLst/>
-          </a:prstGeom>
-        </p:spPr>
-        <p:txBody>
-          <a:bodyPr lIns="90000" rIns="90000" tIns="46800" bIns="46800" anchor="ctr"/>
-          <a:p>
+            <a:off x="457200" y="273600"/>
+            <a:ext cx="8229240" cy="1144800"/>
+          </a:xfrm>
+          <a:prstGeom prst="rect">
+            <a:avLst/>
+          </a:prstGeom>
+        </p:spPr>
+        <p:txBody>
+          <a:bodyPr lIns="0" rIns="0" tIns="0" bIns="0" anchor="ctr"/>
+          <a:p>
+            <a:pPr algn="ctr"/>
             <a:endParaRPr/>
           </a:p>
         </p:txBody>
@@ -198,15 +213,15 @@
         </p:nvSpPr>
         <p:spPr>
           <a:xfrm>
-            <a:off x="611280" y="1881360"/>
-            <a:ext cx="4111200" cy="2318400"/>
-          </a:xfrm>
-          <a:prstGeom prst="rect">
-            <a:avLst/>
-          </a:prstGeom>
-        </p:spPr>
-        <p:txBody>
-          <a:bodyPr lIns="90000" rIns="90000" tIns="46800" bIns="46800"/>
+            <a:off x="457200" y="1604520"/>
+            <a:ext cx="4015800" cy="1896840"/>
+          </a:xfrm>
+          <a:prstGeom prst="rect">
+            <a:avLst/>
+          </a:prstGeom>
+        </p:spPr>
+        <p:txBody>
+          <a:bodyPr lIns="0" rIns="0" tIns="0" bIns="0"/>
           <a:p>
             <a:endParaRPr/>
           </a:p>
@@ -224,15 +239,15 @@
         </p:nvSpPr>
         <p:spPr>
           <a:xfrm>
-            <a:off x="4928400" y="1881360"/>
-            <a:ext cx="4111200" cy="2318400"/>
-          </a:xfrm>
-          <a:prstGeom prst="rect">
-            <a:avLst/>
-          </a:prstGeom>
-        </p:spPr>
-        <p:txBody>
-          <a:bodyPr lIns="90000" rIns="90000" tIns="46800" bIns="46800"/>
+            <a:off x="4674240" y="1604520"/>
+            <a:ext cx="4015800" cy="1896840"/>
+          </a:xfrm>
+          <a:prstGeom prst="rect">
+            <a:avLst/>
+          </a:prstGeom>
+        </p:spPr>
+        <p:txBody>
+          <a:bodyPr lIns="0" rIns="0" tIns="0" bIns="0"/>
           <a:p>
             <a:endParaRPr/>
           </a:p>
@@ -250,15 +265,15 @@
         </p:nvSpPr>
         <p:spPr>
           <a:xfrm>
-            <a:off x="4928400" y="4420440"/>
-            <a:ext cx="4111200" cy="2318400"/>
-          </a:xfrm>
-          <a:prstGeom prst="rect">
-            <a:avLst/>
-          </a:prstGeom>
-        </p:spPr>
-        <p:txBody>
-          <a:bodyPr lIns="90000" rIns="90000" tIns="46800" bIns="46800"/>
+            <a:off x="4674240" y="3682080"/>
+            <a:ext cx="4015800" cy="1896840"/>
+          </a:xfrm>
+          <a:prstGeom prst="rect">
+            <a:avLst/>
+          </a:prstGeom>
+        </p:spPr>
+        <p:txBody>
+          <a:bodyPr lIns="0" rIns="0" tIns="0" bIns="0"/>
           <a:p>
             <a:endParaRPr/>
           </a:p>
@@ -276,15 +291,15 @@
         </p:nvSpPr>
         <p:spPr>
           <a:xfrm>
-            <a:off x="611280" y="4420440"/>
-            <a:ext cx="4111200" cy="2318400"/>
-          </a:xfrm>
-          <a:prstGeom prst="rect">
-            <a:avLst/>
-          </a:prstGeom>
-        </p:spPr>
-        <p:txBody>
-          <a:bodyPr lIns="90000" rIns="90000" tIns="46800" bIns="46800"/>
+            <a:off x="457200" y="3682080"/>
+            <a:ext cx="4015800" cy="1896840"/>
+          </a:xfrm>
+          <a:prstGeom prst="rect">
+            <a:avLst/>
+          </a:prstGeom>
+        </p:spPr>
+        <p:txBody>
+          <a:bodyPr lIns="0" rIns="0" tIns="0" bIns="0"/>
           <a:p>
             <a:endParaRPr/>
           </a:p>
@@ -324,16 +339,17 @@
         </p:nvSpPr>
         <p:spPr>
           <a:xfrm>
-            <a:off x="611280" y="630000"/>
-            <a:ext cx="8424720" cy="1035000"/>
-          </a:xfrm>
-          <a:prstGeom prst="rect">
-            <a:avLst/>
-          </a:prstGeom>
-        </p:spPr>
-        <p:txBody>
-          <a:bodyPr lIns="90000" rIns="90000" tIns="46800" bIns="46800" anchor="ctr"/>
-          <a:p>
+            <a:off x="457200" y="273600"/>
+            <a:ext cx="8229240" cy="1144800"/>
+          </a:xfrm>
+          <a:prstGeom prst="rect">
+            <a:avLst/>
+          </a:prstGeom>
+        </p:spPr>
+        <p:txBody>
+          <a:bodyPr lIns="0" rIns="0" tIns="0" bIns="0" anchor="ctr"/>
+          <a:p>
+            <a:pPr algn="ctr"/>
             <a:endParaRPr/>
           </a:p>
         </p:txBody>
@@ -350,15 +366,15 @@
         </p:nvSpPr>
         <p:spPr>
           <a:xfrm>
-            <a:off x="611280" y="1881360"/>
-            <a:ext cx="8424720" cy="4860720"/>
-          </a:xfrm>
-          <a:prstGeom prst="rect">
-            <a:avLst/>
-          </a:prstGeom>
-        </p:spPr>
-        <p:txBody>
-          <a:bodyPr lIns="90000" rIns="90000" tIns="46800" bIns="46800"/>
+            <a:off x="457200" y="1604520"/>
+            <a:ext cx="8229240" cy="3977280"/>
+          </a:xfrm>
+          <a:prstGeom prst="rect">
+            <a:avLst/>
+          </a:prstGeom>
+        </p:spPr>
+        <p:txBody>
+          <a:bodyPr lIns="0" rIns="0" tIns="0" bIns="0"/>
           <a:p>
             <a:endParaRPr/>
           </a:p>
@@ -376,15 +392,15 @@
         </p:nvSpPr>
         <p:spPr>
           <a:xfrm>
-            <a:off x="611280" y="1881360"/>
-            <a:ext cx="8424720" cy="4860720"/>
-          </a:xfrm>
-          <a:prstGeom prst="rect">
-            <a:avLst/>
-          </a:prstGeom>
-        </p:spPr>
-        <p:txBody>
-          <a:bodyPr lIns="90000" rIns="90000" tIns="46800" bIns="46800"/>
+            <a:off x="457200" y="1604520"/>
+            <a:ext cx="8229240" cy="3977280"/>
+          </a:xfrm>
+          <a:prstGeom prst="rect">
+            <a:avLst/>
+          </a:prstGeom>
+        </p:spPr>
+        <p:txBody>
+          <a:bodyPr lIns="0" rIns="0" tIns="0" bIns="0"/>
           <a:p>
             <a:endParaRPr/>
           </a:p>
@@ -402,8 +418,8 @@
         </p:blipFill>
         <p:spPr>
           <a:xfrm>
-            <a:off x="1777680" y="1881360"/>
-            <a:ext cx="6091920" cy="4860720"/>
+            <a:off x="2079000" y="1604520"/>
+            <a:ext cx="4984920" cy="3977280"/>
           </a:xfrm>
           <a:prstGeom prst="rect">
             <a:avLst/>
@@ -425,8 +441,8 @@
         </p:blipFill>
         <p:spPr>
           <a:xfrm>
-            <a:off x="1777680" y="1881360"/>
-            <a:ext cx="6091920" cy="4860720"/>
+            <a:off x="2079000" y="1604520"/>
+            <a:ext cx="4984920" cy="3977280"/>
           </a:xfrm>
           <a:prstGeom prst="rect">
             <a:avLst/>
@@ -482,7 +498,7 @@
       </p:grpSpPr>
       <p:sp>
         <p:nvSpPr>
-          <p:cNvPr id="45" name="PlaceHolder 1"/>
+          <p:cNvPr id="44" name="PlaceHolder 1"/>
           <p:cNvSpPr>
             <a:spLocks noGrp="1"/>
           </p:cNvSpPr>
@@ -492,23 +508,24 @@
         </p:nvSpPr>
         <p:spPr>
           <a:xfrm>
-            <a:off x="611280" y="630000"/>
-            <a:ext cx="8424720" cy="1035000"/>
-          </a:xfrm>
-          <a:prstGeom prst="rect">
-            <a:avLst/>
-          </a:prstGeom>
-        </p:spPr>
-        <p:txBody>
-          <a:bodyPr lIns="90000" rIns="90000" tIns="46800" bIns="46800" anchor="ctr"/>
-          <a:p>
-            <a:endParaRPr/>
-          </a:p>
-        </p:txBody>
-      </p:sp>
-      <p:sp>
-        <p:nvSpPr>
-          <p:cNvPr id="46" name="PlaceHolder 2"/>
+            <a:off x="457200" y="273600"/>
+            <a:ext cx="8229240" cy="1144800"/>
+          </a:xfrm>
+          <a:prstGeom prst="rect">
+            <a:avLst/>
+          </a:prstGeom>
+        </p:spPr>
+        <p:txBody>
+          <a:bodyPr lIns="0" rIns="0" tIns="0" bIns="0" anchor="ctr"/>
+          <a:p>
+            <a:pPr algn="ctr"/>
+            <a:endParaRPr/>
+          </a:p>
+        </p:txBody>
+      </p:sp>
+      <p:sp>
+        <p:nvSpPr>
+          <p:cNvPr id="45" name="PlaceHolder 2"/>
           <p:cNvSpPr>
             <a:spLocks noGrp="1"/>
           </p:cNvSpPr>
@@ -518,8 +535,8 @@
         </p:nvSpPr>
         <p:spPr>
           <a:xfrm>
-            <a:off x="611280" y="1881360"/>
-            <a:ext cx="8424720" cy="4860720"/>
+            <a:off x="457200" y="1604520"/>
+            <a:ext cx="8229240" cy="3977280"/>
           </a:xfrm>
           <a:prstGeom prst="rect">
             <a:avLst/>
@@ -557,7 +574,7 @@
       </p:grpSpPr>
       <p:sp>
         <p:nvSpPr>
-          <p:cNvPr id="47" name="PlaceHolder 1"/>
+          <p:cNvPr id="46" name="PlaceHolder 1"/>
           <p:cNvSpPr>
             <a:spLocks noGrp="1"/>
           </p:cNvSpPr>
@@ -567,23 +584,24 @@
         </p:nvSpPr>
         <p:spPr>
           <a:xfrm>
-            <a:off x="611280" y="630000"/>
-            <a:ext cx="8424720" cy="1035000"/>
-          </a:xfrm>
-          <a:prstGeom prst="rect">
-            <a:avLst/>
-          </a:prstGeom>
-        </p:spPr>
-        <p:txBody>
-          <a:bodyPr lIns="90000" rIns="90000" tIns="46800" bIns="46800" anchor="ctr"/>
-          <a:p>
-            <a:endParaRPr/>
-          </a:p>
-        </p:txBody>
-      </p:sp>
-      <p:sp>
-        <p:nvSpPr>
-          <p:cNvPr id="48" name="PlaceHolder 2"/>
+            <a:off x="457200" y="273600"/>
+            <a:ext cx="8229240" cy="1144800"/>
+          </a:xfrm>
+          <a:prstGeom prst="rect">
+            <a:avLst/>
+          </a:prstGeom>
+        </p:spPr>
+        <p:txBody>
+          <a:bodyPr lIns="0" rIns="0" tIns="0" bIns="0" anchor="ctr"/>
+          <a:p>
+            <a:pPr algn="ctr"/>
+            <a:endParaRPr/>
+          </a:p>
+        </p:txBody>
+      </p:sp>
+      <p:sp>
+        <p:nvSpPr>
+          <p:cNvPr id="47" name="PlaceHolder 2"/>
           <p:cNvSpPr>
             <a:spLocks noGrp="1"/>
           </p:cNvSpPr>
@@ -593,15 +611,15 @@
         </p:nvSpPr>
         <p:spPr>
           <a:xfrm>
-            <a:off x="611280" y="1881360"/>
-            <a:ext cx="8424720" cy="4860720"/>
-          </a:xfrm>
-          <a:prstGeom prst="rect">
-            <a:avLst/>
-          </a:prstGeom>
-        </p:spPr>
-        <p:txBody>
-          <a:bodyPr lIns="90000" rIns="90000" tIns="46800" bIns="46800"/>
+            <a:off x="457200" y="1604520"/>
+            <a:ext cx="8229240" cy="3977280"/>
+          </a:xfrm>
+          <a:prstGeom prst="rect">
+            <a:avLst/>
+          </a:prstGeom>
+        </p:spPr>
+        <p:txBody>
+          <a:bodyPr lIns="0" rIns="0" tIns="0" bIns="0"/>
           <a:p>
             <a:endParaRPr/>
           </a:p>
@@ -631,7 +649,7 @@
       </p:grpSpPr>
       <p:sp>
         <p:nvSpPr>
-          <p:cNvPr id="49" name="PlaceHolder 1"/>
+          <p:cNvPr id="48" name="PlaceHolder 1"/>
           <p:cNvSpPr>
             <a:spLocks noGrp="1"/>
           </p:cNvSpPr>
@@ -641,23 +659,24 @@
         </p:nvSpPr>
         <p:spPr>
           <a:xfrm>
-            <a:off x="611280" y="630000"/>
-            <a:ext cx="8424720" cy="1035000"/>
-          </a:xfrm>
-          <a:prstGeom prst="rect">
-            <a:avLst/>
-          </a:prstGeom>
-        </p:spPr>
-        <p:txBody>
-          <a:bodyPr lIns="90000" rIns="90000" tIns="46800" bIns="46800" anchor="ctr"/>
-          <a:p>
-            <a:endParaRPr/>
-          </a:p>
-        </p:txBody>
-      </p:sp>
-      <p:sp>
-        <p:nvSpPr>
-          <p:cNvPr id="50" name="PlaceHolder 2"/>
+            <a:off x="457200" y="273600"/>
+            <a:ext cx="8229240" cy="1144800"/>
+          </a:xfrm>
+          <a:prstGeom prst="rect">
+            <a:avLst/>
+          </a:prstGeom>
+        </p:spPr>
+        <p:txBody>
+          <a:bodyPr lIns="0" rIns="0" tIns="0" bIns="0" anchor="ctr"/>
+          <a:p>
+            <a:pPr algn="ctr"/>
+            <a:endParaRPr/>
+          </a:p>
+        </p:txBody>
+      </p:sp>
+      <p:sp>
+        <p:nvSpPr>
+          <p:cNvPr id="49" name="PlaceHolder 2"/>
           <p:cNvSpPr>
             <a:spLocks noGrp="1"/>
           </p:cNvSpPr>
@@ -667,23 +686,23 @@
         </p:nvSpPr>
         <p:spPr>
           <a:xfrm>
-            <a:off x="611280" y="1881360"/>
-            <a:ext cx="4111200" cy="4860720"/>
-          </a:xfrm>
-          <a:prstGeom prst="rect">
-            <a:avLst/>
-          </a:prstGeom>
-        </p:spPr>
-        <p:txBody>
-          <a:bodyPr lIns="90000" rIns="90000" tIns="46800" bIns="46800"/>
-          <a:p>
-            <a:endParaRPr/>
-          </a:p>
-        </p:txBody>
-      </p:sp>
-      <p:sp>
-        <p:nvSpPr>
-          <p:cNvPr id="51" name="PlaceHolder 3"/>
+            <a:off x="457200" y="1604520"/>
+            <a:ext cx="4015800" cy="3977280"/>
+          </a:xfrm>
+          <a:prstGeom prst="rect">
+            <a:avLst/>
+          </a:prstGeom>
+        </p:spPr>
+        <p:txBody>
+          <a:bodyPr lIns="0" rIns="0" tIns="0" bIns="0"/>
+          <a:p>
+            <a:endParaRPr/>
+          </a:p>
+        </p:txBody>
+      </p:sp>
+      <p:sp>
+        <p:nvSpPr>
+          <p:cNvPr id="50" name="PlaceHolder 3"/>
           <p:cNvSpPr>
             <a:spLocks noGrp="1"/>
           </p:cNvSpPr>
@@ -693,15 +712,15 @@
         </p:nvSpPr>
         <p:spPr>
           <a:xfrm>
-            <a:off x="4928400" y="1881360"/>
-            <a:ext cx="4111200" cy="4860720"/>
-          </a:xfrm>
-          <a:prstGeom prst="rect">
-            <a:avLst/>
-          </a:prstGeom>
-        </p:spPr>
-        <p:txBody>
-          <a:bodyPr lIns="90000" rIns="90000" tIns="46800" bIns="46800"/>
+            <a:off x="4674240" y="1604520"/>
+            <a:ext cx="4015800" cy="3977280"/>
+          </a:xfrm>
+          <a:prstGeom prst="rect">
+            <a:avLst/>
+          </a:prstGeom>
+        </p:spPr>
+        <p:txBody>
+          <a:bodyPr lIns="0" rIns="0" tIns="0" bIns="0"/>
           <a:p>
             <a:endParaRPr/>
           </a:p>
@@ -731,7 +750,7 @@
       </p:grpSpPr>
       <p:sp>
         <p:nvSpPr>
-          <p:cNvPr id="52" name="PlaceHolder 1"/>
+          <p:cNvPr id="51" name="PlaceHolder 1"/>
           <p:cNvSpPr>
             <a:spLocks noGrp="1"/>
           </p:cNvSpPr>
@@ -741,16 +760,17 @@
         </p:nvSpPr>
         <p:spPr>
           <a:xfrm>
-            <a:off x="611280" y="630000"/>
-            <a:ext cx="8424720" cy="1035000"/>
-          </a:xfrm>
-          <a:prstGeom prst="rect">
-            <a:avLst/>
-          </a:prstGeom>
-        </p:spPr>
-        <p:txBody>
-          <a:bodyPr lIns="90000" rIns="90000" tIns="46800" bIns="46800" anchor="ctr"/>
-          <a:p>
+            <a:off x="457200" y="273600"/>
+            <a:ext cx="8229240" cy="1144800"/>
+          </a:xfrm>
+          <a:prstGeom prst="rect">
+            <a:avLst/>
+          </a:prstGeom>
+        </p:spPr>
+        <p:txBody>
+          <a:bodyPr lIns="0" rIns="0" tIns="0" bIns="0" anchor="ctr"/>
+          <a:p>
+            <a:pPr algn="ctr"/>
             <a:endParaRPr/>
           </a:p>
         </p:txBody>
@@ -779,7 +799,7 @@
       </p:grpSpPr>
       <p:sp>
         <p:nvSpPr>
-          <p:cNvPr id="53" name="PlaceHolder 1"/>
+          <p:cNvPr id="52" name="PlaceHolder 1"/>
           <p:cNvSpPr>
             <a:spLocks noGrp="1"/>
           </p:cNvSpPr>
@@ -789,8 +809,8 @@
         </p:nvSpPr>
         <p:spPr>
           <a:xfrm>
-            <a:off x="611280" y="630000"/>
-            <a:ext cx="8424720" cy="4798800"/>
+            <a:off x="457200" y="273600"/>
+            <a:ext cx="8229240" cy="5307840"/>
           </a:xfrm>
           <a:prstGeom prst="rect">
             <a:avLst/>
@@ -828,7 +848,7 @@
       </p:grpSpPr>
       <p:sp>
         <p:nvSpPr>
-          <p:cNvPr id="54" name="PlaceHolder 1"/>
+          <p:cNvPr id="53" name="PlaceHolder 1"/>
           <p:cNvSpPr>
             <a:spLocks noGrp="1"/>
           </p:cNvSpPr>
@@ -838,23 +858,24 @@
         </p:nvSpPr>
         <p:spPr>
           <a:xfrm>
-            <a:off x="611280" y="630000"/>
-            <a:ext cx="8424720" cy="1035000"/>
-          </a:xfrm>
-          <a:prstGeom prst="rect">
-            <a:avLst/>
-          </a:prstGeom>
-        </p:spPr>
-        <p:txBody>
-          <a:bodyPr lIns="90000" rIns="90000" tIns="46800" bIns="46800" anchor="ctr"/>
-          <a:p>
-            <a:endParaRPr/>
-          </a:p>
-        </p:txBody>
-      </p:sp>
-      <p:sp>
-        <p:nvSpPr>
-          <p:cNvPr id="55" name="PlaceHolder 2"/>
+            <a:off x="457200" y="273600"/>
+            <a:ext cx="8229240" cy="1144800"/>
+          </a:xfrm>
+          <a:prstGeom prst="rect">
+            <a:avLst/>
+          </a:prstGeom>
+        </p:spPr>
+        <p:txBody>
+          <a:bodyPr lIns="0" rIns="0" tIns="0" bIns="0" anchor="ctr"/>
+          <a:p>
+            <a:pPr algn="ctr"/>
+            <a:endParaRPr/>
+          </a:p>
+        </p:txBody>
+      </p:sp>
+      <p:sp>
+        <p:nvSpPr>
+          <p:cNvPr id="54" name="PlaceHolder 2"/>
           <p:cNvSpPr>
             <a:spLocks noGrp="1"/>
           </p:cNvSpPr>
@@ -864,23 +885,23 @@
         </p:nvSpPr>
         <p:spPr>
           <a:xfrm>
-            <a:off x="611280" y="1881360"/>
-            <a:ext cx="4111200" cy="2318400"/>
-          </a:xfrm>
-          <a:prstGeom prst="rect">
-            <a:avLst/>
-          </a:prstGeom>
-        </p:spPr>
-        <p:txBody>
-          <a:bodyPr lIns="90000" rIns="90000" tIns="46800" bIns="46800"/>
-          <a:p>
-            <a:endParaRPr/>
-          </a:p>
-        </p:txBody>
-      </p:sp>
-      <p:sp>
-        <p:nvSpPr>
-          <p:cNvPr id="56" name="PlaceHolder 3"/>
+            <a:off x="457200" y="1604520"/>
+            <a:ext cx="4015800" cy="1896840"/>
+          </a:xfrm>
+          <a:prstGeom prst="rect">
+            <a:avLst/>
+          </a:prstGeom>
+        </p:spPr>
+        <p:txBody>
+          <a:bodyPr lIns="0" rIns="0" tIns="0" bIns="0"/>
+          <a:p>
+            <a:endParaRPr/>
+          </a:p>
+        </p:txBody>
+      </p:sp>
+      <p:sp>
+        <p:nvSpPr>
+          <p:cNvPr id="55" name="PlaceHolder 3"/>
           <p:cNvSpPr>
             <a:spLocks noGrp="1"/>
           </p:cNvSpPr>
@@ -890,23 +911,23 @@
         </p:nvSpPr>
         <p:spPr>
           <a:xfrm>
-            <a:off x="611280" y="4420440"/>
-            <a:ext cx="4111200" cy="2318400"/>
-          </a:xfrm>
-          <a:prstGeom prst="rect">
-            <a:avLst/>
-          </a:prstGeom>
-        </p:spPr>
-        <p:txBody>
-          <a:bodyPr lIns="90000" rIns="90000" tIns="46800" bIns="46800"/>
-          <a:p>
-            <a:endParaRPr/>
-          </a:p>
-        </p:txBody>
-      </p:sp>
-      <p:sp>
-        <p:nvSpPr>
-          <p:cNvPr id="57" name="PlaceHolder 4"/>
+            <a:off x="457200" y="3682080"/>
+            <a:ext cx="4015800" cy="1896840"/>
+          </a:xfrm>
+          <a:prstGeom prst="rect">
+            <a:avLst/>
+          </a:prstGeom>
+        </p:spPr>
+        <p:txBody>
+          <a:bodyPr lIns="0" rIns="0" tIns="0" bIns="0"/>
+          <a:p>
+            <a:endParaRPr/>
+          </a:p>
+        </p:txBody>
+      </p:sp>
+      <p:sp>
+        <p:nvSpPr>
+          <p:cNvPr id="56" name="PlaceHolder 4"/>
           <p:cNvSpPr>
             <a:spLocks noGrp="1"/>
           </p:cNvSpPr>
@@ -916,15 +937,15 @@
         </p:nvSpPr>
         <p:spPr>
           <a:xfrm>
-            <a:off x="4928400" y="1881360"/>
-            <a:ext cx="4111200" cy="4860720"/>
-          </a:xfrm>
-          <a:prstGeom prst="rect">
-            <a:avLst/>
-          </a:prstGeom>
-        </p:spPr>
-        <p:txBody>
-          <a:bodyPr lIns="90000" rIns="90000" tIns="46800" bIns="46800"/>
+            <a:off x="4674240" y="1604520"/>
+            <a:ext cx="4015800" cy="3977280"/>
+          </a:xfrm>
+          <a:prstGeom prst="rect">
+            <a:avLst/>
+          </a:prstGeom>
+        </p:spPr>
+        <p:txBody>
+          <a:bodyPr lIns="0" rIns="0" tIns="0" bIns="0"/>
           <a:p>
             <a:endParaRPr/>
           </a:p>
@@ -964,16 +985,17 @@
         </p:nvSpPr>
         <p:spPr>
           <a:xfrm>
-            <a:off x="611280" y="630000"/>
-            <a:ext cx="8424720" cy="1035000"/>
-          </a:xfrm>
-          <a:prstGeom prst="rect">
-            <a:avLst/>
-          </a:prstGeom>
-        </p:spPr>
-        <p:txBody>
-          <a:bodyPr lIns="90000" rIns="90000" tIns="46800" bIns="46800" anchor="ctr"/>
-          <a:p>
+            <a:off x="457200" y="273600"/>
+            <a:ext cx="8229240" cy="1144800"/>
+          </a:xfrm>
+          <a:prstGeom prst="rect">
+            <a:avLst/>
+          </a:prstGeom>
+        </p:spPr>
+        <p:txBody>
+          <a:bodyPr lIns="0" rIns="0" tIns="0" bIns="0" anchor="ctr"/>
+          <a:p>
+            <a:pPr algn="ctr"/>
             <a:endParaRPr/>
           </a:p>
         </p:txBody>
@@ -990,8 +1012,8 @@
         </p:nvSpPr>
         <p:spPr>
           <a:xfrm>
-            <a:off x="611280" y="1881360"/>
-            <a:ext cx="8424720" cy="4860720"/>
+            <a:off x="457200" y="1604520"/>
+            <a:ext cx="8229240" cy="3977280"/>
           </a:xfrm>
           <a:prstGeom prst="rect">
             <a:avLst/>
@@ -1029,7 +1051,7 @@
       </p:grpSpPr>
       <p:sp>
         <p:nvSpPr>
-          <p:cNvPr id="58" name="PlaceHolder 1"/>
+          <p:cNvPr id="57" name="PlaceHolder 1"/>
           <p:cNvSpPr>
             <a:spLocks noGrp="1"/>
           </p:cNvSpPr>
@@ -1039,23 +1061,24 @@
         </p:nvSpPr>
         <p:spPr>
           <a:xfrm>
-            <a:off x="611280" y="630000"/>
-            <a:ext cx="8424720" cy="1035000"/>
-          </a:xfrm>
-          <a:prstGeom prst="rect">
-            <a:avLst/>
-          </a:prstGeom>
-        </p:spPr>
-        <p:txBody>
-          <a:bodyPr lIns="90000" rIns="90000" tIns="46800" bIns="46800" anchor="ctr"/>
-          <a:p>
-            <a:endParaRPr/>
-          </a:p>
-        </p:txBody>
-      </p:sp>
-      <p:sp>
-        <p:nvSpPr>
-          <p:cNvPr id="59" name="PlaceHolder 2"/>
+            <a:off x="457200" y="273600"/>
+            <a:ext cx="8229240" cy="1144800"/>
+          </a:xfrm>
+          <a:prstGeom prst="rect">
+            <a:avLst/>
+          </a:prstGeom>
+        </p:spPr>
+        <p:txBody>
+          <a:bodyPr lIns="0" rIns="0" tIns="0" bIns="0" anchor="ctr"/>
+          <a:p>
+            <a:pPr algn="ctr"/>
+            <a:endParaRPr/>
+          </a:p>
+        </p:txBody>
+      </p:sp>
+      <p:sp>
+        <p:nvSpPr>
+          <p:cNvPr id="58" name="PlaceHolder 2"/>
           <p:cNvSpPr>
             <a:spLocks noGrp="1"/>
           </p:cNvSpPr>
@@ -1065,23 +1088,23 @@
         </p:nvSpPr>
         <p:spPr>
           <a:xfrm>
-            <a:off x="611280" y="1881360"/>
-            <a:ext cx="4111200" cy="4860720"/>
-          </a:xfrm>
-          <a:prstGeom prst="rect">
-            <a:avLst/>
-          </a:prstGeom>
-        </p:spPr>
-        <p:txBody>
-          <a:bodyPr lIns="90000" rIns="90000" tIns="46800" bIns="46800"/>
-          <a:p>
-            <a:endParaRPr/>
-          </a:p>
-        </p:txBody>
-      </p:sp>
-      <p:sp>
-        <p:nvSpPr>
-          <p:cNvPr id="60" name="PlaceHolder 3"/>
+            <a:off x="457200" y="1604520"/>
+            <a:ext cx="4015800" cy="3977280"/>
+          </a:xfrm>
+          <a:prstGeom prst="rect">
+            <a:avLst/>
+          </a:prstGeom>
+        </p:spPr>
+        <p:txBody>
+          <a:bodyPr lIns="0" rIns="0" tIns="0" bIns="0"/>
+          <a:p>
+            <a:endParaRPr/>
+          </a:p>
+        </p:txBody>
+      </p:sp>
+      <p:sp>
+        <p:nvSpPr>
+          <p:cNvPr id="59" name="PlaceHolder 3"/>
           <p:cNvSpPr>
             <a:spLocks noGrp="1"/>
           </p:cNvSpPr>
@@ -1091,23 +1114,23 @@
         </p:nvSpPr>
         <p:spPr>
           <a:xfrm>
-            <a:off x="4928400" y="1881360"/>
-            <a:ext cx="4111200" cy="2318400"/>
-          </a:xfrm>
-          <a:prstGeom prst="rect">
-            <a:avLst/>
-          </a:prstGeom>
-        </p:spPr>
-        <p:txBody>
-          <a:bodyPr lIns="90000" rIns="90000" tIns="46800" bIns="46800"/>
-          <a:p>
-            <a:endParaRPr/>
-          </a:p>
-        </p:txBody>
-      </p:sp>
-      <p:sp>
-        <p:nvSpPr>
-          <p:cNvPr id="61" name="PlaceHolder 4"/>
+            <a:off x="4674240" y="1604520"/>
+            <a:ext cx="4015800" cy="1896840"/>
+          </a:xfrm>
+          <a:prstGeom prst="rect">
+            <a:avLst/>
+          </a:prstGeom>
+        </p:spPr>
+        <p:txBody>
+          <a:bodyPr lIns="0" rIns="0" tIns="0" bIns="0"/>
+          <a:p>
+            <a:endParaRPr/>
+          </a:p>
+        </p:txBody>
+      </p:sp>
+      <p:sp>
+        <p:nvSpPr>
+          <p:cNvPr id="60" name="PlaceHolder 4"/>
           <p:cNvSpPr>
             <a:spLocks noGrp="1"/>
           </p:cNvSpPr>
@@ -1117,15 +1140,15 @@
         </p:nvSpPr>
         <p:spPr>
           <a:xfrm>
-            <a:off x="4928400" y="4420440"/>
-            <a:ext cx="4111200" cy="2318400"/>
-          </a:xfrm>
-          <a:prstGeom prst="rect">
-            <a:avLst/>
-          </a:prstGeom>
-        </p:spPr>
-        <p:txBody>
-          <a:bodyPr lIns="90000" rIns="90000" tIns="46800" bIns="46800"/>
+            <a:off x="4674240" y="3682080"/>
+            <a:ext cx="4015800" cy="1896840"/>
+          </a:xfrm>
+          <a:prstGeom prst="rect">
+            <a:avLst/>
+          </a:prstGeom>
+        </p:spPr>
+        <p:txBody>
+          <a:bodyPr lIns="0" rIns="0" tIns="0" bIns="0"/>
           <a:p>
             <a:endParaRPr/>
           </a:p>
@@ -1155,7 +1178,7 @@
       </p:grpSpPr>
       <p:sp>
         <p:nvSpPr>
-          <p:cNvPr id="62" name="PlaceHolder 1"/>
+          <p:cNvPr id="61" name="PlaceHolder 1"/>
           <p:cNvSpPr>
             <a:spLocks noGrp="1"/>
           </p:cNvSpPr>
@@ -1165,23 +1188,24 @@
         </p:nvSpPr>
         <p:spPr>
           <a:xfrm>
-            <a:off x="611280" y="630000"/>
-            <a:ext cx="8424720" cy="1035000"/>
-          </a:xfrm>
-          <a:prstGeom prst="rect">
-            <a:avLst/>
-          </a:prstGeom>
-        </p:spPr>
-        <p:txBody>
-          <a:bodyPr lIns="90000" rIns="90000" tIns="46800" bIns="46800" anchor="ctr"/>
-          <a:p>
-            <a:endParaRPr/>
-          </a:p>
-        </p:txBody>
-      </p:sp>
-      <p:sp>
-        <p:nvSpPr>
-          <p:cNvPr id="63" name="PlaceHolder 2"/>
+            <a:off x="457200" y="273600"/>
+            <a:ext cx="8229240" cy="1144800"/>
+          </a:xfrm>
+          <a:prstGeom prst="rect">
+            <a:avLst/>
+          </a:prstGeom>
+        </p:spPr>
+        <p:txBody>
+          <a:bodyPr lIns="0" rIns="0" tIns="0" bIns="0" anchor="ctr"/>
+          <a:p>
+            <a:pPr algn="ctr"/>
+            <a:endParaRPr/>
+          </a:p>
+        </p:txBody>
+      </p:sp>
+      <p:sp>
+        <p:nvSpPr>
+          <p:cNvPr id="62" name="PlaceHolder 2"/>
           <p:cNvSpPr>
             <a:spLocks noGrp="1"/>
           </p:cNvSpPr>
@@ -1191,23 +1215,23 @@
         </p:nvSpPr>
         <p:spPr>
           <a:xfrm>
-            <a:off x="611280" y="1881360"/>
-            <a:ext cx="4111200" cy="2318400"/>
-          </a:xfrm>
-          <a:prstGeom prst="rect">
-            <a:avLst/>
-          </a:prstGeom>
-        </p:spPr>
-        <p:txBody>
-          <a:bodyPr lIns="90000" rIns="90000" tIns="46800" bIns="46800"/>
-          <a:p>
-            <a:endParaRPr/>
-          </a:p>
-        </p:txBody>
-      </p:sp>
-      <p:sp>
-        <p:nvSpPr>
-          <p:cNvPr id="64" name="PlaceHolder 3"/>
+            <a:off x="457200" y="1604520"/>
+            <a:ext cx="4015800" cy="1896840"/>
+          </a:xfrm>
+          <a:prstGeom prst="rect">
+            <a:avLst/>
+          </a:prstGeom>
+        </p:spPr>
+        <p:txBody>
+          <a:bodyPr lIns="0" rIns="0" tIns="0" bIns="0"/>
+          <a:p>
+            <a:endParaRPr/>
+          </a:p>
+        </p:txBody>
+      </p:sp>
+      <p:sp>
+        <p:nvSpPr>
+          <p:cNvPr id="63" name="PlaceHolder 3"/>
           <p:cNvSpPr>
             <a:spLocks noGrp="1"/>
           </p:cNvSpPr>
@@ -1217,23 +1241,23 @@
         </p:nvSpPr>
         <p:spPr>
           <a:xfrm>
-            <a:off x="4928400" y="1881360"/>
-            <a:ext cx="4111200" cy="2318400"/>
-          </a:xfrm>
-          <a:prstGeom prst="rect">
-            <a:avLst/>
-          </a:prstGeom>
-        </p:spPr>
-        <p:txBody>
-          <a:bodyPr lIns="90000" rIns="90000" tIns="46800" bIns="46800"/>
-          <a:p>
-            <a:endParaRPr/>
-          </a:p>
-        </p:txBody>
-      </p:sp>
-      <p:sp>
-        <p:nvSpPr>
-          <p:cNvPr id="65" name="PlaceHolder 4"/>
+            <a:off x="4674240" y="1604520"/>
+            <a:ext cx="4015800" cy="1896840"/>
+          </a:xfrm>
+          <a:prstGeom prst="rect">
+            <a:avLst/>
+          </a:prstGeom>
+        </p:spPr>
+        <p:txBody>
+          <a:bodyPr lIns="0" rIns="0" tIns="0" bIns="0"/>
+          <a:p>
+            <a:endParaRPr/>
+          </a:p>
+        </p:txBody>
+      </p:sp>
+      <p:sp>
+        <p:nvSpPr>
+          <p:cNvPr id="64" name="PlaceHolder 4"/>
           <p:cNvSpPr>
             <a:spLocks noGrp="1"/>
           </p:cNvSpPr>
@@ -1243,15 +1267,15 @@
         </p:nvSpPr>
         <p:spPr>
           <a:xfrm>
-            <a:off x="611280" y="4420440"/>
-            <a:ext cx="8424720" cy="2318400"/>
-          </a:xfrm>
-          <a:prstGeom prst="rect">
-            <a:avLst/>
-          </a:prstGeom>
-        </p:spPr>
-        <p:txBody>
-          <a:bodyPr lIns="90000" rIns="90000" tIns="46800" bIns="46800"/>
+            <a:off x="457200" y="3682080"/>
+            <a:ext cx="8229240" cy="1896840"/>
+          </a:xfrm>
+          <a:prstGeom prst="rect">
+            <a:avLst/>
+          </a:prstGeom>
+        </p:spPr>
+        <p:txBody>
+          <a:bodyPr lIns="0" rIns="0" tIns="0" bIns="0"/>
           <a:p>
             <a:endParaRPr/>
           </a:p>
@@ -1281,7 +1305,7 @@
       </p:grpSpPr>
       <p:sp>
         <p:nvSpPr>
-          <p:cNvPr id="66" name="PlaceHolder 1"/>
+          <p:cNvPr id="65" name="PlaceHolder 1"/>
           <p:cNvSpPr>
             <a:spLocks noGrp="1"/>
           </p:cNvSpPr>
@@ -1291,23 +1315,24 @@
         </p:nvSpPr>
         <p:spPr>
           <a:xfrm>
-            <a:off x="611280" y="630000"/>
-            <a:ext cx="8424720" cy="1035000"/>
-          </a:xfrm>
-          <a:prstGeom prst="rect">
-            <a:avLst/>
-          </a:prstGeom>
-        </p:spPr>
-        <p:txBody>
-          <a:bodyPr lIns="90000" rIns="90000" tIns="46800" bIns="46800" anchor="ctr"/>
-          <a:p>
-            <a:endParaRPr/>
-          </a:p>
-        </p:txBody>
-      </p:sp>
-      <p:sp>
-        <p:nvSpPr>
-          <p:cNvPr id="67" name="PlaceHolder 2"/>
+            <a:off x="457200" y="273600"/>
+            <a:ext cx="8229240" cy="1144800"/>
+          </a:xfrm>
+          <a:prstGeom prst="rect">
+            <a:avLst/>
+          </a:prstGeom>
+        </p:spPr>
+        <p:txBody>
+          <a:bodyPr lIns="0" rIns="0" tIns="0" bIns="0" anchor="ctr"/>
+          <a:p>
+            <a:pPr algn="ctr"/>
+            <a:endParaRPr/>
+          </a:p>
+        </p:txBody>
+      </p:sp>
+      <p:sp>
+        <p:nvSpPr>
+          <p:cNvPr id="66" name="PlaceHolder 2"/>
           <p:cNvSpPr>
             <a:spLocks noGrp="1"/>
           </p:cNvSpPr>
@@ -1317,23 +1342,23 @@
         </p:nvSpPr>
         <p:spPr>
           <a:xfrm>
-            <a:off x="611280" y="1881360"/>
-            <a:ext cx="8424720" cy="2318400"/>
-          </a:xfrm>
-          <a:prstGeom prst="rect">
-            <a:avLst/>
-          </a:prstGeom>
-        </p:spPr>
-        <p:txBody>
-          <a:bodyPr lIns="90000" rIns="90000" tIns="46800" bIns="46800"/>
-          <a:p>
-            <a:endParaRPr/>
-          </a:p>
-        </p:txBody>
-      </p:sp>
-      <p:sp>
-        <p:nvSpPr>
-          <p:cNvPr id="68" name="PlaceHolder 3"/>
+            <a:off x="457200" y="1604520"/>
+            <a:ext cx="8229240" cy="1896840"/>
+          </a:xfrm>
+          <a:prstGeom prst="rect">
+            <a:avLst/>
+          </a:prstGeom>
+        </p:spPr>
+        <p:txBody>
+          <a:bodyPr lIns="0" rIns="0" tIns="0" bIns="0"/>
+          <a:p>
+            <a:endParaRPr/>
+          </a:p>
+        </p:txBody>
+      </p:sp>
+      <p:sp>
+        <p:nvSpPr>
+          <p:cNvPr id="67" name="PlaceHolder 3"/>
           <p:cNvSpPr>
             <a:spLocks noGrp="1"/>
           </p:cNvSpPr>
@@ -1343,15 +1368,15 @@
         </p:nvSpPr>
         <p:spPr>
           <a:xfrm>
-            <a:off x="611280" y="4420440"/>
-            <a:ext cx="8424720" cy="2318400"/>
-          </a:xfrm>
-          <a:prstGeom prst="rect">
-            <a:avLst/>
-          </a:prstGeom>
-        </p:spPr>
-        <p:txBody>
-          <a:bodyPr lIns="90000" rIns="90000" tIns="46800" bIns="46800"/>
+            <a:off x="457200" y="3682080"/>
+            <a:ext cx="8229240" cy="1896840"/>
+          </a:xfrm>
+          <a:prstGeom prst="rect">
+            <a:avLst/>
+          </a:prstGeom>
+        </p:spPr>
+        <p:txBody>
+          <a:bodyPr lIns="0" rIns="0" tIns="0" bIns="0"/>
           <a:p>
             <a:endParaRPr/>
           </a:p>
@@ -1381,7 +1406,7 @@
       </p:grpSpPr>
       <p:sp>
         <p:nvSpPr>
-          <p:cNvPr id="69" name="PlaceHolder 1"/>
+          <p:cNvPr id="68" name="PlaceHolder 1"/>
           <p:cNvSpPr>
             <a:spLocks noGrp="1"/>
           </p:cNvSpPr>
@@ -1391,23 +1416,24 @@
         </p:nvSpPr>
         <p:spPr>
           <a:xfrm>
-            <a:off x="611280" y="630000"/>
-            <a:ext cx="8424720" cy="1035000"/>
-          </a:xfrm>
-          <a:prstGeom prst="rect">
-            <a:avLst/>
-          </a:prstGeom>
-        </p:spPr>
-        <p:txBody>
-          <a:bodyPr lIns="90000" rIns="90000" tIns="46800" bIns="46800" anchor="ctr"/>
-          <a:p>
-            <a:endParaRPr/>
-          </a:p>
-        </p:txBody>
-      </p:sp>
-      <p:sp>
-        <p:nvSpPr>
-          <p:cNvPr id="70" name="PlaceHolder 2"/>
+            <a:off x="457200" y="273600"/>
+            <a:ext cx="8229240" cy="1144800"/>
+          </a:xfrm>
+          <a:prstGeom prst="rect">
+            <a:avLst/>
+          </a:prstGeom>
+        </p:spPr>
+        <p:txBody>
+          <a:bodyPr lIns="0" rIns="0" tIns="0" bIns="0" anchor="ctr"/>
+          <a:p>
+            <a:pPr algn="ctr"/>
+            <a:endParaRPr/>
+          </a:p>
+        </p:txBody>
+      </p:sp>
+      <p:sp>
+        <p:nvSpPr>
+          <p:cNvPr id="69" name="PlaceHolder 2"/>
           <p:cNvSpPr>
             <a:spLocks noGrp="1"/>
           </p:cNvSpPr>
@@ -1417,23 +1443,23 @@
         </p:nvSpPr>
         <p:spPr>
           <a:xfrm>
-            <a:off x="611280" y="1881360"/>
-            <a:ext cx="4111200" cy="2318400"/>
-          </a:xfrm>
-          <a:prstGeom prst="rect">
-            <a:avLst/>
-          </a:prstGeom>
-        </p:spPr>
-        <p:txBody>
-          <a:bodyPr lIns="90000" rIns="90000" tIns="46800" bIns="46800"/>
-          <a:p>
-            <a:endParaRPr/>
-          </a:p>
-        </p:txBody>
-      </p:sp>
-      <p:sp>
-        <p:nvSpPr>
-          <p:cNvPr id="71" name="PlaceHolder 3"/>
+            <a:off x="457200" y="1604520"/>
+            <a:ext cx="4015800" cy="1896840"/>
+          </a:xfrm>
+          <a:prstGeom prst="rect">
+            <a:avLst/>
+          </a:prstGeom>
+        </p:spPr>
+        <p:txBody>
+          <a:bodyPr lIns="0" rIns="0" tIns="0" bIns="0"/>
+          <a:p>
+            <a:endParaRPr/>
+          </a:p>
+        </p:txBody>
+      </p:sp>
+      <p:sp>
+        <p:nvSpPr>
+          <p:cNvPr id="70" name="PlaceHolder 3"/>
           <p:cNvSpPr>
             <a:spLocks noGrp="1"/>
           </p:cNvSpPr>
@@ -1443,23 +1469,23 @@
         </p:nvSpPr>
         <p:spPr>
           <a:xfrm>
-            <a:off x="4928400" y="1881360"/>
-            <a:ext cx="4111200" cy="2318400"/>
-          </a:xfrm>
-          <a:prstGeom prst="rect">
-            <a:avLst/>
-          </a:prstGeom>
-        </p:spPr>
-        <p:txBody>
-          <a:bodyPr lIns="90000" rIns="90000" tIns="46800" bIns="46800"/>
-          <a:p>
-            <a:endParaRPr/>
-          </a:p>
-        </p:txBody>
-      </p:sp>
-      <p:sp>
-        <p:nvSpPr>
-          <p:cNvPr id="72" name="PlaceHolder 4"/>
+            <a:off x="4674240" y="1604520"/>
+            <a:ext cx="4015800" cy="1896840"/>
+          </a:xfrm>
+          <a:prstGeom prst="rect">
+            <a:avLst/>
+          </a:prstGeom>
+        </p:spPr>
+        <p:txBody>
+          <a:bodyPr lIns="0" rIns="0" tIns="0" bIns="0"/>
+          <a:p>
+            <a:endParaRPr/>
+          </a:p>
+        </p:txBody>
+      </p:sp>
+      <p:sp>
+        <p:nvSpPr>
+          <p:cNvPr id="71" name="PlaceHolder 4"/>
           <p:cNvSpPr>
             <a:spLocks noGrp="1"/>
           </p:cNvSpPr>
@@ -1469,23 +1495,23 @@
         </p:nvSpPr>
         <p:spPr>
           <a:xfrm>
-            <a:off x="4928400" y="4420440"/>
-            <a:ext cx="4111200" cy="2318400"/>
-          </a:xfrm>
-          <a:prstGeom prst="rect">
-            <a:avLst/>
-          </a:prstGeom>
-        </p:spPr>
-        <p:txBody>
-          <a:bodyPr lIns="90000" rIns="90000" tIns="46800" bIns="46800"/>
-          <a:p>
-            <a:endParaRPr/>
-          </a:p>
-        </p:txBody>
-      </p:sp>
-      <p:sp>
-        <p:nvSpPr>
-          <p:cNvPr id="73" name="PlaceHolder 5"/>
+            <a:off x="4674240" y="3682080"/>
+            <a:ext cx="4015800" cy="1896840"/>
+          </a:xfrm>
+          <a:prstGeom prst="rect">
+            <a:avLst/>
+          </a:prstGeom>
+        </p:spPr>
+        <p:txBody>
+          <a:bodyPr lIns="0" rIns="0" tIns="0" bIns="0"/>
+          <a:p>
+            <a:endParaRPr/>
+          </a:p>
+        </p:txBody>
+      </p:sp>
+      <p:sp>
+        <p:nvSpPr>
+          <p:cNvPr id="72" name="PlaceHolder 5"/>
           <p:cNvSpPr>
             <a:spLocks noGrp="1"/>
           </p:cNvSpPr>
@@ -1495,15 +1521,15 @@
         </p:nvSpPr>
         <p:spPr>
           <a:xfrm>
-            <a:off x="611280" y="4420440"/>
-            <a:ext cx="4111200" cy="2318400"/>
-          </a:xfrm>
-          <a:prstGeom prst="rect">
-            <a:avLst/>
-          </a:prstGeom>
-        </p:spPr>
-        <p:txBody>
-          <a:bodyPr lIns="90000" rIns="90000" tIns="46800" bIns="46800"/>
+            <a:off x="457200" y="3682080"/>
+            <a:ext cx="4015800" cy="1896840"/>
+          </a:xfrm>
+          <a:prstGeom prst="rect">
+            <a:avLst/>
+          </a:prstGeom>
+        </p:spPr>
+        <p:txBody>
+          <a:bodyPr lIns="0" rIns="0" tIns="0" bIns="0"/>
           <a:p>
             <a:endParaRPr/>
           </a:p>
@@ -1533,7 +1559,7 @@
       </p:grpSpPr>
       <p:sp>
         <p:nvSpPr>
-          <p:cNvPr id="74" name="PlaceHolder 1"/>
+          <p:cNvPr id="73" name="PlaceHolder 1"/>
           <p:cNvSpPr>
             <a:spLocks noGrp="1"/>
           </p:cNvSpPr>
@@ -1543,23 +1569,24 @@
         </p:nvSpPr>
         <p:spPr>
           <a:xfrm>
-            <a:off x="611280" y="630000"/>
-            <a:ext cx="8424720" cy="1035000"/>
-          </a:xfrm>
-          <a:prstGeom prst="rect">
-            <a:avLst/>
-          </a:prstGeom>
-        </p:spPr>
-        <p:txBody>
-          <a:bodyPr lIns="90000" rIns="90000" tIns="46800" bIns="46800" anchor="ctr"/>
-          <a:p>
-            <a:endParaRPr/>
-          </a:p>
-        </p:txBody>
-      </p:sp>
-      <p:sp>
-        <p:nvSpPr>
-          <p:cNvPr id="75" name="PlaceHolder 2"/>
+            <a:off x="457200" y="273600"/>
+            <a:ext cx="8229240" cy="1144800"/>
+          </a:xfrm>
+          <a:prstGeom prst="rect">
+            <a:avLst/>
+          </a:prstGeom>
+        </p:spPr>
+        <p:txBody>
+          <a:bodyPr lIns="0" rIns="0" tIns="0" bIns="0" anchor="ctr"/>
+          <a:p>
+            <a:pPr algn="ctr"/>
+            <a:endParaRPr/>
+          </a:p>
+        </p:txBody>
+      </p:sp>
+      <p:sp>
+        <p:nvSpPr>
+          <p:cNvPr id="74" name="PlaceHolder 2"/>
           <p:cNvSpPr>
             <a:spLocks noGrp="1"/>
           </p:cNvSpPr>
@@ -1569,23 +1596,23 @@
         </p:nvSpPr>
         <p:spPr>
           <a:xfrm>
-            <a:off x="611280" y="1881360"/>
-            <a:ext cx="8424720" cy="4860720"/>
-          </a:xfrm>
-          <a:prstGeom prst="rect">
-            <a:avLst/>
-          </a:prstGeom>
-        </p:spPr>
-        <p:txBody>
-          <a:bodyPr lIns="90000" rIns="90000" tIns="46800" bIns="46800"/>
-          <a:p>
-            <a:endParaRPr/>
-          </a:p>
-        </p:txBody>
-      </p:sp>
-      <p:sp>
-        <p:nvSpPr>
-          <p:cNvPr id="76" name="PlaceHolder 3"/>
+            <a:off x="457200" y="1604520"/>
+            <a:ext cx="8229240" cy="3977280"/>
+          </a:xfrm>
+          <a:prstGeom prst="rect">
+            <a:avLst/>
+          </a:prstGeom>
+        </p:spPr>
+        <p:txBody>
+          <a:bodyPr lIns="0" rIns="0" tIns="0" bIns="0"/>
+          <a:p>
+            <a:endParaRPr/>
+          </a:p>
+        </p:txBody>
+      </p:sp>
+      <p:sp>
+        <p:nvSpPr>
+          <p:cNvPr id="75" name="PlaceHolder 3"/>
           <p:cNvSpPr>
             <a:spLocks noGrp="1"/>
           </p:cNvSpPr>
@@ -1595,20 +1622,43 @@
         </p:nvSpPr>
         <p:spPr>
           <a:xfrm>
-            <a:off x="611280" y="1881360"/>
-            <a:ext cx="8424720" cy="4860720"/>
-          </a:xfrm>
-          <a:prstGeom prst="rect">
-            <a:avLst/>
-          </a:prstGeom>
-        </p:spPr>
-        <p:txBody>
-          <a:bodyPr lIns="90000" rIns="90000" tIns="46800" bIns="46800"/>
-          <a:p>
-            <a:endParaRPr/>
-          </a:p>
-        </p:txBody>
-      </p:sp>
+            <a:off x="457200" y="1604520"/>
+            <a:ext cx="8229240" cy="3977280"/>
+          </a:xfrm>
+          <a:prstGeom prst="rect">
+            <a:avLst/>
+          </a:prstGeom>
+        </p:spPr>
+        <p:txBody>
+          <a:bodyPr lIns="0" rIns="0" tIns="0" bIns="0"/>
+          <a:p>
+            <a:endParaRPr/>
+          </a:p>
+        </p:txBody>
+      </p:sp>
+      <p:pic>
+        <p:nvPicPr>
+          <p:cNvPr id="76" name="" descr=""/>
+          <p:cNvPicPr/>
+          <p:nvPr/>
+        </p:nvPicPr>
+        <p:blipFill>
+          <a:blip r:embed="rId2"/>
+          <a:stretch/>
+        </p:blipFill>
+        <p:spPr>
+          <a:xfrm>
+            <a:off x="2079000" y="1604520"/>
+            <a:ext cx="4984920" cy="3977280"/>
+          </a:xfrm>
+          <a:prstGeom prst="rect">
+            <a:avLst/>
+          </a:prstGeom>
+          <a:ln>
+            <a:noFill/>
+          </a:ln>
+        </p:spPr>
+      </p:pic>
       <p:pic>
         <p:nvPicPr>
           <p:cNvPr id="77" name="" descr=""/>
@@ -1616,36 +1666,13 @@
           <p:nvPr/>
         </p:nvPicPr>
         <p:blipFill>
-          <a:blip r:embed="rId2"/>
-          <a:stretch/>
-        </p:blipFill>
-        <p:spPr>
-          <a:xfrm>
-            <a:off x="1777680" y="1881360"/>
-            <a:ext cx="6091920" cy="4860720"/>
-          </a:xfrm>
-          <a:prstGeom prst="rect">
-            <a:avLst/>
-          </a:prstGeom>
-          <a:ln>
-            <a:noFill/>
-          </a:ln>
-        </p:spPr>
-      </p:pic>
-      <p:pic>
-        <p:nvPicPr>
-          <p:cNvPr id="78" name="" descr=""/>
-          <p:cNvPicPr/>
-          <p:nvPr/>
-        </p:nvPicPr>
-        <p:blipFill>
           <a:blip r:embed="rId3"/>
           <a:stretch/>
         </p:blipFill>
         <p:spPr>
           <a:xfrm>
-            <a:off x="1777680" y="1881360"/>
-            <a:ext cx="6091920" cy="4860720"/>
+            <a:off x="2079000" y="1604520"/>
+            <a:ext cx="4984920" cy="3977280"/>
           </a:xfrm>
           <a:prstGeom prst="rect">
             <a:avLst/>
@@ -1689,16 +1716,17 @@
         </p:nvSpPr>
         <p:spPr>
           <a:xfrm>
-            <a:off x="611280" y="630000"/>
-            <a:ext cx="8424720" cy="1035000"/>
-          </a:xfrm>
-          <a:prstGeom prst="rect">
-            <a:avLst/>
-          </a:prstGeom>
-        </p:spPr>
-        <p:txBody>
-          <a:bodyPr lIns="90000" rIns="90000" tIns="46800" bIns="46800" anchor="ctr"/>
-          <a:p>
+            <a:off x="457200" y="273600"/>
+            <a:ext cx="8229240" cy="1144800"/>
+          </a:xfrm>
+          <a:prstGeom prst="rect">
+            <a:avLst/>
+          </a:prstGeom>
+        </p:spPr>
+        <p:txBody>
+          <a:bodyPr lIns="0" rIns="0" tIns="0" bIns="0" anchor="ctr"/>
+          <a:p>
+            <a:pPr algn="ctr"/>
             <a:endParaRPr/>
           </a:p>
         </p:txBody>
@@ -1715,15 +1743,15 @@
         </p:nvSpPr>
         <p:spPr>
           <a:xfrm>
-            <a:off x="611280" y="1881360"/>
-            <a:ext cx="8424720" cy="4860720"/>
-          </a:xfrm>
-          <a:prstGeom prst="rect">
-            <a:avLst/>
-          </a:prstGeom>
-        </p:spPr>
-        <p:txBody>
-          <a:bodyPr lIns="90000" rIns="90000" tIns="46800" bIns="46800"/>
+            <a:off x="457200" y="1604520"/>
+            <a:ext cx="8229240" cy="3977280"/>
+          </a:xfrm>
+          <a:prstGeom prst="rect">
+            <a:avLst/>
+          </a:prstGeom>
+        </p:spPr>
+        <p:txBody>
+          <a:bodyPr lIns="0" rIns="0" tIns="0" bIns="0"/>
           <a:p>
             <a:endParaRPr/>
           </a:p>
@@ -1763,16 +1791,17 @@
         </p:nvSpPr>
         <p:spPr>
           <a:xfrm>
-            <a:off x="611280" y="630000"/>
-            <a:ext cx="8424720" cy="1035000"/>
-          </a:xfrm>
-          <a:prstGeom prst="rect">
-            <a:avLst/>
-          </a:prstGeom>
-        </p:spPr>
-        <p:txBody>
-          <a:bodyPr lIns="90000" rIns="90000" tIns="46800" bIns="46800" anchor="ctr"/>
-          <a:p>
+            <a:off x="457200" y="273600"/>
+            <a:ext cx="8229240" cy="1144800"/>
+          </a:xfrm>
+          <a:prstGeom prst="rect">
+            <a:avLst/>
+          </a:prstGeom>
+        </p:spPr>
+        <p:txBody>
+          <a:bodyPr lIns="0" rIns="0" tIns="0" bIns="0" anchor="ctr"/>
+          <a:p>
+            <a:pPr algn="ctr"/>
             <a:endParaRPr/>
           </a:p>
         </p:txBody>
@@ -1789,15 +1818,15 @@
         </p:nvSpPr>
         <p:spPr>
           <a:xfrm>
-            <a:off x="611280" y="1881360"/>
-            <a:ext cx="4111200" cy="4860720"/>
-          </a:xfrm>
-          <a:prstGeom prst="rect">
-            <a:avLst/>
-          </a:prstGeom>
-        </p:spPr>
-        <p:txBody>
-          <a:bodyPr lIns="90000" rIns="90000" tIns="46800" bIns="46800"/>
+            <a:off x="457200" y="1604520"/>
+            <a:ext cx="4015800" cy="3977280"/>
+          </a:xfrm>
+          <a:prstGeom prst="rect">
+            <a:avLst/>
+          </a:prstGeom>
+        </p:spPr>
+        <p:txBody>
+          <a:bodyPr lIns="0" rIns="0" tIns="0" bIns="0"/>
           <a:p>
             <a:endParaRPr/>
           </a:p>
@@ -1815,15 +1844,15 @@
         </p:nvSpPr>
         <p:spPr>
           <a:xfrm>
-            <a:off x="4928400" y="1881360"/>
-            <a:ext cx="4111200" cy="4860720"/>
-          </a:xfrm>
-          <a:prstGeom prst="rect">
-            <a:avLst/>
-          </a:prstGeom>
-        </p:spPr>
-        <p:txBody>
-          <a:bodyPr lIns="90000" rIns="90000" tIns="46800" bIns="46800"/>
+            <a:off x="4674240" y="1604520"/>
+            <a:ext cx="4015800" cy="3977280"/>
+          </a:xfrm>
+          <a:prstGeom prst="rect">
+            <a:avLst/>
+          </a:prstGeom>
+        </p:spPr>
+        <p:txBody>
+          <a:bodyPr lIns="0" rIns="0" tIns="0" bIns="0"/>
           <a:p>
             <a:endParaRPr/>
           </a:p>
@@ -1863,16 +1892,17 @@
         </p:nvSpPr>
         <p:spPr>
           <a:xfrm>
-            <a:off x="611280" y="630000"/>
-            <a:ext cx="8424720" cy="1035000"/>
-          </a:xfrm>
-          <a:prstGeom prst="rect">
-            <a:avLst/>
-          </a:prstGeom>
-        </p:spPr>
-        <p:txBody>
-          <a:bodyPr lIns="90000" rIns="90000" tIns="46800" bIns="46800" anchor="ctr"/>
-          <a:p>
+            <a:off x="457200" y="273600"/>
+            <a:ext cx="8229240" cy="1144800"/>
+          </a:xfrm>
+          <a:prstGeom prst="rect">
+            <a:avLst/>
+          </a:prstGeom>
+        </p:spPr>
+        <p:txBody>
+          <a:bodyPr lIns="0" rIns="0" tIns="0" bIns="0" anchor="ctr"/>
+          <a:p>
+            <a:pPr algn="ctr"/>
             <a:endParaRPr/>
           </a:p>
         </p:txBody>
@@ -1911,8 +1941,8 @@
         </p:nvSpPr>
         <p:spPr>
           <a:xfrm>
-            <a:off x="611280" y="630000"/>
-            <a:ext cx="8424720" cy="4798800"/>
+            <a:off x="457200" y="273600"/>
+            <a:ext cx="8229240" cy="5307840"/>
           </a:xfrm>
           <a:prstGeom prst="rect">
             <a:avLst/>
@@ -1960,16 +1990,17 @@
         </p:nvSpPr>
         <p:spPr>
           <a:xfrm>
-            <a:off x="611280" y="630000"/>
-            <a:ext cx="8424720" cy="1035000"/>
-          </a:xfrm>
-          <a:prstGeom prst="rect">
-            <a:avLst/>
-          </a:prstGeom>
-        </p:spPr>
-        <p:txBody>
-          <a:bodyPr lIns="90000" rIns="90000" tIns="46800" bIns="46800" anchor="ctr"/>
-          <a:p>
+            <a:off x="457200" y="273600"/>
+            <a:ext cx="8229240" cy="1144800"/>
+          </a:xfrm>
+          <a:prstGeom prst="rect">
+            <a:avLst/>
+          </a:prstGeom>
+        </p:spPr>
+        <p:txBody>
+          <a:bodyPr lIns="0" rIns="0" tIns="0" bIns="0" anchor="ctr"/>
+          <a:p>
+            <a:pPr algn="ctr"/>
             <a:endParaRPr/>
           </a:p>
         </p:txBody>
@@ -1986,15 +2017,15 @@
         </p:nvSpPr>
         <p:spPr>
           <a:xfrm>
-            <a:off x="611280" y="1881360"/>
-            <a:ext cx="4111200" cy="2318400"/>
-          </a:xfrm>
-          <a:prstGeom prst="rect">
-            <a:avLst/>
-          </a:prstGeom>
-        </p:spPr>
-        <p:txBody>
-          <a:bodyPr lIns="90000" rIns="90000" tIns="46800" bIns="46800"/>
+            <a:off x="457200" y="1604520"/>
+            <a:ext cx="4015800" cy="1896840"/>
+          </a:xfrm>
+          <a:prstGeom prst="rect">
+            <a:avLst/>
+          </a:prstGeom>
+        </p:spPr>
+        <p:txBody>
+          <a:bodyPr lIns="0" rIns="0" tIns="0" bIns="0"/>
           <a:p>
             <a:endParaRPr/>
           </a:p>
@@ -2012,15 +2043,15 @@
         </p:nvSpPr>
         <p:spPr>
           <a:xfrm>
-            <a:off x="611280" y="4420440"/>
-            <a:ext cx="4111200" cy="2318400"/>
-          </a:xfrm>
-          <a:prstGeom prst="rect">
-            <a:avLst/>
-          </a:prstGeom>
-        </p:spPr>
-        <p:txBody>
-          <a:bodyPr lIns="90000" rIns="90000" tIns="46800" bIns="46800"/>
+            <a:off x="457200" y="3682080"/>
+            <a:ext cx="4015800" cy="1896840"/>
+          </a:xfrm>
+          <a:prstGeom prst="rect">
+            <a:avLst/>
+          </a:prstGeom>
+        </p:spPr>
+        <p:txBody>
+          <a:bodyPr lIns="0" rIns="0" tIns="0" bIns="0"/>
           <a:p>
             <a:endParaRPr/>
           </a:p>
@@ -2038,15 +2069,15 @@
         </p:nvSpPr>
         <p:spPr>
           <a:xfrm>
-            <a:off x="4928400" y="1881360"/>
-            <a:ext cx="4111200" cy="4860720"/>
-          </a:xfrm>
-          <a:prstGeom prst="rect">
-            <a:avLst/>
-          </a:prstGeom>
-        </p:spPr>
-        <p:txBody>
-          <a:bodyPr lIns="90000" rIns="90000" tIns="46800" bIns="46800"/>
+            <a:off x="4674240" y="1604520"/>
+            <a:ext cx="4015800" cy="3977280"/>
+          </a:xfrm>
+          <a:prstGeom prst="rect">
+            <a:avLst/>
+          </a:prstGeom>
+        </p:spPr>
+        <p:txBody>
+          <a:bodyPr lIns="0" rIns="0" tIns="0" bIns="0"/>
           <a:p>
             <a:endParaRPr/>
           </a:p>
@@ -2086,16 +2117,17 @@
         </p:nvSpPr>
         <p:spPr>
           <a:xfrm>
-            <a:off x="611280" y="630000"/>
-            <a:ext cx="8424720" cy="1035000"/>
-          </a:xfrm>
-          <a:prstGeom prst="rect">
-            <a:avLst/>
-          </a:prstGeom>
-        </p:spPr>
-        <p:txBody>
-          <a:bodyPr lIns="90000" rIns="90000" tIns="46800" bIns="46800" anchor="ctr"/>
-          <a:p>
+            <a:off x="457200" y="273600"/>
+            <a:ext cx="8229240" cy="1144800"/>
+          </a:xfrm>
+          <a:prstGeom prst="rect">
+            <a:avLst/>
+          </a:prstGeom>
+        </p:spPr>
+        <p:txBody>
+          <a:bodyPr lIns="0" rIns="0" tIns="0" bIns="0" anchor="ctr"/>
+          <a:p>
+            <a:pPr algn="ctr"/>
             <a:endParaRPr/>
           </a:p>
         </p:txBody>
@@ -2112,15 +2144,15 @@
         </p:nvSpPr>
         <p:spPr>
           <a:xfrm>
-            <a:off x="611280" y="1881360"/>
-            <a:ext cx="4111200" cy="4860720"/>
-          </a:xfrm>
-          <a:prstGeom prst="rect">
-            <a:avLst/>
-          </a:prstGeom>
-        </p:spPr>
-        <p:txBody>
-          <a:bodyPr lIns="90000" rIns="90000" tIns="46800" bIns="46800"/>
+            <a:off x="457200" y="1604520"/>
+            <a:ext cx="4015800" cy="3977280"/>
+          </a:xfrm>
+          <a:prstGeom prst="rect">
+            <a:avLst/>
+          </a:prstGeom>
+        </p:spPr>
+        <p:txBody>
+          <a:bodyPr lIns="0" rIns="0" tIns="0" bIns="0"/>
           <a:p>
             <a:endParaRPr/>
           </a:p>
@@ -2138,15 +2170,15 @@
         </p:nvSpPr>
         <p:spPr>
           <a:xfrm>
-            <a:off x="4928400" y="1881360"/>
-            <a:ext cx="4111200" cy="2318400"/>
-          </a:xfrm>
-          <a:prstGeom prst="rect">
-            <a:avLst/>
-          </a:prstGeom>
-        </p:spPr>
-        <p:txBody>
-          <a:bodyPr lIns="90000" rIns="90000" tIns="46800" bIns="46800"/>
+            <a:off x="4674240" y="1604520"/>
+            <a:ext cx="4015800" cy="1896840"/>
+          </a:xfrm>
+          <a:prstGeom prst="rect">
+            <a:avLst/>
+          </a:prstGeom>
+        </p:spPr>
+        <p:txBody>
+          <a:bodyPr lIns="0" rIns="0" tIns="0" bIns="0"/>
           <a:p>
             <a:endParaRPr/>
           </a:p>
@@ -2164,15 +2196,15 @@
         </p:nvSpPr>
         <p:spPr>
           <a:xfrm>
-            <a:off x="4928400" y="4420440"/>
-            <a:ext cx="4111200" cy="2318400"/>
-          </a:xfrm>
-          <a:prstGeom prst="rect">
-            <a:avLst/>
-          </a:prstGeom>
-        </p:spPr>
-        <p:txBody>
-          <a:bodyPr lIns="90000" rIns="90000" tIns="46800" bIns="46800"/>
+            <a:off x="4674240" y="3682080"/>
+            <a:ext cx="4015800" cy="1896840"/>
+          </a:xfrm>
+          <a:prstGeom prst="rect">
+            <a:avLst/>
+          </a:prstGeom>
+        </p:spPr>
+        <p:txBody>
+          <a:bodyPr lIns="0" rIns="0" tIns="0" bIns="0"/>
           <a:p>
             <a:endParaRPr/>
           </a:p>
@@ -2212,16 +2244,17 @@
         </p:nvSpPr>
         <p:spPr>
           <a:xfrm>
-            <a:off x="611280" y="630000"/>
-            <a:ext cx="8424720" cy="1035000"/>
-          </a:xfrm>
-          <a:prstGeom prst="rect">
-            <a:avLst/>
-          </a:prstGeom>
-        </p:spPr>
-        <p:txBody>
-          <a:bodyPr lIns="90000" rIns="90000" tIns="46800" bIns="46800" anchor="ctr"/>
-          <a:p>
+            <a:off x="457200" y="273600"/>
+            <a:ext cx="8229240" cy="1144800"/>
+          </a:xfrm>
+          <a:prstGeom prst="rect">
+            <a:avLst/>
+          </a:prstGeom>
+        </p:spPr>
+        <p:txBody>
+          <a:bodyPr lIns="0" rIns="0" tIns="0" bIns="0" anchor="ctr"/>
+          <a:p>
+            <a:pPr algn="ctr"/>
             <a:endParaRPr/>
           </a:p>
         </p:txBody>
@@ -2238,15 +2271,15 @@
         </p:nvSpPr>
         <p:spPr>
           <a:xfrm>
-            <a:off x="611280" y="1881360"/>
-            <a:ext cx="4111200" cy="2318400"/>
-          </a:xfrm>
-          <a:prstGeom prst="rect">
-            <a:avLst/>
-          </a:prstGeom>
-        </p:spPr>
-        <p:txBody>
-          <a:bodyPr lIns="90000" rIns="90000" tIns="46800" bIns="46800"/>
+            <a:off x="457200" y="1604520"/>
+            <a:ext cx="4015800" cy="1896840"/>
+          </a:xfrm>
+          <a:prstGeom prst="rect">
+            <a:avLst/>
+          </a:prstGeom>
+        </p:spPr>
+        <p:txBody>
+          <a:bodyPr lIns="0" rIns="0" tIns="0" bIns="0"/>
           <a:p>
             <a:endParaRPr/>
           </a:p>
@@ -2264,15 +2297,15 @@
         </p:nvSpPr>
         <p:spPr>
           <a:xfrm>
-            <a:off x="4928400" y="1881360"/>
-            <a:ext cx="4111200" cy="2318400"/>
-          </a:xfrm>
-          <a:prstGeom prst="rect">
-            <a:avLst/>
-          </a:prstGeom>
-        </p:spPr>
-        <p:txBody>
-          <a:bodyPr lIns="90000" rIns="90000" tIns="46800" bIns="46800"/>
+            <a:off x="4674240" y="1604520"/>
+            <a:ext cx="4015800" cy="1896840"/>
+          </a:xfrm>
+          <a:prstGeom prst="rect">
+            <a:avLst/>
+          </a:prstGeom>
+        </p:spPr>
+        <p:txBody>
+          <a:bodyPr lIns="0" rIns="0" tIns="0" bIns="0"/>
           <a:p>
             <a:endParaRPr/>
           </a:p>
@@ -2290,15 +2323,15 @@
         </p:nvSpPr>
         <p:spPr>
           <a:xfrm>
-            <a:off x="611280" y="4420440"/>
-            <a:ext cx="8424720" cy="2318400"/>
-          </a:xfrm>
-          <a:prstGeom prst="rect">
-            <a:avLst/>
-          </a:prstGeom>
-        </p:spPr>
-        <p:txBody>
-          <a:bodyPr lIns="90000" rIns="90000" tIns="46800" bIns="46800"/>
+            <a:off x="457200" y="3682080"/>
+            <a:ext cx="8229240" cy="1896840"/>
+          </a:xfrm>
+          <a:prstGeom prst="rect">
+            <a:avLst/>
+          </a:prstGeom>
+        </p:spPr>
+        <p:txBody>
+          <a:bodyPr lIns="0" rIns="0" tIns="0" bIns="0"/>
           <a:p>
             <a:endParaRPr/>
           </a:p>
@@ -2333,211 +2366,9 @@
           <a:chExt cx="0" cy="0"/>
         </a:xfrm>
       </p:grpSpPr>
-      <p:sp>
-        <p:nvSpPr>
-          <p:cNvPr id="0" name="CustomShape 1"/>
-          <p:cNvSpPr/>
-          <p:nvPr/>
-        </p:nvSpPr>
-        <p:spPr>
-          <a:xfrm>
-            <a:off x="503280" y="480960"/>
-            <a:ext cx="8640720" cy="1292400"/>
-          </a:xfrm>
-          <a:prstGeom prst="rect">
-            <a:avLst/>
-          </a:prstGeom>
-          <a:solidFill>
-            <a:srgbClr val="a7190e"/>
-          </a:solidFill>
-          <a:ln>
-            <a:noFill/>
-          </a:ln>
-        </p:spPr>
-        <p:style>
-          <a:lnRef idx="0"/>
-          <a:fillRef idx="0"/>
-          <a:effectRef idx="0"/>
-          <a:fontRef idx="minor"/>
-        </p:style>
-      </p:sp>
-      <p:sp>
-        <p:nvSpPr>
-          <p:cNvPr id="1" name="CustomShape 2"/>
-          <p:cNvSpPr/>
-          <p:nvPr/>
-        </p:nvSpPr>
-        <p:spPr>
-          <a:xfrm flipH="1">
-            <a:off x="0" y="1773360"/>
-            <a:ext cx="503280" cy="5084640"/>
-          </a:xfrm>
-          <a:prstGeom prst="rect">
-            <a:avLst/>
-          </a:prstGeom>
-          <a:solidFill>
-            <a:srgbClr val="a7190e"/>
-          </a:solidFill>
-          <a:ln>
-            <a:noFill/>
-          </a:ln>
-        </p:spPr>
-        <p:style>
-          <a:lnRef idx="0"/>
-          <a:fillRef idx="0"/>
-          <a:effectRef idx="0"/>
-          <a:fontRef idx="minor"/>
-        </p:style>
-      </p:sp>
-      <p:sp>
-        <p:nvSpPr>
-          <p:cNvPr id="2" name="PlaceHolder 3"/>
-          <p:cNvSpPr>
-            <a:spLocks noGrp="1"/>
-          </p:cNvSpPr>
-          <p:nvPr>
-            <p:ph type="title"/>
-          </p:nvPr>
-        </p:nvSpPr>
-        <p:spPr>
-          <a:xfrm>
-            <a:off x="611280" y="630000"/>
-            <a:ext cx="8424720" cy="1035000"/>
-          </a:xfrm>
-          <a:prstGeom prst="rect">
-            <a:avLst/>
-          </a:prstGeom>
-        </p:spPr>
-        <p:txBody>
-          <a:bodyPr lIns="90000" rIns="90000" tIns="46800" bIns="46800" anchor="ctr"/>
-          <a:p>
-            <a:r>
-              <a:rPr b="1" lang="en-US" sz="3600">
-                <a:latin typeface="Trebuchet MS"/>
-              </a:rPr>
-              <a:t>Click to edit the title text format</a:t>
-            </a:r>
-            <a:endParaRPr/>
-          </a:p>
-        </p:txBody>
-      </p:sp>
-      <p:sp>
-        <p:nvSpPr>
-          <p:cNvPr id="3" name="PlaceHolder 4"/>
-          <p:cNvSpPr>
-            <a:spLocks noGrp="1"/>
-          </p:cNvSpPr>
-          <p:nvPr>
-            <p:ph type="body"/>
-          </p:nvPr>
-        </p:nvSpPr>
-        <p:spPr>
-          <a:xfrm>
-            <a:off x="611280" y="1881360"/>
-            <a:ext cx="8424720" cy="4860720"/>
-          </a:xfrm>
-          <a:prstGeom prst="rect">
-            <a:avLst/>
-          </a:prstGeom>
-        </p:spPr>
-        <p:txBody>
-          <a:bodyPr lIns="90000" rIns="90000" tIns="46800" bIns="46800"/>
-          <a:p>
-            <a:pPr>
-              <a:buFont typeface="Trebuchet MS"/>
-              <a:buChar char="•"/>
-            </a:pPr>
-            <a:r>
-              <a:rPr lang="en-US" sz="3200">
-                <a:latin typeface="Trebuchet MS"/>
-              </a:rPr>
-              <a:t>Click to edit the outline text format</a:t>
-            </a:r>
-            <a:endParaRPr/>
-          </a:p>
-          <a:p>
-            <a:pPr lvl="1">
-              <a:buFont typeface="Trebuchet MS"/>
-              <a:buChar char="–"/>
-            </a:pPr>
-            <a:r>
-              <a:rPr lang="en-US" sz="2800">
-                <a:latin typeface="Trebuchet MS"/>
-              </a:rPr>
-              <a:t>Second Outline Level</a:t>
-            </a:r>
-            <a:endParaRPr/>
-          </a:p>
-          <a:p>
-            <a:pPr lvl="2">
-              <a:buFont typeface="Trebuchet MS"/>
-              <a:buChar char="•"/>
-            </a:pPr>
-            <a:r>
-              <a:rPr lang="en-US" sz="2400">
-                <a:latin typeface="Trebuchet MS"/>
-              </a:rPr>
-              <a:t>Third Outline Level</a:t>
-            </a:r>
-            <a:endParaRPr/>
-          </a:p>
-          <a:p>
-            <a:pPr lvl="3">
-              <a:buFont typeface="Trebuchet MS"/>
-              <a:buChar char="–"/>
-            </a:pPr>
-            <a:r>
-              <a:rPr lang="en-US" sz="2000">
-                <a:latin typeface="Trebuchet MS"/>
-              </a:rPr>
-              <a:t>Fourth Outline Level</a:t>
-            </a:r>
-            <a:endParaRPr/>
-          </a:p>
-          <a:p>
-            <a:pPr lvl="4">
-              <a:buFont typeface="Trebuchet MS"/>
-              <a:buChar char="»"/>
-            </a:pPr>
-            <a:r>
-              <a:rPr lang="en-US" sz="2000">
-                <a:latin typeface="Trebuchet MS"/>
-              </a:rPr>
-              <a:t>Fifth Outline Level</a:t>
-            </a:r>
-            <a:endParaRPr/>
-          </a:p>
-          <a:p>
-            <a:pPr lvl="5">
-              <a:buFont typeface="Trebuchet MS"/>
-              <a:buChar char="»"/>
-            </a:pPr>
-            <a:r>
-              <a:rPr lang="en-US" sz="2000">
-                <a:latin typeface="Trebuchet MS"/>
-              </a:rPr>
-              <a:t>Sixth Outline Level</a:t>
-            </a:r>
-            <a:endParaRPr/>
-          </a:p>
-          <a:p>
-            <a:pPr lvl="6">
-              <a:buFont typeface="Trebuchet MS"/>
-              <a:buChar char="»"/>
-            </a:pPr>
-            <a:r>
-              <a:rPr lang="en-US" sz="2000">
-                <a:latin typeface="Trebuchet MS"/>
-              </a:rPr>
-              <a:t>Seventh Outline Level</a:t>
-            </a:r>
-            <a:endParaRPr/>
-          </a:p>
-        </p:txBody>
-      </p:sp>
       <p:pic>
         <p:nvPicPr>
-          <p:cNvPr id="4" name="" descr=""/>
+          <p:cNvPr id="0" name="" descr=""/>
           <p:cNvPicPr/>
           <p:nvPr/>
         </p:nvPicPr>
@@ -2547,8 +2378,8 @@
         </p:blipFill>
         <p:spPr>
           <a:xfrm>
-            <a:off x="-1440" y="-19080"/>
-            <a:ext cx="2341440" cy="500040"/>
+            <a:off x="0" y="1622520"/>
+            <a:ext cx="1654560" cy="5234400"/>
           </a:xfrm>
           <a:prstGeom prst="rect">
             <a:avLst/>
@@ -2558,22 +2389,227 @@
           </a:ln>
         </p:spPr>
       </p:pic>
+      <p:sp>
+        <p:nvSpPr>
+          <p:cNvPr id="1" name="CustomShape 1"/>
+          <p:cNvSpPr/>
+          <p:nvPr/>
+        </p:nvSpPr>
+        <p:spPr>
+          <a:xfrm>
+            <a:off x="1655640" y="1628640"/>
+            <a:ext cx="7523640" cy="5228280"/>
+          </a:xfrm>
+          <a:prstGeom prst="rect">
+            <a:avLst/>
+          </a:prstGeom>
+          <a:solidFill>
+            <a:srgbClr val="a7190e"/>
+          </a:solidFill>
+          <a:ln>
+            <a:noFill/>
+          </a:ln>
+        </p:spPr>
+        <p:style>
+          <a:lnRef idx="0"/>
+          <a:fillRef idx="0"/>
+          <a:effectRef idx="0"/>
+          <a:fontRef idx="minor"/>
+        </p:style>
+      </p:sp>
+      <p:pic>
+        <p:nvPicPr>
+          <p:cNvPr id="2" name="" descr=""/>
+          <p:cNvPicPr/>
+          <p:nvPr/>
+        </p:nvPicPr>
+        <p:blipFill>
+          <a:blip r:embed="rId3"/>
+          <a:stretch/>
+        </p:blipFill>
+        <p:spPr>
+          <a:xfrm>
+            <a:off x="0" y="-17640"/>
+            <a:ext cx="7741080" cy="1645200"/>
+          </a:xfrm>
+          <a:prstGeom prst="rect">
+            <a:avLst/>
+          </a:prstGeom>
+          <a:ln>
+            <a:noFill/>
+          </a:ln>
+        </p:spPr>
+      </p:pic>
+      <p:sp>
+        <p:nvSpPr>
+          <p:cNvPr id="3" name="PlaceHolder 2"/>
+          <p:cNvSpPr>
+            <a:spLocks noGrp="1"/>
+          </p:cNvSpPr>
+          <p:nvPr>
+            <p:ph type="title"/>
+          </p:nvPr>
+        </p:nvSpPr>
+        <p:spPr>
+          <a:xfrm>
+            <a:off x="457200" y="273600"/>
+            <a:ext cx="8229240" cy="1144800"/>
+          </a:xfrm>
+          <a:prstGeom prst="rect">
+            <a:avLst/>
+          </a:prstGeom>
+        </p:spPr>
+        <p:txBody>
+          <a:bodyPr lIns="0" rIns="0" tIns="0" bIns="0" anchor="ctr"/>
+          <a:p>
+            <a:pPr algn="ctr"/>
+            <a:r>
+              <a:rPr lang="en-US" sz="4400">
+                <a:latin typeface="Arial"/>
+              </a:rPr>
+              <a:t>Click to edit the title text format</a:t>
+            </a:r>
+            <a:endParaRPr/>
+          </a:p>
+        </p:txBody>
+      </p:sp>
+      <p:sp>
+        <p:nvSpPr>
+          <p:cNvPr id="4" name="PlaceHolder 3"/>
+          <p:cNvSpPr>
+            <a:spLocks noGrp="1"/>
+          </p:cNvSpPr>
+          <p:nvPr>
+            <p:ph type="body"/>
+          </p:nvPr>
+        </p:nvSpPr>
+        <p:spPr>
+          <a:xfrm>
+            <a:off x="457200" y="1604520"/>
+            <a:ext cx="8229240" cy="3977280"/>
+          </a:xfrm>
+          <a:prstGeom prst="rect">
+            <a:avLst/>
+          </a:prstGeom>
+        </p:spPr>
+        <p:txBody>
+          <a:bodyPr lIns="0" rIns="0" tIns="0" bIns="0"/>
+          <a:p>
+            <a:pPr>
+              <a:buSzPct val="45000"/>
+              <a:buFont typeface="StarSymbol"/>
+              <a:buChar char=""/>
+            </a:pPr>
+            <a:r>
+              <a:rPr lang="en-US" sz="3200">
+                <a:latin typeface="Arial"/>
+              </a:rPr>
+              <a:t>Click to edit the outline text format</a:t>
+            </a:r>
+            <a:endParaRPr/>
+          </a:p>
+          <a:p>
+            <a:pPr lvl="1">
+              <a:buSzPct val="75000"/>
+              <a:buFont typeface="StarSymbol"/>
+              <a:buChar char=""/>
+            </a:pPr>
+            <a:r>
+              <a:rPr lang="en-US" sz="2800">
+                <a:latin typeface="Arial"/>
+              </a:rPr>
+              <a:t>Second Outline Level</a:t>
+            </a:r>
+            <a:endParaRPr/>
+          </a:p>
+          <a:p>
+            <a:pPr lvl="2">
+              <a:buSzPct val="45000"/>
+              <a:buFont typeface="StarSymbol"/>
+              <a:buChar char=""/>
+            </a:pPr>
+            <a:r>
+              <a:rPr lang="en-US" sz="2400">
+                <a:latin typeface="Arial"/>
+              </a:rPr>
+              <a:t>Third Outline Level</a:t>
+            </a:r>
+            <a:endParaRPr/>
+          </a:p>
+          <a:p>
+            <a:pPr lvl="3">
+              <a:buSzPct val="75000"/>
+              <a:buFont typeface="StarSymbol"/>
+              <a:buChar char=""/>
+            </a:pPr>
+            <a:r>
+              <a:rPr lang="en-US" sz="2000">
+                <a:latin typeface="Arial"/>
+              </a:rPr>
+              <a:t>Fourth Outline Level</a:t>
+            </a:r>
+            <a:endParaRPr/>
+          </a:p>
+          <a:p>
+            <a:pPr lvl="4">
+              <a:buSzPct val="45000"/>
+              <a:buFont typeface="StarSymbol"/>
+              <a:buChar char=""/>
+            </a:pPr>
+            <a:r>
+              <a:rPr lang="en-US" sz="2000">
+                <a:latin typeface="Arial"/>
+              </a:rPr>
+              <a:t>Fifth Outline Level</a:t>
+            </a:r>
+            <a:endParaRPr/>
+          </a:p>
+          <a:p>
+            <a:pPr lvl="5">
+              <a:buSzPct val="45000"/>
+              <a:buFont typeface="StarSymbol"/>
+              <a:buChar char=""/>
+            </a:pPr>
+            <a:r>
+              <a:rPr lang="en-US" sz="2000">
+                <a:latin typeface="Arial"/>
+              </a:rPr>
+              <a:t>Sixth Outline Level</a:t>
+            </a:r>
+            <a:endParaRPr/>
+          </a:p>
+          <a:p>
+            <a:pPr lvl="6">
+              <a:buSzPct val="45000"/>
+              <a:buFont typeface="StarSymbol"/>
+              <a:buChar char=""/>
+            </a:pPr>
+            <a:r>
+              <a:rPr lang="en-US" sz="2000">
+                <a:latin typeface="Arial"/>
+              </a:rPr>
+              <a:t>Seventh Outline Level</a:t>
+            </a:r>
+            <a:endParaRPr/>
+          </a:p>
+        </p:txBody>
+      </p:sp>
     </p:spTree>
   </p:cSld>
   <p:clrMap bg1="lt1" bg2="lt2" tx1="dk1" tx2="dk2" accent1="accent1" accent2="accent2" accent3="accent3" accent4="accent4" accent5="accent5" accent6="accent6" hlink="hlink" folHlink="folHlink"/>
   <p:sldLayoutIdLst>
-    <p:sldLayoutId id="2147483649" r:id="rId3"/>
-    <p:sldLayoutId id="2147483650" r:id="rId4"/>
-    <p:sldLayoutId id="2147483651" r:id="rId5"/>
-    <p:sldLayoutId id="2147483652" r:id="rId6"/>
-    <p:sldLayoutId id="2147483653" r:id="rId7"/>
-    <p:sldLayoutId id="2147483654" r:id="rId8"/>
-    <p:sldLayoutId id="2147483655" r:id="rId9"/>
-    <p:sldLayoutId id="2147483656" r:id="rId10"/>
-    <p:sldLayoutId id="2147483657" r:id="rId11"/>
-    <p:sldLayoutId id="2147483658" r:id="rId12"/>
-    <p:sldLayoutId id="2147483659" r:id="rId13"/>
-    <p:sldLayoutId id="2147483660" r:id="rId14"/>
+    <p:sldLayoutId id="2147483649" r:id="rId4"/>
+    <p:sldLayoutId id="2147483650" r:id="rId5"/>
+    <p:sldLayoutId id="2147483651" r:id="rId6"/>
+    <p:sldLayoutId id="2147483652" r:id="rId7"/>
+    <p:sldLayoutId id="2147483653" r:id="rId8"/>
+    <p:sldLayoutId id="2147483654" r:id="rId9"/>
+    <p:sldLayoutId id="2147483655" r:id="rId10"/>
+    <p:sldLayoutId id="2147483656" r:id="rId11"/>
+    <p:sldLayoutId id="2147483657" r:id="rId12"/>
+    <p:sldLayoutId id="2147483658" r:id="rId13"/>
+    <p:sldLayoutId id="2147483659" r:id="rId14"/>
+    <p:sldLayoutId id="2147483660" r:id="rId15"/>
   </p:sldLayoutIdLst>
 </p:sldMaster>
 </file>
@@ -2602,9 +2638,65 @@
           <a:chExt cx="0" cy="0"/>
         </a:xfrm>
       </p:grpSpPr>
+      <p:sp>
+        <p:nvSpPr>
+          <p:cNvPr id="39" name="CustomShape 1"/>
+          <p:cNvSpPr/>
+          <p:nvPr/>
+        </p:nvSpPr>
+        <p:spPr>
+          <a:xfrm>
+            <a:off x="503280" y="480960"/>
+            <a:ext cx="8639640" cy="1291320"/>
+          </a:xfrm>
+          <a:prstGeom prst="rect">
+            <a:avLst/>
+          </a:prstGeom>
+          <a:solidFill>
+            <a:srgbClr val="a7190e"/>
+          </a:solidFill>
+          <a:ln>
+            <a:noFill/>
+          </a:ln>
+        </p:spPr>
+        <p:style>
+          <a:lnRef idx="0"/>
+          <a:fillRef idx="0"/>
+          <a:effectRef idx="0"/>
+          <a:fontRef idx="minor"/>
+        </p:style>
+      </p:sp>
+      <p:sp>
+        <p:nvSpPr>
+          <p:cNvPr id="40" name="CustomShape 2"/>
+          <p:cNvSpPr/>
+          <p:nvPr/>
+        </p:nvSpPr>
+        <p:spPr>
+          <a:xfrm flipH="1">
+            <a:off x="-1440" y="1773360"/>
+            <a:ext cx="502200" cy="5083560"/>
+          </a:xfrm>
+          <a:prstGeom prst="rect">
+            <a:avLst/>
+          </a:prstGeom>
+          <a:solidFill>
+            <a:srgbClr val="a7190e"/>
+          </a:solidFill>
+          <a:ln>
+            <a:noFill/>
+          </a:ln>
+        </p:spPr>
+        <p:style>
+          <a:lnRef idx="0"/>
+          <a:fillRef idx="0"/>
+          <a:effectRef idx="0"/>
+          <a:fontRef idx="minor"/>
+        </p:style>
+      </p:sp>
       <p:pic>
         <p:nvPicPr>
-          <p:cNvPr id="39" name="" descr=""/>
+          <p:cNvPr id="41" name="" descr=""/>
           <p:cNvPicPr/>
           <p:nvPr/>
         </p:nvPicPr>
@@ -2614,8 +2706,8 @@
         </p:blipFill>
         <p:spPr>
           <a:xfrm>
-            <a:off x="0" y="1622520"/>
-            <a:ext cx="1655640" cy="5235480"/>
+            <a:off x="-1440" y="-19080"/>
+            <a:ext cx="2340360" cy="498960"/>
           </a:xfrm>
           <a:prstGeom prst="rect">
             <a:avLst/>
@@ -2627,35 +2719,7 @@
       </p:pic>
       <p:sp>
         <p:nvSpPr>
-          <p:cNvPr id="40" name="CustomShape 1"/>
-          <p:cNvSpPr/>
-          <p:nvPr/>
-        </p:nvSpPr>
-        <p:spPr>
-          <a:xfrm>
-            <a:off x="1655640" y="1628640"/>
-            <a:ext cx="7524720" cy="5229360"/>
-          </a:xfrm>
-          <a:prstGeom prst="rect">
-            <a:avLst/>
-          </a:prstGeom>
-          <a:solidFill>
-            <a:srgbClr val="a7190e"/>
-          </a:solidFill>
-          <a:ln>
-            <a:noFill/>
-          </a:ln>
-        </p:spPr>
-        <p:style>
-          <a:lnRef idx="0"/>
-          <a:fillRef idx="0"/>
-          <a:effectRef idx="0"/>
-          <a:fontRef idx="minor"/>
-        </p:style>
-      </p:sp>
-      <p:sp>
-        <p:nvSpPr>
-          <p:cNvPr id="41" name="PlaceHolder 2"/>
+          <p:cNvPr id="42" name="PlaceHolder 3"/>
           <p:cNvSpPr>
             <a:spLocks noGrp="1"/>
           </p:cNvSpPr>
@@ -2665,20 +2729,20 @@
         </p:nvSpPr>
         <p:spPr>
           <a:xfrm>
-            <a:off x="1873080" y="2130120"/>
-            <a:ext cx="7089840" cy="2019240"/>
-          </a:xfrm>
-          <a:prstGeom prst="rect">
-            <a:avLst/>
-          </a:prstGeom>
-        </p:spPr>
-        <p:txBody>
-          <a:bodyPr lIns="90000" rIns="90000" tIns="46800" bIns="46800" anchor="ctr"/>
+            <a:off x="457200" y="273600"/>
+            <a:ext cx="8229240" cy="1144800"/>
+          </a:xfrm>
+          <a:prstGeom prst="rect">
+            <a:avLst/>
+          </a:prstGeom>
+        </p:spPr>
+        <p:txBody>
+          <a:bodyPr lIns="0" rIns="0" tIns="0" bIns="0" anchor="ctr"/>
           <a:p>
             <a:pPr algn="ctr"/>
             <a:r>
-              <a:rPr b="1" lang="en-US" sz="3600">
-                <a:latin typeface="Trebuchet MS"/>
+              <a:rPr lang="en-US" sz="4400">
+                <a:latin typeface="Arial"/>
               </a:rPr>
               <a:t>Click to edit the title text format</a:t>
             </a:r>
@@ -2688,63 +2752,7 @@
       </p:sp>
       <p:sp>
         <p:nvSpPr>
-          <p:cNvPr id="42" name="PlaceHolder 3"/>
-          <p:cNvSpPr>
-            <a:spLocks noGrp="1"/>
-          </p:cNvSpPr>
-          <p:nvPr>
-            <p:ph type="subTitle"/>
-          </p:nvPr>
-        </p:nvSpPr>
-        <p:spPr>
-          <a:xfrm>
-            <a:off x="1873080" y="5697000"/>
-            <a:ext cx="7089840" cy="900360"/>
-          </a:xfrm>
-          <a:prstGeom prst="rect">
-            <a:avLst/>
-          </a:prstGeom>
-        </p:spPr>
-        <p:txBody>
-          <a:bodyPr lIns="90000" rIns="90000" tIns="46800" bIns="46800" anchor="b"/>
-          <a:p>
-            <a:pPr algn="ctr"/>
-            <a:r>
-              <a:rPr lang="en-US" sz="2000">
-                <a:latin typeface="Trebuchet MS"/>
-              </a:rPr>
-              <a:t>Click to add Text</a:t>
-            </a:r>
-            <a:endParaRPr/>
-          </a:p>
-        </p:txBody>
-      </p:sp>
-      <p:pic>
-        <p:nvPicPr>
-          <p:cNvPr id="43" name="" descr=""/>
-          <p:cNvPicPr/>
-          <p:nvPr/>
-        </p:nvPicPr>
-        <p:blipFill>
-          <a:blip r:embed="rId3"/>
-          <a:stretch/>
-        </p:blipFill>
-        <p:spPr>
-          <a:xfrm>
-            <a:off x="0" y="-17640"/>
-            <a:ext cx="7742160" cy="1646280"/>
-          </a:xfrm>
-          <a:prstGeom prst="rect">
-            <a:avLst/>
-          </a:prstGeom>
-          <a:ln>
-            <a:noFill/>
-          </a:ln>
-        </p:spPr>
-      </p:pic>
-      <p:sp>
-        <p:nvSpPr>
-          <p:cNvPr id="44" name="PlaceHolder 4"/>
+          <p:cNvPr id="43" name="PlaceHolder 4"/>
           <p:cNvSpPr>
             <a:spLocks noGrp="1"/>
           </p:cNvSpPr>
@@ -2764,85 +2772,98 @@
         <p:txBody>
           <a:bodyPr lIns="0" rIns="0" tIns="0" bIns="0"/>
           <a:p>
-            <a:pPr algn="ctr"/>
+            <a:pPr>
+              <a:buSzPct val="45000"/>
+              <a:buFont typeface="StarSymbol"/>
+              <a:buChar char=""/>
+            </a:pPr>
+            <a:r>
+              <a:rPr lang="en-US" sz="3200">
+                <a:latin typeface="Arial"/>
+              </a:rPr>
+              <a:t>Click to edit the outline text format</a:t>
+            </a:r>
+            <a:endParaRPr/>
+          </a:p>
+          <a:p>
+            <a:pPr lvl="1">
+              <a:buSzPct val="75000"/>
+              <a:buFont typeface="StarSymbol"/>
+              <a:buChar char=""/>
+            </a:pPr>
+            <a:r>
+              <a:rPr lang="en-US" sz="2800">
+                <a:latin typeface="Arial"/>
+              </a:rPr>
+              <a:t>Second Outline Level</a:t>
+            </a:r>
+            <a:endParaRPr/>
+          </a:p>
+          <a:p>
+            <a:pPr lvl="2">
+              <a:buSzPct val="45000"/>
+              <a:buFont typeface="StarSymbol"/>
+              <a:buChar char=""/>
+            </a:pPr>
+            <a:r>
+              <a:rPr lang="en-US" sz="2400">
+                <a:latin typeface="Arial"/>
+              </a:rPr>
+              <a:t>Third Outline Level</a:t>
+            </a:r>
+            <a:endParaRPr/>
+          </a:p>
+          <a:p>
+            <a:pPr lvl="3">
+              <a:buSzPct val="75000"/>
+              <a:buFont typeface="StarSymbol"/>
+              <a:buChar char=""/>
+            </a:pPr>
             <a:r>
               <a:rPr lang="en-US" sz="2000">
-                <a:latin typeface="Trebuchet MS"/>
-              </a:rPr>
-              <a:t>Click to edit the outline text format</a:t>
-            </a:r>
-            <a:endParaRPr/>
-          </a:p>
-          <a:p>
-            <a:pPr lvl="1" algn="ctr"/>
-            <a:r>
-              <a:rPr lang="en-US" sz="2800">
-                <a:latin typeface="Trebuchet MS"/>
-              </a:rPr>
-              <a:t>Second Outline Level</a:t>
-            </a:r>
-            <a:endParaRPr/>
-          </a:p>
-          <a:p>
-            <a:pPr lvl="2" algn="ctr">
-              <a:buFont typeface="Trebuchet MS"/>
-              <a:buChar char="•"/>
-            </a:pPr>
-            <a:r>
-              <a:rPr lang="en-US" sz="2400">
-                <a:latin typeface="Trebuchet MS"/>
-              </a:rPr>
-              <a:t>Third Outline Level</a:t>
-            </a:r>
-            <a:endParaRPr/>
-          </a:p>
-          <a:p>
-            <a:pPr lvl="3" algn="ctr">
-              <a:buFont typeface="Trebuchet MS"/>
-              <a:buChar char="–"/>
+                <a:latin typeface="Arial"/>
+              </a:rPr>
+              <a:t>Fourth Outline Level</a:t>
+            </a:r>
+            <a:endParaRPr/>
+          </a:p>
+          <a:p>
+            <a:pPr lvl="4">
+              <a:buSzPct val="45000"/>
+              <a:buFont typeface="StarSymbol"/>
+              <a:buChar char=""/>
             </a:pPr>
             <a:r>
               <a:rPr lang="en-US" sz="2000">
-                <a:latin typeface="Trebuchet MS"/>
-              </a:rPr>
-              <a:t>Fourth Outline Level</a:t>
-            </a:r>
-            <a:endParaRPr/>
-          </a:p>
-          <a:p>
-            <a:pPr lvl="4" algn="ctr">
-              <a:buFont typeface="Trebuchet MS"/>
-              <a:buChar char="»"/>
+                <a:latin typeface="Arial"/>
+              </a:rPr>
+              <a:t>Fifth Outline Level</a:t>
+            </a:r>
+            <a:endParaRPr/>
+          </a:p>
+          <a:p>
+            <a:pPr lvl="5">
+              <a:buSzPct val="45000"/>
+              <a:buFont typeface="StarSymbol"/>
+              <a:buChar char=""/>
             </a:pPr>
             <a:r>
               <a:rPr lang="en-US" sz="2000">
-                <a:latin typeface="Trebuchet MS"/>
-              </a:rPr>
-              <a:t>Fifth Outline Level</a:t>
-            </a:r>
-            <a:endParaRPr/>
-          </a:p>
-          <a:p>
-            <a:pPr lvl="5" algn="ctr">
-              <a:buFont typeface="Trebuchet MS"/>
-              <a:buChar char="»"/>
+                <a:latin typeface="Arial"/>
+              </a:rPr>
+              <a:t>Sixth Outline Level</a:t>
+            </a:r>
+            <a:endParaRPr/>
+          </a:p>
+          <a:p>
+            <a:pPr lvl="6">
+              <a:buSzPct val="45000"/>
+              <a:buFont typeface="StarSymbol"/>
+              <a:buChar char=""/>
             </a:pPr>
             <a:r>
               <a:rPr lang="en-US" sz="2000">
-                <a:latin typeface="Trebuchet MS"/>
-              </a:rPr>
-              <a:t>Sixth Outline Level</a:t>
-            </a:r>
-            <a:endParaRPr/>
-          </a:p>
-          <a:p>
-            <a:pPr lvl="6" algn="ctr">
-              <a:buFont typeface="Trebuchet MS"/>
-              <a:buChar char="»"/>
-            </a:pPr>
-            <a:r>
-              <a:rPr lang="en-US" sz="2000">
-                <a:latin typeface="Trebuchet MS"/>
+                <a:latin typeface="Arial"/>
               </a:rPr>
               <a:t>Seventh Outline Level</a:t>
             </a:r>
@@ -2854,18 +2875,18 @@
   </p:cSld>
   <p:clrMap bg1="lt1" bg2="lt2" tx1="dk1" tx2="dk2" accent1="accent1" accent2="accent2" accent3="accent3" accent4="accent4" accent5="accent5" accent6="accent6" hlink="hlink" folHlink="folHlink"/>
   <p:sldLayoutIdLst>
-    <p:sldLayoutId id="2147483662" r:id="rId4"/>
-    <p:sldLayoutId id="2147483663" r:id="rId5"/>
-    <p:sldLayoutId id="2147483664" r:id="rId6"/>
-    <p:sldLayoutId id="2147483665" r:id="rId7"/>
-    <p:sldLayoutId id="2147483666" r:id="rId8"/>
-    <p:sldLayoutId id="2147483667" r:id="rId9"/>
-    <p:sldLayoutId id="2147483668" r:id="rId10"/>
-    <p:sldLayoutId id="2147483669" r:id="rId11"/>
-    <p:sldLayoutId id="2147483670" r:id="rId12"/>
-    <p:sldLayoutId id="2147483671" r:id="rId13"/>
-    <p:sldLayoutId id="2147483672" r:id="rId14"/>
-    <p:sldLayoutId id="2147483673" r:id="rId15"/>
+    <p:sldLayoutId id="2147483662" r:id="rId3"/>
+    <p:sldLayoutId id="2147483663" r:id="rId4"/>
+    <p:sldLayoutId id="2147483664" r:id="rId5"/>
+    <p:sldLayoutId id="2147483665" r:id="rId6"/>
+    <p:sldLayoutId id="2147483666" r:id="rId7"/>
+    <p:sldLayoutId id="2147483667" r:id="rId8"/>
+    <p:sldLayoutId id="2147483668" r:id="rId9"/>
+    <p:sldLayoutId id="2147483669" r:id="rId10"/>
+    <p:sldLayoutId id="2147483670" r:id="rId11"/>
+    <p:sldLayoutId id="2147483671" r:id="rId12"/>
+    <p:sldLayoutId id="2147483672" r:id="rId13"/>
+    <p:sldLayoutId id="2147483673" r:id="rId14"/>
   </p:sldLayoutIdLst>
 </p:sldMaster>
 </file>
@@ -2896,14 +2917,14 @@
       </p:grpSpPr>
       <p:sp>
         <p:nvSpPr>
-          <p:cNvPr id="79" name="TextShape 1"/>
-          <p:cNvSpPr txBox="1"/>
+          <p:cNvPr id="78" name="CustomShape 1"/>
+          <p:cNvSpPr/>
           <p:nvPr/>
         </p:nvSpPr>
         <p:spPr>
           <a:xfrm>
             <a:off x="1873080" y="2130120"/>
-            <a:ext cx="7089840" cy="2019240"/>
+            <a:ext cx="7088760" cy="2018160"/>
           </a:xfrm>
           <a:prstGeom prst="rect">
             <a:avLst/>
@@ -2913,13 +2934,27 @@
             <a:noFill/>
           </a:ln>
         </p:spPr>
+        <p:style>
+          <a:lnRef idx="0"/>
+          <a:fillRef idx="0"/>
+          <a:effectRef idx="0"/>
+          <a:fontRef idx="minor"/>
+        </p:style>
         <p:txBody>
           <a:bodyPr lIns="90000" rIns="90000" tIns="46800" bIns="46800" anchor="ctr"/>
           <a:p>
-            <a:pPr algn="ctr"/>
-            <a:r>
-              <a:rPr b="1" lang="en-US" sz="3600">
-                <a:latin typeface="Trebuchet MS"/>
+            <a:pPr algn="ctr">
+              <a:lnSpc>
+                <a:spcPct val="100000"/>
+              </a:lnSpc>
+            </a:pPr>
+            <a:r>
+              <a:rPr b="1" lang="en-US" sz="3600" strike="noStrike">
+                <a:solidFill>
+                  <a:srgbClr val="dddddd"/>
+                </a:solidFill>
+                <a:latin typeface="Trebuchet MS"/>
+                <a:ea typeface="DejaVu Sans"/>
               </a:rPr>
               <a:t>Narzędzie rozwiązujące problem Kakuro</a:t>
             </a:r>
@@ -2929,14 +2964,14 @@
       </p:sp>
       <p:sp>
         <p:nvSpPr>
-          <p:cNvPr id="80" name="TextShape 2"/>
-          <p:cNvSpPr txBox="1"/>
+          <p:cNvPr id="79" name="CustomShape 2"/>
+          <p:cNvSpPr/>
           <p:nvPr/>
         </p:nvSpPr>
         <p:spPr>
           <a:xfrm>
             <a:off x="1873080" y="5697000"/>
-            <a:ext cx="7089840" cy="900360"/>
+            <a:ext cx="7088760" cy="899280"/>
           </a:xfrm>
           <a:prstGeom prst="rect">
             <a:avLst/>
@@ -2946,27 +2981,53 @@
             <a:noFill/>
           </a:ln>
         </p:spPr>
+        <p:style>
+          <a:lnRef idx="0"/>
+          <a:fillRef idx="0"/>
+          <a:effectRef idx="0"/>
+          <a:fontRef idx="minor"/>
+        </p:style>
         <p:txBody>
           <a:bodyPr lIns="90000" rIns="90000" tIns="46800" bIns="46800" anchor="b"/>
           <a:p>
-            <a:pPr algn="ctr"/>
-            <a:endParaRPr/>
-          </a:p>
-          <a:p>
-            <a:pPr algn="ctr"/>
-            <a:r>
-              <a:rPr lang="en-US" sz="2000">
-                <a:latin typeface="Trebuchet MS"/>
+            <a:pPr algn="ctr">
+              <a:lnSpc>
+                <a:spcPct val="100000"/>
+              </a:lnSpc>
+            </a:pPr>
+            <a:endParaRPr/>
+          </a:p>
+          <a:p>
+            <a:pPr algn="ctr">
+              <a:lnSpc>
+                <a:spcPct val="100000"/>
+              </a:lnSpc>
+            </a:pPr>
+            <a:r>
+              <a:rPr lang="en-US" sz="2000" strike="noStrike">
+                <a:solidFill>
+                  <a:srgbClr val="dddddd"/>
+                </a:solidFill>
+                <a:latin typeface="Trebuchet MS"/>
+                <a:ea typeface="DejaVu Sans"/>
               </a:rPr>
               <a:t>Autor: Karol Kulesza</a:t>
             </a:r>
             <a:endParaRPr/>
           </a:p>
           <a:p>
-            <a:pPr algn="ctr"/>
-            <a:r>
-              <a:rPr lang="en-US" sz="2000">
-                <a:latin typeface="Trebuchet MS"/>
+            <a:pPr algn="ctr">
+              <a:lnSpc>
+                <a:spcPct val="100000"/>
+              </a:lnSpc>
+            </a:pPr>
+            <a:r>
+              <a:rPr lang="en-US" sz="2000" strike="noStrike">
+                <a:solidFill>
+                  <a:srgbClr val="dddddd"/>
+                </a:solidFill>
+                <a:latin typeface="Trebuchet MS"/>
+                <a:ea typeface="DejaVu Sans"/>
               </a:rPr>
               <a:t>Promotor: dr. inż. Paweł Głuchowski</a:t>
             </a:r>
@@ -2986,6 +3047,2408 @@
           <p:childTnLst>
             <p:seq>
               <p:cTn id="2" nodeType="mainSeq"/>
+              <p:prevCondLst>
+                <p:cond delay="0" evt="onPrev">
+                  <p:tgtEl>
+                    <p:sldTgt/>
+                  </p:tgtEl>
+                </p:cond>
+              </p:prevCondLst>
+              <p:nextCondLst>
+                <p:cond delay="0" evt="onNext">
+                  <p:tgtEl>
+                    <p:sldTgt/>
+                  </p:tgtEl>
+                </p:cond>
+              </p:nextCondLst>
+            </p:seq>
+          </p:childTnLst>
+        </p:cTn>
+      </p:par>
+    </p:tnLst>
+  </p:timing>
+</p:sld>
+</file>
+
+<file path=ppt/slides/slide10.xml><?xml version="1.0" encoding="utf-8"?>
+<p:sld xmlns:a="http://schemas.openxmlformats.org/drawingml/2006/main" xmlns:p="http://schemas.openxmlformats.org/presentationml/2006/main" xmlns:r="http://schemas.openxmlformats.org/officeDocument/2006/relationships">
+  <p:cSld>
+    <p:spTree>
+      <p:nvGrpSpPr>
+        <p:cNvPr id="1" name=""/>
+        <p:cNvGrpSpPr/>
+        <p:nvPr/>
+      </p:nvGrpSpPr>
+      <p:grpSpPr>
+        <a:xfrm>
+          <a:off x="0" y="0"/>
+          <a:ext cx="0" cy="0"/>
+          <a:chOff x="0" y="0"/>
+          <a:chExt cx="0" cy="0"/>
+        </a:xfrm>
+      </p:grpSpPr>
+      <p:sp>
+        <p:nvSpPr>
+          <p:cNvPr id="98" name="CustomShape 1"/>
+          <p:cNvSpPr/>
+          <p:nvPr/>
+        </p:nvSpPr>
+        <p:spPr>
+          <a:xfrm>
+            <a:off x="611280" y="630000"/>
+            <a:ext cx="8423640" cy="1033920"/>
+          </a:xfrm>
+          <a:prstGeom prst="rect">
+            <a:avLst/>
+          </a:prstGeom>
+          <a:noFill/>
+          <a:ln>
+            <a:noFill/>
+          </a:ln>
+        </p:spPr>
+        <p:style>
+          <a:lnRef idx="0"/>
+          <a:fillRef idx="0"/>
+          <a:effectRef idx="0"/>
+          <a:fontRef idx="minor"/>
+        </p:style>
+        <p:txBody>
+          <a:bodyPr lIns="90000" rIns="90000" tIns="46800" bIns="46800" anchor="ctr"/>
+          <a:p>
+            <a:r>
+              <a:rPr b="1" lang="en-US" sz="3600" strike="noStrike">
+                <a:solidFill>
+                  <a:srgbClr val="dddddd"/>
+                </a:solidFill>
+                <a:latin typeface="Trebuchet MS"/>
+                <a:ea typeface="DejaVu Sans"/>
+              </a:rPr>
+              <a:t>Constraint Programming</a:t>
+            </a:r>
+            <a:endParaRPr/>
+          </a:p>
+        </p:txBody>
+      </p:sp>
+      <p:sp>
+        <p:nvSpPr>
+          <p:cNvPr id="99" name="CustomShape 2"/>
+          <p:cNvSpPr/>
+          <p:nvPr/>
+        </p:nvSpPr>
+        <p:spPr>
+          <a:xfrm>
+            <a:off x="611280" y="1881360"/>
+            <a:ext cx="8423640" cy="4859640"/>
+          </a:xfrm>
+          <a:prstGeom prst="rect">
+            <a:avLst/>
+          </a:prstGeom>
+          <a:noFill/>
+          <a:ln>
+            <a:noFill/>
+          </a:ln>
+        </p:spPr>
+        <p:style>
+          <a:lnRef idx="0"/>
+          <a:fillRef idx="0"/>
+          <a:effectRef idx="0"/>
+          <a:fontRef idx="minor"/>
+        </p:style>
+        <p:txBody>
+          <a:bodyPr lIns="90000" rIns="90000" tIns="46800" bIns="46800"/>
+          <a:p>
+            <a:pPr>
+              <a:lnSpc>
+                <a:spcPct val="100000"/>
+              </a:lnSpc>
+              <a:buFont typeface="Trebuchet MS"/>
+              <a:buChar char="•"/>
+            </a:pPr>
+            <a:r>
+              <a:rPr lang="en-US" sz="3200" strike="noStrike">
+                <a:solidFill>
+                  <a:srgbClr val="000000"/>
+                </a:solidFill>
+                <a:latin typeface="Trebuchet MS"/>
+                <a:ea typeface="DejaVu Sans"/>
+              </a:rPr>
+              <a:t>Constraint Programming – programowanie, którego celem jest zaimplementowanie istniejących reguł dotyczących problemu tak, by otrzymać akceptowalne dla danego problemu rozwiązanie. </a:t>
+            </a:r>
+            <a:endParaRPr/>
+          </a:p>
+          <a:p>
+            <a:pPr>
+              <a:lnSpc>
+                <a:spcPct val="100000"/>
+              </a:lnSpc>
+            </a:pPr>
+            <a:endParaRPr/>
+          </a:p>
+          <a:p>
+            <a:pPr>
+              <a:lnSpc>
+                <a:spcPct val="100000"/>
+              </a:lnSpc>
+              <a:buFont typeface="Trebuchet MS"/>
+              <a:buChar char="•"/>
+            </a:pPr>
+            <a:r>
+              <a:rPr lang="en-US" sz="3200" strike="noStrike">
+                <a:solidFill>
+                  <a:srgbClr val="000000"/>
+                </a:solidFill>
+                <a:latin typeface="Trebuchet MS"/>
+                <a:ea typeface="DejaVu Sans"/>
+              </a:rPr>
+              <a:t>Główne części:</a:t>
+            </a:r>
+            <a:endParaRPr/>
+          </a:p>
+          <a:p>
+            <a:pPr>
+              <a:lnSpc>
+                <a:spcPct val="100000"/>
+              </a:lnSpc>
+              <a:buFont typeface="Trebuchet MS"/>
+              <a:buChar char="•"/>
+            </a:pPr>
+            <a:r>
+              <a:rPr lang="en-US" sz="3200" strike="noStrike">
+                <a:solidFill>
+                  <a:srgbClr val="000000"/>
+                </a:solidFill>
+                <a:latin typeface="Trebuchet MS"/>
+                <a:ea typeface="DejaVu Sans"/>
+              </a:rPr>
+              <a:t>Reguła</a:t>
+            </a:r>
+            <a:endParaRPr/>
+          </a:p>
+          <a:p>
+            <a:pPr>
+              <a:lnSpc>
+                <a:spcPct val="100000"/>
+              </a:lnSpc>
+              <a:buFont typeface="Trebuchet MS"/>
+              <a:buChar char="•"/>
+            </a:pPr>
+            <a:r>
+              <a:rPr lang="en-US" sz="3200" strike="noStrike">
+                <a:solidFill>
+                  <a:srgbClr val="000000"/>
+                </a:solidFill>
+                <a:latin typeface="Trebuchet MS"/>
+                <a:ea typeface="DejaVu Sans"/>
+              </a:rPr>
+              <a:t>Wartość</a:t>
+            </a:r>
+            <a:endParaRPr/>
+          </a:p>
+          <a:p>
+            <a:pPr>
+              <a:lnSpc>
+                <a:spcPct val="100000"/>
+              </a:lnSpc>
+              <a:buFont typeface="Trebuchet MS"/>
+              <a:buChar char="•"/>
+            </a:pPr>
+            <a:r>
+              <a:rPr lang="en-US" sz="3200" strike="noStrike">
+                <a:solidFill>
+                  <a:srgbClr val="000000"/>
+                </a:solidFill>
+                <a:latin typeface="Trebuchet MS"/>
+                <a:ea typeface="DejaVu Sans"/>
+              </a:rPr>
+              <a:t>Zmienna</a:t>
+            </a:r>
+            <a:endParaRPr/>
+          </a:p>
+          <a:p>
+            <a:pPr>
+              <a:lnSpc>
+                <a:spcPct val="100000"/>
+              </a:lnSpc>
+            </a:pPr>
+            <a:endParaRPr/>
+          </a:p>
+        </p:txBody>
+      </p:sp>
+      <p:graphicFrame>
+        <p:nvGraphicFramePr>
+          <p:cNvPr id="100" name="Table 3"/>
+          <p:cNvGraphicFramePr/>
+          <p:nvPr/>
+        </p:nvGraphicFramePr>
+        <p:xfrm>
+          <a:off x="6949440" y="7040880"/>
+          <a:ext cx="1278720" cy="181440"/>
+        </p:xfrm>
+        <a:graphic>
+          <a:graphicData uri="http://schemas.openxmlformats.org/drawingml/2006/table">
+            <a:tbl>
+              <a:tblPr/>
+              <a:tblGrid>
+                <a:gridCol w="426600"/>
+                <a:gridCol w="426600"/>
+                <a:gridCol w="425880"/>
+              </a:tblGrid>
+              <a:tr h="428760">
+                <a:tc>
+                  <a:tcPr/>
+                </a:tc>
+                <a:tc>
+                  <a:tcPr/>
+                </a:tc>
+                <a:tc>
+                  <a:tcPr/>
+                </a:tc>
+              </a:tr>
+            </a:tbl>
+          </a:graphicData>
+        </a:graphic>
+      </p:graphicFrame>
+    </p:spTree>
+  </p:cSld>
+  <p:transition>
+    <p:randomBar dir="horz"/>
+  </p:transition>
+  <p:timing>
+    <p:tnLst>
+      <p:par>
+        <p:cTn id="19" dur="indefinite" restart="never" nodeType="tmRoot">
+          <p:childTnLst>
+            <p:seq>
+              <p:cTn id="20" nodeType="mainSeq"/>
+              <p:prevCondLst>
+                <p:cond delay="0" evt="onPrev">
+                  <p:tgtEl>
+                    <p:sldTgt/>
+                  </p:tgtEl>
+                </p:cond>
+              </p:prevCondLst>
+              <p:nextCondLst>
+                <p:cond delay="0" evt="onNext">
+                  <p:tgtEl>
+                    <p:sldTgt/>
+                  </p:tgtEl>
+                </p:cond>
+              </p:nextCondLst>
+            </p:seq>
+          </p:childTnLst>
+        </p:cTn>
+      </p:par>
+    </p:tnLst>
+  </p:timing>
+</p:sld>
+</file>
+
+<file path=ppt/slides/slide11.xml><?xml version="1.0" encoding="utf-8"?>
+<p:sld xmlns:a="http://schemas.openxmlformats.org/drawingml/2006/main" xmlns:p="http://schemas.openxmlformats.org/presentationml/2006/main" xmlns:r="http://schemas.openxmlformats.org/officeDocument/2006/relationships">
+  <p:cSld>
+    <p:spTree>
+      <p:nvGrpSpPr>
+        <p:cNvPr id="1" name=""/>
+        <p:cNvGrpSpPr/>
+        <p:nvPr/>
+      </p:nvGrpSpPr>
+      <p:grpSpPr>
+        <a:xfrm>
+          <a:off x="0" y="0"/>
+          <a:ext cx="0" cy="0"/>
+          <a:chOff x="0" y="0"/>
+          <a:chExt cx="0" cy="0"/>
+        </a:xfrm>
+      </p:grpSpPr>
+      <p:sp>
+        <p:nvSpPr>
+          <p:cNvPr id="101" name="CustomShape 1"/>
+          <p:cNvSpPr/>
+          <p:nvPr/>
+        </p:nvSpPr>
+        <p:spPr>
+          <a:xfrm>
+            <a:off x="611280" y="630000"/>
+            <a:ext cx="8423640" cy="1033920"/>
+          </a:xfrm>
+          <a:prstGeom prst="rect">
+            <a:avLst/>
+          </a:prstGeom>
+          <a:noFill/>
+          <a:ln>
+            <a:noFill/>
+          </a:ln>
+        </p:spPr>
+        <p:style>
+          <a:lnRef idx="0"/>
+          <a:fillRef idx="0"/>
+          <a:effectRef idx="0"/>
+          <a:fontRef idx="minor"/>
+        </p:style>
+        <p:txBody>
+          <a:bodyPr lIns="90000" rIns="90000" tIns="46800" bIns="46800" anchor="ctr"/>
+          <a:p>
+            <a:r>
+              <a:rPr b="1" lang="en-US" sz="3600" strike="noStrike">
+                <a:solidFill>
+                  <a:srgbClr val="dddddd"/>
+                </a:solidFill>
+                <a:latin typeface="Trebuchet MS"/>
+                <a:ea typeface="DejaVu Sans"/>
+              </a:rPr>
+              <a:t>Constraint Satisfaction Problems</a:t>
+            </a:r>
+            <a:endParaRPr/>
+          </a:p>
+        </p:txBody>
+      </p:sp>
+      <p:sp>
+        <p:nvSpPr>
+          <p:cNvPr id="102" name="CustomShape 2"/>
+          <p:cNvSpPr/>
+          <p:nvPr/>
+        </p:nvSpPr>
+        <p:spPr>
+          <a:xfrm>
+            <a:off x="611280" y="1881360"/>
+            <a:ext cx="8423640" cy="4859640"/>
+          </a:xfrm>
+          <a:prstGeom prst="rect">
+            <a:avLst/>
+          </a:prstGeom>
+          <a:noFill/>
+          <a:ln>
+            <a:noFill/>
+          </a:ln>
+        </p:spPr>
+        <p:style>
+          <a:lnRef idx="0"/>
+          <a:fillRef idx="0"/>
+          <a:effectRef idx="0"/>
+          <a:fontRef idx="minor"/>
+        </p:style>
+        <p:txBody>
+          <a:bodyPr lIns="90000" rIns="90000" tIns="46800" bIns="46800"/>
+          <a:p>
+            <a:pPr>
+              <a:lnSpc>
+                <a:spcPct val="100000"/>
+              </a:lnSpc>
+              <a:buFont typeface="Trebuchet MS"/>
+              <a:buChar char="•"/>
+            </a:pPr>
+            <a:endParaRPr/>
+          </a:p>
+          <a:p>
+            <a:pPr>
+              <a:lnSpc>
+                <a:spcPct val="100000"/>
+              </a:lnSpc>
+              <a:buFont typeface="Trebuchet MS"/>
+              <a:buChar char="•"/>
+            </a:pPr>
+            <a:endParaRPr/>
+          </a:p>
+          <a:p>
+            <a:pPr>
+              <a:lnSpc>
+                <a:spcPct val="100000"/>
+              </a:lnSpc>
+              <a:buFont typeface="Trebuchet MS"/>
+              <a:buChar char="•"/>
+            </a:pPr>
+            <a:r>
+              <a:rPr i="1" lang="en-US" sz="3200" strike="noStrike" u="sng">
+                <a:solidFill>
+                  <a:srgbClr val="000000"/>
+                </a:solidFill>
+                <a:latin typeface="Trebuchet MS"/>
+                <a:ea typeface="DejaVu Sans"/>
+              </a:rPr>
+              <a:t>CSPs</a:t>
+            </a:r>
+            <a:r>
+              <a:rPr lang="en-US" sz="3200" strike="noStrike">
+                <a:solidFill>
+                  <a:srgbClr val="000000"/>
+                </a:solidFill>
+                <a:latin typeface="Trebuchet MS"/>
+                <a:ea typeface="DejaVu Sans"/>
+              </a:rPr>
+              <a:t> – problemy zdefiniowane przy pomocy zbioru obiektów które polegają regułom, relajcom bądź ograniczeniom. Owe zależności mogą być odnoszone do obiektów pojedynczo, lub grupowo. </a:t>
+            </a:r>
+            <a:endParaRPr/>
+          </a:p>
+          <a:p>
+            <a:pPr>
+              <a:lnSpc>
+                <a:spcPct val="100000"/>
+              </a:lnSpc>
+              <a:buFont typeface="Trebuchet MS"/>
+              <a:buChar char="•"/>
+            </a:pPr>
+            <a:endParaRPr/>
+          </a:p>
+          <a:p>
+            <a:pPr>
+              <a:lnSpc>
+                <a:spcPct val="100000"/>
+              </a:lnSpc>
+              <a:buFont typeface="Trebuchet MS"/>
+              <a:buChar char="•"/>
+            </a:pPr>
+            <a:endParaRPr/>
+          </a:p>
+          <a:p>
+            <a:pPr>
+              <a:lnSpc>
+                <a:spcPct val="100000"/>
+              </a:lnSpc>
+            </a:pPr>
+            <a:endParaRPr/>
+          </a:p>
+        </p:txBody>
+      </p:sp>
+      <p:graphicFrame>
+        <p:nvGraphicFramePr>
+          <p:cNvPr id="103" name="Table 3"/>
+          <p:cNvGraphicFramePr/>
+          <p:nvPr/>
+        </p:nvGraphicFramePr>
+        <p:xfrm>
+          <a:off x="6949440" y="7040880"/>
+          <a:ext cx="1278720" cy="181440"/>
+        </p:xfrm>
+        <a:graphic>
+          <a:graphicData uri="http://schemas.openxmlformats.org/drawingml/2006/table">
+            <a:tbl>
+              <a:tblPr/>
+              <a:tblGrid>
+                <a:gridCol w="426600"/>
+                <a:gridCol w="426600"/>
+                <a:gridCol w="425880"/>
+              </a:tblGrid>
+              <a:tr h="428760">
+                <a:tc>
+                  <a:tcPr/>
+                </a:tc>
+                <a:tc>
+                  <a:tcPr/>
+                </a:tc>
+                <a:tc>
+                  <a:tcPr/>
+                </a:tc>
+              </a:tr>
+            </a:tbl>
+          </a:graphicData>
+        </a:graphic>
+      </p:graphicFrame>
+    </p:spTree>
+  </p:cSld>
+  <p:transition>
+    <p:randomBar dir="horz"/>
+  </p:transition>
+  <p:timing>
+    <p:tnLst>
+      <p:par>
+        <p:cTn id="21" dur="indefinite" restart="never" nodeType="tmRoot">
+          <p:childTnLst>
+            <p:seq>
+              <p:cTn id="22" nodeType="mainSeq"/>
+              <p:prevCondLst>
+                <p:cond delay="0" evt="onPrev">
+                  <p:tgtEl>
+                    <p:sldTgt/>
+                  </p:tgtEl>
+                </p:cond>
+              </p:prevCondLst>
+              <p:nextCondLst>
+                <p:cond delay="0" evt="onNext">
+                  <p:tgtEl>
+                    <p:sldTgt/>
+                  </p:tgtEl>
+                </p:cond>
+              </p:nextCondLst>
+            </p:seq>
+          </p:childTnLst>
+        </p:cTn>
+      </p:par>
+    </p:tnLst>
+  </p:timing>
+</p:sld>
+</file>
+
+<file path=ppt/slides/slide12.xml><?xml version="1.0" encoding="utf-8"?>
+<p:sld xmlns:a="http://schemas.openxmlformats.org/drawingml/2006/main" xmlns:p="http://schemas.openxmlformats.org/presentationml/2006/main" xmlns:r="http://schemas.openxmlformats.org/officeDocument/2006/relationships">
+  <p:cSld>
+    <p:spTree>
+      <p:nvGrpSpPr>
+        <p:cNvPr id="1" name=""/>
+        <p:cNvGrpSpPr/>
+        <p:nvPr/>
+      </p:nvGrpSpPr>
+      <p:grpSpPr>
+        <a:xfrm>
+          <a:off x="0" y="0"/>
+          <a:ext cx="0" cy="0"/>
+          <a:chOff x="0" y="0"/>
+          <a:chExt cx="0" cy="0"/>
+        </a:xfrm>
+      </p:grpSpPr>
+      <p:sp>
+        <p:nvSpPr>
+          <p:cNvPr id="104" name="CustomShape 1"/>
+          <p:cNvSpPr/>
+          <p:nvPr/>
+        </p:nvSpPr>
+        <p:spPr>
+          <a:xfrm>
+            <a:off x="611280" y="630000"/>
+            <a:ext cx="8423640" cy="1033920"/>
+          </a:xfrm>
+          <a:prstGeom prst="rect">
+            <a:avLst/>
+          </a:prstGeom>
+          <a:noFill/>
+          <a:ln>
+            <a:noFill/>
+          </a:ln>
+        </p:spPr>
+        <p:style>
+          <a:lnRef idx="0"/>
+          <a:fillRef idx="0"/>
+          <a:effectRef idx="0"/>
+          <a:fontRef idx="minor"/>
+        </p:style>
+        <p:txBody>
+          <a:bodyPr lIns="90000" rIns="90000" tIns="46800" bIns="46800" anchor="ctr"/>
+          <a:p>
+            <a:r>
+              <a:rPr b="1" lang="en-US" sz="3600" strike="noStrike">
+                <a:solidFill>
+                  <a:srgbClr val="dddddd"/>
+                </a:solidFill>
+                <a:latin typeface="Trebuchet MS"/>
+                <a:ea typeface="DejaVu Sans"/>
+              </a:rPr>
+              <a:t>Constraint Satisfaction Problems</a:t>
+            </a:r>
+            <a:endParaRPr/>
+          </a:p>
+        </p:txBody>
+      </p:sp>
+      <p:sp>
+        <p:nvSpPr>
+          <p:cNvPr id="105" name="CustomShape 2"/>
+          <p:cNvSpPr/>
+          <p:nvPr/>
+        </p:nvSpPr>
+        <p:spPr>
+          <a:xfrm>
+            <a:off x="611280" y="1881360"/>
+            <a:ext cx="8423640" cy="4859640"/>
+          </a:xfrm>
+          <a:prstGeom prst="rect">
+            <a:avLst/>
+          </a:prstGeom>
+          <a:noFill/>
+          <a:ln>
+            <a:noFill/>
+          </a:ln>
+        </p:spPr>
+        <p:style>
+          <a:lnRef idx="0"/>
+          <a:fillRef idx="0"/>
+          <a:effectRef idx="0"/>
+          <a:fontRef idx="minor"/>
+        </p:style>
+        <p:txBody>
+          <a:bodyPr lIns="90000" rIns="90000" tIns="46800" bIns="46800"/>
+          <a:p>
+            <a:pPr>
+              <a:lnSpc>
+                <a:spcPct val="100000"/>
+              </a:lnSpc>
+            </a:pPr>
+            <a:r>
+              <a:rPr lang="en-US" sz="3200" strike="noStrike">
+                <a:solidFill>
+                  <a:srgbClr val="000000"/>
+                </a:solidFill>
+                <a:latin typeface="Trebuchet MS"/>
+                <a:ea typeface="DejaVu Sans"/>
+              </a:rPr>
+              <a:t>Definicja formalna:</a:t>
+            </a:r>
+            <a:endParaRPr/>
+          </a:p>
+          <a:p>
+            <a:pPr>
+              <a:lnSpc>
+                <a:spcPct val="100000"/>
+              </a:lnSpc>
+            </a:pPr>
+            <a:endParaRPr/>
+          </a:p>
+          <a:p>
+            <a:pPr algn="ctr">
+              <a:lnSpc>
+                <a:spcPct val="100000"/>
+              </a:lnSpc>
+            </a:pPr>
+            <a:endParaRPr/>
+          </a:p>
+          <a:p>
+            <a:pPr>
+              <a:lnSpc>
+                <a:spcPct val="100000"/>
+              </a:lnSpc>
+              <a:buFont typeface="Trebuchet MS"/>
+              <a:buChar char="•"/>
+            </a:pPr>
+            <a:endParaRPr/>
+          </a:p>
+          <a:p>
+            <a:pPr>
+              <a:lnSpc>
+                <a:spcPct val="100000"/>
+              </a:lnSpc>
+            </a:pPr>
+            <a:endParaRPr/>
+          </a:p>
+          <a:p>
+            <a:pPr>
+              <a:lnSpc>
+                <a:spcPct val="100000"/>
+              </a:lnSpc>
+            </a:pPr>
+            <a:r>
+              <a:rPr lang="en-US" sz="3200" strike="noStrike">
+                <a:solidFill>
+                  <a:srgbClr val="000000"/>
+                </a:solidFill>
+                <a:latin typeface="Trebuchet MS"/>
+                <a:ea typeface="DejaVu Sans"/>
+              </a:rPr>
+              <a:t>X – zbiór zmiennych</a:t>
+            </a:r>
+            <a:endParaRPr/>
+          </a:p>
+          <a:p>
+            <a:pPr>
+              <a:lnSpc>
+                <a:spcPct val="100000"/>
+              </a:lnSpc>
+            </a:pPr>
+            <a:r>
+              <a:rPr lang="en-US" sz="3200" strike="noStrike">
+                <a:solidFill>
+                  <a:srgbClr val="000000"/>
+                </a:solidFill>
+                <a:latin typeface="Trebuchet MS"/>
+                <a:ea typeface="DejaVu Sans"/>
+              </a:rPr>
+              <a:t>D – zbiór domen dla każdej ze zmiennych</a:t>
+            </a:r>
+            <a:endParaRPr/>
+          </a:p>
+          <a:p>
+            <a:pPr>
+              <a:lnSpc>
+                <a:spcPct val="100000"/>
+              </a:lnSpc>
+            </a:pPr>
+            <a:r>
+              <a:rPr lang="en-US" sz="3200" strike="noStrike">
+                <a:solidFill>
+                  <a:srgbClr val="000000"/>
+                </a:solidFill>
+                <a:latin typeface="Trebuchet MS"/>
+                <a:ea typeface="DejaVu Sans"/>
+              </a:rPr>
+              <a:t>C – zbiór reguł</a:t>
+            </a:r>
+            <a:endParaRPr/>
+          </a:p>
+          <a:p>
+            <a:pPr>
+              <a:lnSpc>
+                <a:spcPct val="100000"/>
+              </a:lnSpc>
+            </a:pPr>
+            <a:r>
+              <a:rPr i="1" lang="en-US" sz="3200" strike="noStrike">
+                <a:solidFill>
+                  <a:srgbClr val="000000"/>
+                </a:solidFill>
+                <a:latin typeface="Trebuchet MS"/>
+                <a:ea typeface="DejaVu Sans"/>
+              </a:rPr>
+              <a:t>Ważne: zbiory są skończone.</a:t>
+            </a:r>
+            <a:endParaRPr/>
+          </a:p>
+          <a:p>
+            <a:pPr>
+              <a:lnSpc>
+                <a:spcPct val="100000"/>
+              </a:lnSpc>
+            </a:pPr>
+            <a:endParaRPr/>
+          </a:p>
+        </p:txBody>
+      </p:sp>
+      <p:graphicFrame>
+        <p:nvGraphicFramePr>
+          <p:cNvPr id="106" name="Table 3"/>
+          <p:cNvGraphicFramePr/>
+          <p:nvPr/>
+        </p:nvGraphicFramePr>
+        <p:xfrm>
+          <a:off x="6949440" y="7040880"/>
+          <a:ext cx="1278720" cy="181440"/>
+        </p:xfrm>
+        <a:graphic>
+          <a:graphicData uri="http://schemas.openxmlformats.org/drawingml/2006/table">
+            <a:tbl>
+              <a:tblPr/>
+              <a:tblGrid>
+                <a:gridCol w="426600"/>
+                <a:gridCol w="426600"/>
+                <a:gridCol w="425880"/>
+              </a:tblGrid>
+              <a:tr h="428760">
+                <a:tc>
+                  <a:tcPr/>
+                </a:tc>
+                <a:tc>
+                  <a:tcPr/>
+                </a:tc>
+                <a:tc>
+                  <a:tcPr/>
+                </a:tc>
+              </a:tr>
+            </a:tbl>
+          </a:graphicData>
+        </a:graphic>
+      </p:graphicFrame>
+      <p:pic>
+        <p:nvPicPr>
+          <p:cNvPr id="107" name="" descr=""/>
+          <p:cNvPicPr/>
+          <p:nvPr/>
+        </p:nvPicPr>
+        <p:blipFill>
+          <a:blip r:embed="rId1"/>
+          <a:stretch/>
+        </p:blipFill>
+        <p:spPr>
+          <a:xfrm>
+            <a:off x="1097280" y="2968560"/>
+            <a:ext cx="2704320" cy="1237680"/>
+          </a:xfrm>
+          <a:prstGeom prst="rect">
+            <a:avLst/>
+          </a:prstGeom>
+          <a:ln>
+            <a:noFill/>
+          </a:ln>
+        </p:spPr>
+      </p:pic>
+    </p:spTree>
+  </p:cSld>
+  <p:transition>
+    <p:randomBar dir="horz"/>
+  </p:transition>
+  <p:timing>
+    <p:tnLst>
+      <p:par>
+        <p:cTn id="23" dur="indefinite" restart="never" nodeType="tmRoot">
+          <p:childTnLst>
+            <p:seq>
+              <p:cTn id="24" nodeType="mainSeq"/>
+              <p:prevCondLst>
+                <p:cond delay="0" evt="onPrev">
+                  <p:tgtEl>
+                    <p:sldTgt/>
+                  </p:tgtEl>
+                </p:cond>
+              </p:prevCondLst>
+              <p:nextCondLst>
+                <p:cond delay="0" evt="onNext">
+                  <p:tgtEl>
+                    <p:sldTgt/>
+                  </p:tgtEl>
+                </p:cond>
+              </p:nextCondLst>
+            </p:seq>
+          </p:childTnLst>
+        </p:cTn>
+      </p:par>
+    </p:tnLst>
+  </p:timing>
+</p:sld>
+</file>
+
+<file path=ppt/slides/slide13.xml><?xml version="1.0" encoding="utf-8"?>
+<p:sld xmlns:a="http://schemas.openxmlformats.org/drawingml/2006/main" xmlns:p="http://schemas.openxmlformats.org/presentationml/2006/main" xmlns:r="http://schemas.openxmlformats.org/officeDocument/2006/relationships">
+  <p:cSld>
+    <p:spTree>
+      <p:nvGrpSpPr>
+        <p:cNvPr id="1" name=""/>
+        <p:cNvGrpSpPr/>
+        <p:nvPr/>
+      </p:nvGrpSpPr>
+      <p:grpSpPr>
+        <a:xfrm>
+          <a:off x="0" y="0"/>
+          <a:ext cx="0" cy="0"/>
+          <a:chOff x="0" y="0"/>
+          <a:chExt cx="0" cy="0"/>
+        </a:xfrm>
+      </p:grpSpPr>
+      <p:sp>
+        <p:nvSpPr>
+          <p:cNvPr id="108" name="CustomShape 1"/>
+          <p:cNvSpPr/>
+          <p:nvPr/>
+        </p:nvSpPr>
+        <p:spPr>
+          <a:xfrm>
+            <a:off x="611280" y="630000"/>
+            <a:ext cx="8423640" cy="1033920"/>
+          </a:xfrm>
+          <a:prstGeom prst="rect">
+            <a:avLst/>
+          </a:prstGeom>
+          <a:noFill/>
+          <a:ln>
+            <a:noFill/>
+          </a:ln>
+        </p:spPr>
+        <p:style>
+          <a:lnRef idx="0"/>
+          <a:fillRef idx="0"/>
+          <a:effectRef idx="0"/>
+          <a:fontRef idx="minor"/>
+        </p:style>
+        <p:txBody>
+          <a:bodyPr lIns="90000" rIns="90000" tIns="46800" bIns="46800" anchor="ctr"/>
+          <a:p>
+            <a:r>
+              <a:rPr b="1" lang="en-US" sz="3600" strike="noStrike">
+                <a:solidFill>
+                  <a:srgbClr val="dddddd"/>
+                </a:solidFill>
+                <a:latin typeface="Trebuchet MS"/>
+                <a:ea typeface="DejaVu Sans"/>
+              </a:rPr>
+              <a:t>Constraint Satisfaction Problems</a:t>
+            </a:r>
+            <a:endParaRPr/>
+          </a:p>
+        </p:txBody>
+      </p:sp>
+      <p:sp>
+        <p:nvSpPr>
+          <p:cNvPr id="109" name="CustomShape 2"/>
+          <p:cNvSpPr/>
+          <p:nvPr/>
+        </p:nvSpPr>
+        <p:spPr>
+          <a:xfrm>
+            <a:off x="548640" y="1828800"/>
+            <a:ext cx="8412480" cy="4937760"/>
+          </a:xfrm>
+          <a:prstGeom prst="rect">
+            <a:avLst/>
+          </a:prstGeom>
+          <a:noFill/>
+          <a:ln>
+            <a:noFill/>
+          </a:ln>
+        </p:spPr>
+        <p:style>
+          <a:lnRef idx="0"/>
+          <a:fillRef idx="0"/>
+          <a:effectRef idx="0"/>
+          <a:fontRef idx="minor"/>
+        </p:style>
+        <p:txBody>
+          <a:bodyPr lIns="90000" rIns="90000" tIns="46800" bIns="46800"/>
+          <a:p>
+            <a:pPr>
+              <a:lnSpc>
+                <a:spcPct val="100000"/>
+              </a:lnSpc>
+              <a:buFont typeface="Trebuchet MS"/>
+              <a:buChar char="•"/>
+            </a:pPr>
+            <a:endParaRPr/>
+          </a:p>
+          <a:p>
+            <a:pPr>
+              <a:lnSpc>
+                <a:spcPct val="100000"/>
+              </a:lnSpc>
+              <a:buFont typeface="Trebuchet MS"/>
+              <a:buChar char="•"/>
+            </a:pPr>
+            <a:endParaRPr/>
+          </a:p>
+          <a:p>
+            <a:pPr>
+              <a:lnSpc>
+                <a:spcPct val="100000"/>
+              </a:lnSpc>
+              <a:buFont typeface="Trebuchet MS"/>
+              <a:buChar char="•"/>
+            </a:pPr>
+            <a:r>
+              <a:rPr lang="en-US" sz="3200" strike="noStrike">
+                <a:solidFill>
+                  <a:srgbClr val="000000"/>
+                </a:solidFill>
+                <a:latin typeface="Arial"/>
+                <a:ea typeface="DejaVu Sans"/>
+              </a:rPr>
+              <a:t>Reguły zmiennych  pojedynczych – dotyczą tylko pojedynczej zmiennej.</a:t>
+            </a:r>
+            <a:endParaRPr/>
+          </a:p>
+          <a:p>
+            <a:pPr>
+              <a:lnSpc>
+                <a:spcPct val="100000"/>
+              </a:lnSpc>
+              <a:buFont typeface="Trebuchet MS"/>
+              <a:buChar char="•"/>
+            </a:pPr>
+            <a:endParaRPr/>
+          </a:p>
+          <a:p>
+            <a:pPr>
+              <a:lnSpc>
+                <a:spcPct val="100000"/>
+              </a:lnSpc>
+              <a:buFont typeface="Trebuchet MS"/>
+              <a:buChar char="•"/>
+            </a:pPr>
+            <a:r>
+              <a:rPr lang="en-US" sz="3200" strike="noStrike">
+                <a:solidFill>
+                  <a:srgbClr val="000000"/>
+                </a:solidFill>
+                <a:latin typeface="Trebuchet MS"/>
+                <a:ea typeface="DejaVu Sans"/>
+              </a:rPr>
+              <a:t>Reguły wielu zmiennych – dotyczą dwóch lub więcej.</a:t>
+            </a:r>
+            <a:endParaRPr/>
+          </a:p>
+        </p:txBody>
+      </p:sp>
+      <p:graphicFrame>
+        <p:nvGraphicFramePr>
+          <p:cNvPr id="110" name="Table 3"/>
+          <p:cNvGraphicFramePr/>
+          <p:nvPr/>
+        </p:nvGraphicFramePr>
+        <p:xfrm>
+          <a:off x="6949440" y="7040880"/>
+          <a:ext cx="1278720" cy="181440"/>
+        </p:xfrm>
+        <a:graphic>
+          <a:graphicData uri="http://schemas.openxmlformats.org/drawingml/2006/table">
+            <a:tbl>
+              <a:tblPr/>
+              <a:tblGrid>
+                <a:gridCol w="426600"/>
+                <a:gridCol w="426600"/>
+                <a:gridCol w="425880"/>
+              </a:tblGrid>
+              <a:tr h="428760">
+                <a:tc>
+                  <a:tcPr/>
+                </a:tc>
+                <a:tc>
+                  <a:tcPr/>
+                </a:tc>
+                <a:tc>
+                  <a:tcPr/>
+                </a:tc>
+              </a:tr>
+            </a:tbl>
+          </a:graphicData>
+        </a:graphic>
+      </p:graphicFrame>
+    </p:spTree>
+  </p:cSld>
+  <p:transition>
+    <p:randomBar dir="horz"/>
+  </p:transition>
+  <p:timing>
+    <p:tnLst>
+      <p:par>
+        <p:cTn id="25" dur="indefinite" restart="never" nodeType="tmRoot">
+          <p:childTnLst>
+            <p:seq>
+              <p:cTn id="26" nodeType="mainSeq"/>
+              <p:prevCondLst>
+                <p:cond delay="0" evt="onPrev">
+                  <p:tgtEl>
+                    <p:sldTgt/>
+                  </p:tgtEl>
+                </p:cond>
+              </p:prevCondLst>
+              <p:nextCondLst>
+                <p:cond delay="0" evt="onNext">
+                  <p:tgtEl>
+                    <p:sldTgt/>
+                  </p:tgtEl>
+                </p:cond>
+              </p:nextCondLst>
+            </p:seq>
+          </p:childTnLst>
+        </p:cTn>
+      </p:par>
+    </p:tnLst>
+  </p:timing>
+</p:sld>
+</file>
+
+<file path=ppt/slides/slide14.xml><?xml version="1.0" encoding="utf-8"?>
+<p:sld xmlns:a="http://schemas.openxmlformats.org/drawingml/2006/main" xmlns:p="http://schemas.openxmlformats.org/presentationml/2006/main" xmlns:r="http://schemas.openxmlformats.org/officeDocument/2006/relationships">
+  <p:cSld>
+    <p:spTree>
+      <p:nvGrpSpPr>
+        <p:cNvPr id="1" name=""/>
+        <p:cNvGrpSpPr/>
+        <p:nvPr/>
+      </p:nvGrpSpPr>
+      <p:grpSpPr>
+        <a:xfrm>
+          <a:off x="0" y="0"/>
+          <a:ext cx="0" cy="0"/>
+          <a:chOff x="0" y="0"/>
+          <a:chExt cx="0" cy="0"/>
+        </a:xfrm>
+      </p:grpSpPr>
+      <p:sp>
+        <p:nvSpPr>
+          <p:cNvPr id="111" name="CustomShape 1"/>
+          <p:cNvSpPr/>
+          <p:nvPr/>
+        </p:nvSpPr>
+        <p:spPr>
+          <a:xfrm>
+            <a:off x="611280" y="630000"/>
+            <a:ext cx="8423640" cy="1033920"/>
+          </a:xfrm>
+          <a:prstGeom prst="rect">
+            <a:avLst/>
+          </a:prstGeom>
+          <a:noFill/>
+          <a:ln>
+            <a:noFill/>
+          </a:ln>
+        </p:spPr>
+        <p:style>
+          <a:lnRef idx="0"/>
+          <a:fillRef idx="0"/>
+          <a:effectRef idx="0"/>
+          <a:fontRef idx="minor"/>
+        </p:style>
+        <p:txBody>
+          <a:bodyPr lIns="90000" rIns="90000" tIns="46800" bIns="46800" anchor="ctr"/>
+          <a:p>
+            <a:r>
+              <a:rPr b="1" lang="en-US" sz="3600" strike="noStrike">
+                <a:solidFill>
+                  <a:srgbClr val="dddddd"/>
+                </a:solidFill>
+                <a:latin typeface="Trebuchet MS"/>
+                <a:ea typeface="DejaVu Sans"/>
+              </a:rPr>
+              <a:t>Constraint Satisfaction Problem</a:t>
+            </a:r>
+            <a:endParaRPr/>
+          </a:p>
+        </p:txBody>
+      </p:sp>
+      <p:sp>
+        <p:nvSpPr>
+          <p:cNvPr id="112" name="CustomShape 2"/>
+          <p:cNvSpPr/>
+          <p:nvPr/>
+        </p:nvSpPr>
+        <p:spPr>
+          <a:xfrm>
+            <a:off x="611280" y="1881360"/>
+            <a:ext cx="8423640" cy="4859640"/>
+          </a:xfrm>
+          <a:prstGeom prst="rect">
+            <a:avLst/>
+          </a:prstGeom>
+          <a:noFill/>
+          <a:ln>
+            <a:noFill/>
+          </a:ln>
+        </p:spPr>
+        <p:style>
+          <a:lnRef idx="0"/>
+          <a:fillRef idx="0"/>
+          <a:effectRef idx="0"/>
+          <a:fontRef idx="minor"/>
+        </p:style>
+        <p:txBody>
+          <a:bodyPr lIns="90000" rIns="90000" tIns="46800" bIns="46800"/>
+          <a:p>
+            <a:pPr>
+              <a:lnSpc>
+                <a:spcPct val="100000"/>
+              </a:lnSpc>
+              <a:buFont typeface="Trebuchet MS"/>
+              <a:buChar char="•"/>
+            </a:pPr>
+            <a:r>
+              <a:rPr lang="en-US" sz="3200" strike="noStrike">
+                <a:solidFill>
+                  <a:srgbClr val="000000"/>
+                </a:solidFill>
+                <a:latin typeface="Trebuchet MS"/>
+                <a:ea typeface="DejaVu Sans"/>
+              </a:rPr>
+              <a:t>Analogia z krzyżówką Kakuro:</a:t>
+            </a:r>
+            <a:endParaRPr/>
+          </a:p>
+          <a:p>
+            <a:pPr lvl="1">
+              <a:lnSpc>
+                <a:spcPct val="100000"/>
+              </a:lnSpc>
+              <a:buSzPct val="45000"/>
+              <a:buFont typeface="StarSymbol"/>
+              <a:buChar char=""/>
+            </a:pPr>
+            <a:r>
+              <a:rPr lang="en-US" sz="3200" strike="noStrike">
+                <a:solidFill>
+                  <a:srgbClr val="000000"/>
+                </a:solidFill>
+                <a:latin typeface="Trebuchet MS"/>
+                <a:ea typeface="DejaVu Sans"/>
+              </a:rPr>
+              <a:t> </a:t>
+            </a:r>
+            <a:r>
+              <a:rPr lang="en-US" sz="3200" strike="noStrike">
+                <a:solidFill>
+                  <a:srgbClr val="000000"/>
+                </a:solidFill>
+                <a:latin typeface="Trebuchet MS"/>
+                <a:ea typeface="DejaVu Sans"/>
+              </a:rPr>
+              <a:t>Kakuro jest zbiorem zmiennych</a:t>
+            </a:r>
+            <a:endParaRPr/>
+          </a:p>
+          <a:p>
+            <a:pPr lvl="1">
+              <a:lnSpc>
+                <a:spcPct val="100000"/>
+              </a:lnSpc>
+              <a:buSzPct val="45000"/>
+              <a:buFont typeface="StarSymbol"/>
+              <a:buChar char=""/>
+            </a:pPr>
+            <a:r>
+              <a:rPr lang="en-US" sz="3200" strike="noStrike">
+                <a:solidFill>
+                  <a:srgbClr val="000000"/>
+                </a:solidFill>
+                <a:latin typeface="Trebuchet MS"/>
+                <a:ea typeface="DejaVu Sans"/>
+              </a:rPr>
+              <a:t> </a:t>
+            </a:r>
+            <a:r>
+              <a:rPr lang="en-US" sz="3200" strike="noStrike">
+                <a:solidFill>
+                  <a:srgbClr val="000000"/>
+                </a:solidFill>
+                <a:latin typeface="Trebuchet MS"/>
+                <a:ea typeface="DejaVu Sans"/>
+              </a:rPr>
+              <a:t>Dla danej instancji problemu istnieją stałe zależności między zmiennymi</a:t>
+            </a:r>
+            <a:endParaRPr/>
+          </a:p>
+          <a:p>
+            <a:pPr lvl="1">
+              <a:lnSpc>
+                <a:spcPct val="100000"/>
+              </a:lnSpc>
+              <a:buSzPct val="45000"/>
+              <a:buFont typeface="StarSymbol"/>
+              <a:buChar char=""/>
+            </a:pPr>
+            <a:r>
+              <a:rPr lang="en-US" sz="3200" strike="noStrike">
+                <a:solidFill>
+                  <a:srgbClr val="000000"/>
+                </a:solidFill>
+                <a:latin typeface="Trebuchet MS"/>
+                <a:ea typeface="DejaVu Sans"/>
+              </a:rPr>
+              <a:t> </a:t>
+            </a:r>
+            <a:r>
+              <a:rPr lang="en-US" sz="3200" strike="noStrike">
+                <a:solidFill>
+                  <a:srgbClr val="000000"/>
+                </a:solidFill>
+                <a:latin typeface="Trebuchet MS"/>
+                <a:ea typeface="DejaVu Sans"/>
+              </a:rPr>
+              <a:t>Każda zmienna posiada domenę (zakres lub zbiór możliwych) wartości </a:t>
+            </a:r>
+            <a:endParaRPr/>
+          </a:p>
+          <a:p>
+            <a:pPr lvl="1">
+              <a:lnSpc>
+                <a:spcPct val="100000"/>
+              </a:lnSpc>
+              <a:buSzPct val="45000"/>
+              <a:buFont typeface="StarSymbol"/>
+              <a:buChar char=""/>
+            </a:pPr>
+            <a:r>
+              <a:rPr lang="en-US" sz="3200" strike="noStrike">
+                <a:solidFill>
+                  <a:srgbClr val="000000"/>
+                </a:solidFill>
+                <a:latin typeface="Trebuchet MS"/>
+                <a:ea typeface="DejaVu Sans"/>
+              </a:rPr>
+              <a:t>Ilość zmiennych jest stała, wielkość domeny jest skończona</a:t>
+            </a:r>
+            <a:endParaRPr/>
+          </a:p>
+          <a:p>
+            <a:pPr>
+              <a:lnSpc>
+                <a:spcPct val="100000"/>
+              </a:lnSpc>
+            </a:pPr>
+            <a:endParaRPr/>
+          </a:p>
+        </p:txBody>
+      </p:sp>
+    </p:spTree>
+  </p:cSld>
+  <p:transition>
+    <p:randomBar dir="horz"/>
+  </p:transition>
+  <p:timing>
+    <p:tnLst>
+      <p:par>
+        <p:cTn id="27" dur="indefinite" restart="never" nodeType="tmRoot">
+          <p:childTnLst>
+            <p:seq>
+              <p:cTn id="28" nodeType="mainSeq"/>
+              <p:prevCondLst>
+                <p:cond delay="0" evt="onPrev">
+                  <p:tgtEl>
+                    <p:sldTgt/>
+                  </p:tgtEl>
+                </p:cond>
+              </p:prevCondLst>
+              <p:nextCondLst>
+                <p:cond delay="0" evt="onNext">
+                  <p:tgtEl>
+                    <p:sldTgt/>
+                  </p:tgtEl>
+                </p:cond>
+              </p:nextCondLst>
+            </p:seq>
+          </p:childTnLst>
+        </p:cTn>
+      </p:par>
+    </p:tnLst>
+  </p:timing>
+</p:sld>
+</file>
+
+<file path=ppt/slides/slide15.xml><?xml version="1.0" encoding="utf-8"?>
+<p:sld xmlns:a="http://schemas.openxmlformats.org/drawingml/2006/main" xmlns:p="http://schemas.openxmlformats.org/presentationml/2006/main" xmlns:r="http://schemas.openxmlformats.org/officeDocument/2006/relationships">
+  <p:cSld>
+    <p:spTree>
+      <p:nvGrpSpPr>
+        <p:cNvPr id="1" name=""/>
+        <p:cNvGrpSpPr/>
+        <p:nvPr/>
+      </p:nvGrpSpPr>
+      <p:grpSpPr>
+        <a:xfrm>
+          <a:off x="0" y="0"/>
+          <a:ext cx="0" cy="0"/>
+          <a:chOff x="0" y="0"/>
+          <a:chExt cx="0" cy="0"/>
+        </a:xfrm>
+      </p:grpSpPr>
+      <p:sp>
+        <p:nvSpPr>
+          <p:cNvPr id="113" name="CustomShape 1"/>
+          <p:cNvSpPr/>
+          <p:nvPr/>
+        </p:nvSpPr>
+        <p:spPr>
+          <a:xfrm>
+            <a:off x="611280" y="630000"/>
+            <a:ext cx="8423640" cy="1033920"/>
+          </a:xfrm>
+          <a:prstGeom prst="rect">
+            <a:avLst/>
+          </a:prstGeom>
+          <a:noFill/>
+          <a:ln>
+            <a:noFill/>
+          </a:ln>
+        </p:spPr>
+        <p:style>
+          <a:lnRef idx="0"/>
+          <a:fillRef idx="0"/>
+          <a:effectRef idx="0"/>
+          <a:fontRef idx="minor"/>
+        </p:style>
+        <p:txBody>
+          <a:bodyPr lIns="90000" rIns="90000" tIns="46800" bIns="46800" anchor="ctr"/>
+          <a:p>
+            <a:r>
+              <a:rPr b="1" lang="en-US" sz="3600" strike="noStrike">
+                <a:solidFill>
+                  <a:srgbClr val="dddddd"/>
+                </a:solidFill>
+                <a:latin typeface="Trebuchet MS"/>
+                <a:ea typeface="DejaVu Sans"/>
+              </a:rPr>
+              <a:t>Analiza złożoności</a:t>
+            </a:r>
+            <a:endParaRPr/>
+          </a:p>
+        </p:txBody>
+      </p:sp>
+      <p:sp>
+        <p:nvSpPr>
+          <p:cNvPr id="114" name="CustomShape 2"/>
+          <p:cNvSpPr/>
+          <p:nvPr/>
+        </p:nvSpPr>
+        <p:spPr>
+          <a:xfrm>
+            <a:off x="611280" y="1881360"/>
+            <a:ext cx="8423640" cy="4859640"/>
+          </a:xfrm>
+          <a:prstGeom prst="rect">
+            <a:avLst/>
+          </a:prstGeom>
+          <a:noFill/>
+          <a:ln>
+            <a:noFill/>
+          </a:ln>
+        </p:spPr>
+        <p:style>
+          <a:lnRef idx="0"/>
+          <a:fillRef idx="0"/>
+          <a:effectRef idx="0"/>
+          <a:fontRef idx="minor"/>
+        </p:style>
+        <p:txBody>
+          <a:bodyPr lIns="90000" rIns="90000" tIns="46800" bIns="46800"/>
+          <a:p>
+            <a:pPr>
+              <a:lnSpc>
+                <a:spcPct val="100000"/>
+              </a:lnSpc>
+              <a:buFont typeface="Trebuchet MS"/>
+              <a:buChar char="•"/>
+            </a:pPr>
+            <a:r>
+              <a:rPr lang="en-US" sz="3200" strike="noStrike">
+                <a:solidFill>
+                  <a:srgbClr val="000000"/>
+                </a:solidFill>
+                <a:latin typeface="Arial"/>
+                <a:ea typeface="DejaVu Sans"/>
+              </a:rPr>
+              <a:t>CSP, których domeny zmiennych zależnych od siebie są niebinarne ( zbiory wartości większe niż 2 ), należą do zbioru problemów NP-trudnych. </a:t>
+            </a:r>
+            <a:endParaRPr/>
+          </a:p>
+          <a:p>
+            <a:pPr>
+              <a:lnSpc>
+                <a:spcPct val="100000"/>
+              </a:lnSpc>
+              <a:buFont typeface="Trebuchet MS"/>
+              <a:buChar char="•"/>
+            </a:pPr>
+            <a:endParaRPr/>
+          </a:p>
+          <a:p>
+            <a:pPr>
+              <a:lnSpc>
+                <a:spcPct val="100000"/>
+              </a:lnSpc>
+              <a:buFont typeface="Trebuchet MS"/>
+              <a:buChar char="•"/>
+            </a:pPr>
+            <a:r>
+              <a:rPr lang="en-US" sz="3200" strike="noStrike">
+                <a:solidFill>
+                  <a:srgbClr val="000000"/>
+                </a:solidFill>
+                <a:latin typeface="Trebuchet MS"/>
+                <a:ea typeface="DejaVu Sans"/>
+              </a:rPr>
+              <a:t>Ponieważ problem rozwiązywania Kakuro jest analogiczny do CSP, jest on także NP-trudny.</a:t>
+            </a:r>
+            <a:endParaRPr/>
+          </a:p>
+        </p:txBody>
+      </p:sp>
+    </p:spTree>
+  </p:cSld>
+  <p:transition>
+    <p:randomBar dir="horz"/>
+  </p:transition>
+  <p:timing>
+    <p:tnLst>
+      <p:par>
+        <p:cTn id="29" dur="indefinite" restart="never" nodeType="tmRoot">
+          <p:childTnLst>
+            <p:seq>
+              <p:cTn id="30" nodeType="mainSeq"/>
+              <p:prevCondLst>
+                <p:cond delay="0" evt="onPrev">
+                  <p:tgtEl>
+                    <p:sldTgt/>
+                  </p:tgtEl>
+                </p:cond>
+              </p:prevCondLst>
+              <p:nextCondLst>
+                <p:cond delay="0" evt="onNext">
+                  <p:tgtEl>
+                    <p:sldTgt/>
+                  </p:tgtEl>
+                </p:cond>
+              </p:nextCondLst>
+            </p:seq>
+          </p:childTnLst>
+        </p:cTn>
+      </p:par>
+    </p:tnLst>
+  </p:timing>
+</p:sld>
+</file>
+
+<file path=ppt/slides/slide16.xml><?xml version="1.0" encoding="utf-8"?>
+<p:sld xmlns:a="http://schemas.openxmlformats.org/drawingml/2006/main" xmlns:p="http://schemas.openxmlformats.org/presentationml/2006/main" xmlns:r="http://schemas.openxmlformats.org/officeDocument/2006/relationships">
+  <p:cSld>
+    <p:spTree>
+      <p:nvGrpSpPr>
+        <p:cNvPr id="1" name=""/>
+        <p:cNvGrpSpPr/>
+        <p:nvPr/>
+      </p:nvGrpSpPr>
+      <p:grpSpPr>
+        <a:xfrm>
+          <a:off x="0" y="0"/>
+          <a:ext cx="0" cy="0"/>
+          <a:chOff x="0" y="0"/>
+          <a:chExt cx="0" cy="0"/>
+        </a:xfrm>
+      </p:grpSpPr>
+      <p:sp>
+        <p:nvSpPr>
+          <p:cNvPr id="115" name="CustomShape 1"/>
+          <p:cNvSpPr/>
+          <p:nvPr/>
+        </p:nvSpPr>
+        <p:spPr>
+          <a:xfrm>
+            <a:off x="611280" y="630000"/>
+            <a:ext cx="8423640" cy="1033920"/>
+          </a:xfrm>
+          <a:prstGeom prst="rect">
+            <a:avLst/>
+          </a:prstGeom>
+          <a:noFill/>
+          <a:ln>
+            <a:noFill/>
+          </a:ln>
+        </p:spPr>
+        <p:style>
+          <a:lnRef idx="0"/>
+          <a:fillRef idx="0"/>
+          <a:effectRef idx="0"/>
+          <a:fontRef idx="minor"/>
+        </p:style>
+        <p:txBody>
+          <a:bodyPr lIns="90000" rIns="90000" tIns="46800" bIns="46800" anchor="ctr"/>
+          <a:p>
+            <a:r>
+              <a:rPr b="1" lang="en-US" sz="3600" strike="noStrike">
+                <a:solidFill>
+                  <a:srgbClr val="dddddd"/>
+                </a:solidFill>
+                <a:latin typeface="Trebuchet MS"/>
+                <a:ea typeface="DejaVu Sans"/>
+              </a:rPr>
+              <a:t>Reprezentacja problemu</a:t>
+            </a:r>
+            <a:endParaRPr/>
+          </a:p>
+        </p:txBody>
+      </p:sp>
+      <p:sp>
+        <p:nvSpPr>
+          <p:cNvPr id="116" name="CustomShape 2"/>
+          <p:cNvSpPr/>
+          <p:nvPr/>
+        </p:nvSpPr>
+        <p:spPr>
+          <a:xfrm>
+            <a:off x="611280" y="1881360"/>
+            <a:ext cx="8423640" cy="4859640"/>
+          </a:xfrm>
+          <a:prstGeom prst="rect">
+            <a:avLst/>
+          </a:prstGeom>
+          <a:noFill/>
+          <a:ln>
+            <a:noFill/>
+          </a:ln>
+        </p:spPr>
+        <p:style>
+          <a:lnRef idx="0"/>
+          <a:fillRef idx="0"/>
+          <a:effectRef idx="0"/>
+          <a:fontRef idx="minor"/>
+        </p:style>
+        <p:txBody>
+          <a:bodyPr lIns="90000" rIns="90000" tIns="46800" bIns="46800"/>
+          <a:p>
+            <a:pPr>
+              <a:lnSpc>
+                <a:spcPct val="100000"/>
+              </a:lnSpc>
+              <a:buFont typeface="Trebuchet MS"/>
+              <a:buChar char="•"/>
+            </a:pPr>
+            <a:r>
+              <a:rPr lang="en-US" sz="3200" strike="noStrike">
+                <a:solidFill>
+                  <a:srgbClr val="000000"/>
+                </a:solidFill>
+                <a:latin typeface="Arial"/>
+                <a:ea typeface="DejaVu Sans"/>
+              </a:rPr>
+              <a:t>Możliwych jest kilka reprezentacji instancji problemu:</a:t>
+            </a:r>
+            <a:endParaRPr/>
+          </a:p>
+          <a:p>
+            <a:pPr>
+              <a:lnSpc>
+                <a:spcPct val="100000"/>
+              </a:lnSpc>
+              <a:buFont typeface="Trebuchet MS"/>
+              <a:buChar char="•"/>
+            </a:pPr>
+            <a:r>
+              <a:rPr lang="en-US" sz="2600" strike="noStrike">
+                <a:solidFill>
+                  <a:srgbClr val="000000"/>
+                </a:solidFill>
+                <a:latin typeface="Trebuchet MS"/>
+                <a:ea typeface="DejaVu Sans"/>
+              </a:rPr>
+              <a:t>Dwuwymiarowa tablica obiektów zawierających referencje do wymaganych sum</a:t>
+            </a:r>
+            <a:endParaRPr/>
+          </a:p>
+          <a:p>
+            <a:pPr>
+              <a:lnSpc>
+                <a:spcPct val="100000"/>
+              </a:lnSpc>
+              <a:buFont typeface="Trebuchet MS"/>
+              <a:buChar char="•"/>
+            </a:pPr>
+            <a:r>
+              <a:rPr lang="en-US" sz="2600" strike="noStrike">
+                <a:solidFill>
+                  <a:srgbClr val="000000"/>
+                </a:solidFill>
+                <a:latin typeface="Trebuchet MS"/>
+                <a:ea typeface="DejaVu Sans"/>
+              </a:rPr>
+              <a:t>Krotka (eng. Tuple ) danych reprezentująca instancję:</a:t>
+            </a:r>
+            <a:endParaRPr/>
+          </a:p>
+          <a:p>
+            <a:pPr lvl="3">
+              <a:lnSpc>
+                <a:spcPct val="100000"/>
+              </a:lnSpc>
+              <a:buSzPct val="45000"/>
+              <a:buFont typeface="StarSymbol"/>
+              <a:buChar char=""/>
+            </a:pPr>
+            <a:r>
+              <a:rPr i="1" lang="en-US" sz="3200" strike="noStrike">
+                <a:solidFill>
+                  <a:srgbClr val="000000"/>
+                </a:solidFill>
+                <a:latin typeface="Trebuchet MS"/>
+                <a:ea typeface="DejaVu Sans"/>
+              </a:rPr>
+              <a:t>&lt;G, H&gt; , gdzie H = &lt;SUM, VAR_REF&gt;</a:t>
+            </a:r>
+            <a:endParaRPr/>
+          </a:p>
+          <a:p>
+            <a:pPr lvl="5">
+              <a:lnSpc>
+                <a:spcPct val="100000"/>
+              </a:lnSpc>
+              <a:buSzPct val="45000"/>
+              <a:buFont typeface="StarSymbol"/>
+              <a:buChar char=""/>
+            </a:pPr>
+            <a:r>
+              <a:rPr i="1" lang="en-US" sz="2600" strike="noStrike">
+                <a:solidFill>
+                  <a:srgbClr val="000000"/>
+                </a:solidFill>
+                <a:latin typeface="Trebuchet MS"/>
+                <a:ea typeface="DejaVu Sans"/>
+              </a:rPr>
+              <a:t>SUM – wymagana suma wartości</a:t>
+            </a:r>
+            <a:endParaRPr/>
+          </a:p>
+          <a:p>
+            <a:pPr lvl="5">
+              <a:lnSpc>
+                <a:spcPct val="100000"/>
+              </a:lnSpc>
+              <a:buSzPct val="45000"/>
+              <a:buFont typeface="StarSymbol"/>
+              <a:buChar char=""/>
+            </a:pPr>
+            <a:r>
+              <a:rPr i="1" lang="en-US" sz="2600" strike="noStrike">
+                <a:solidFill>
+                  <a:srgbClr val="000000"/>
+                </a:solidFill>
+                <a:latin typeface="Trebuchet MS"/>
+                <a:ea typeface="DejaVu Sans"/>
+              </a:rPr>
+              <a:t>VAR_REF – obiekt komórki z wartością</a:t>
+            </a:r>
+            <a:endParaRPr/>
+          </a:p>
+        </p:txBody>
+      </p:sp>
+    </p:spTree>
+  </p:cSld>
+  <p:transition>
+    <p:randomBar dir="horz"/>
+  </p:transition>
+  <p:timing>
+    <p:tnLst>
+      <p:par>
+        <p:cTn id="31" dur="indefinite" restart="never" nodeType="tmRoot">
+          <p:childTnLst>
+            <p:seq>
+              <p:cTn id="32" nodeType="mainSeq"/>
+              <p:prevCondLst>
+                <p:cond delay="0" evt="onPrev">
+                  <p:tgtEl>
+                    <p:sldTgt/>
+                  </p:tgtEl>
+                </p:cond>
+              </p:prevCondLst>
+              <p:nextCondLst>
+                <p:cond delay="0" evt="onNext">
+                  <p:tgtEl>
+                    <p:sldTgt/>
+                  </p:tgtEl>
+                </p:cond>
+              </p:nextCondLst>
+            </p:seq>
+          </p:childTnLst>
+        </p:cTn>
+      </p:par>
+    </p:tnLst>
+  </p:timing>
+</p:sld>
+</file>
+
+<file path=ppt/slides/slide17.xml><?xml version="1.0" encoding="utf-8"?>
+<p:sld xmlns:a="http://schemas.openxmlformats.org/drawingml/2006/main" xmlns:p="http://schemas.openxmlformats.org/presentationml/2006/main" xmlns:r="http://schemas.openxmlformats.org/officeDocument/2006/relationships">
+  <p:cSld>
+    <p:spTree>
+      <p:nvGrpSpPr>
+        <p:cNvPr id="1" name=""/>
+        <p:cNvGrpSpPr/>
+        <p:nvPr/>
+      </p:nvGrpSpPr>
+      <p:grpSpPr>
+        <a:xfrm>
+          <a:off x="0" y="0"/>
+          <a:ext cx="0" cy="0"/>
+          <a:chOff x="0" y="0"/>
+          <a:chExt cx="0" cy="0"/>
+        </a:xfrm>
+      </p:grpSpPr>
+      <p:sp>
+        <p:nvSpPr>
+          <p:cNvPr id="117" name="CustomShape 1"/>
+          <p:cNvSpPr/>
+          <p:nvPr/>
+        </p:nvSpPr>
+        <p:spPr>
+          <a:xfrm>
+            <a:off x="611280" y="630000"/>
+            <a:ext cx="8423640" cy="1033920"/>
+          </a:xfrm>
+          <a:prstGeom prst="rect">
+            <a:avLst/>
+          </a:prstGeom>
+          <a:noFill/>
+          <a:ln>
+            <a:noFill/>
+          </a:ln>
+        </p:spPr>
+        <p:style>
+          <a:lnRef idx="0"/>
+          <a:fillRef idx="0"/>
+          <a:effectRef idx="0"/>
+          <a:fontRef idx="minor"/>
+        </p:style>
+        <p:txBody>
+          <a:bodyPr lIns="90000" rIns="90000" tIns="46800" bIns="46800" anchor="ctr"/>
+          <a:p>
+            <a:r>
+              <a:rPr b="1" lang="en-US" sz="3600" strike="noStrike">
+                <a:solidFill>
+                  <a:srgbClr val="dddddd"/>
+                </a:solidFill>
+                <a:latin typeface="Trebuchet MS"/>
+                <a:ea typeface="DejaVu Sans"/>
+              </a:rPr>
+              <a:t>Rozwiązywanie manualne</a:t>
+            </a:r>
+            <a:endParaRPr/>
+          </a:p>
+        </p:txBody>
+      </p:sp>
+      <p:sp>
+        <p:nvSpPr>
+          <p:cNvPr id="118" name="CustomShape 2"/>
+          <p:cNvSpPr/>
+          <p:nvPr/>
+        </p:nvSpPr>
+        <p:spPr>
+          <a:xfrm>
+            <a:off x="611280" y="1881360"/>
+            <a:ext cx="8423640" cy="4859640"/>
+          </a:xfrm>
+          <a:prstGeom prst="rect">
+            <a:avLst/>
+          </a:prstGeom>
+          <a:noFill/>
+          <a:ln>
+            <a:noFill/>
+          </a:ln>
+        </p:spPr>
+        <p:style>
+          <a:lnRef idx="0"/>
+          <a:fillRef idx="0"/>
+          <a:effectRef idx="0"/>
+          <a:fontRef idx="minor"/>
+        </p:style>
+        <p:txBody>
+          <a:bodyPr lIns="90000" rIns="90000" tIns="46800" bIns="46800"/>
+          <a:p>
+            <a:pPr>
+              <a:lnSpc>
+                <a:spcPct val="100000"/>
+              </a:lnSpc>
+            </a:pPr>
+            <a:r>
+              <a:rPr i="1" lang="en-US" sz="2600" strike="noStrike">
+                <a:solidFill>
+                  <a:srgbClr val="000000"/>
+                </a:solidFill>
+                <a:latin typeface="Arial"/>
+                <a:ea typeface="DejaVu Sans"/>
+              </a:rPr>
+              <a:t>Strategie:</a:t>
+            </a:r>
+            <a:endParaRPr/>
+          </a:p>
+          <a:p>
+            <a:pPr lvl="1">
+              <a:lnSpc>
+                <a:spcPct val="100000"/>
+              </a:lnSpc>
+              <a:buSzPct val="45000"/>
+              <a:buFont typeface="StarSymbol"/>
+              <a:buChar char=""/>
+            </a:pPr>
+            <a:r>
+              <a:rPr lang="en-US" sz="2400" strike="noStrike">
+                <a:solidFill>
+                  <a:srgbClr val="000000"/>
+                </a:solidFill>
+                <a:latin typeface="Trebuchet MS"/>
+                <a:ea typeface="DejaVu Sans"/>
+              </a:rPr>
+              <a:t>Przewidywanie złożonych zależności ( sawanci )</a:t>
+            </a:r>
+            <a:endParaRPr/>
+          </a:p>
+          <a:p>
+            <a:pPr lvl="1">
+              <a:lnSpc>
+                <a:spcPct val="100000"/>
+              </a:lnSpc>
+              <a:buSzPct val="45000"/>
+              <a:buFont typeface="StarSymbol"/>
+              <a:buChar char=""/>
+            </a:pPr>
+            <a:r>
+              <a:rPr lang="en-US" sz="2400" strike="noStrike">
+                <a:solidFill>
+                  <a:srgbClr val="000000"/>
+                </a:solidFill>
+                <a:latin typeface="Trebuchet MS"/>
+                <a:ea typeface="DejaVu Sans"/>
+              </a:rPr>
+              <a:t>Kombinowanie, rozkładanie (ludzie przeciętni)</a:t>
+            </a:r>
+            <a:endParaRPr/>
+          </a:p>
+          <a:p>
+            <a:pPr>
+              <a:lnSpc>
+                <a:spcPct val="100000"/>
+              </a:lnSpc>
+            </a:pPr>
+            <a:endParaRPr/>
+          </a:p>
+          <a:p>
+            <a:pPr>
+              <a:lnSpc>
+                <a:spcPct val="100000"/>
+              </a:lnSpc>
+            </a:pPr>
+            <a:r>
+              <a:rPr lang="en-US" sz="2400" strike="noStrike">
+                <a:solidFill>
+                  <a:srgbClr val="000000"/>
+                </a:solidFill>
+                <a:latin typeface="Trebuchet MS"/>
+                <a:ea typeface="DejaVu Sans"/>
+              </a:rPr>
+              <a:t>Intuicyjne rozkładanie problemu na czynniki pierwsze:</a:t>
+            </a:r>
+            <a:endParaRPr/>
+          </a:p>
+          <a:p>
+            <a:pPr lvl="1">
+              <a:lnSpc>
+                <a:spcPct val="100000"/>
+              </a:lnSpc>
+              <a:buSzPct val="45000"/>
+              <a:buFont typeface="StarSymbol"/>
+              <a:buChar char=""/>
+            </a:pPr>
+            <a:r>
+              <a:rPr lang="en-US" sz="2400" strike="noStrike">
+                <a:solidFill>
+                  <a:srgbClr val="000000"/>
+                </a:solidFill>
+                <a:latin typeface="Trebuchet MS"/>
+                <a:ea typeface="DejaVu Sans"/>
+              </a:rPr>
+              <a:t>rozkładanie sum na tyle czynników ile jest komórek</a:t>
+            </a:r>
+            <a:endParaRPr/>
+          </a:p>
+          <a:p>
+            <a:pPr lvl="1">
+              <a:lnSpc>
+                <a:spcPct val="100000"/>
+              </a:lnSpc>
+              <a:buSzPct val="45000"/>
+              <a:buFont typeface="StarSymbol"/>
+              <a:buChar char=""/>
+            </a:pPr>
+            <a:r>
+              <a:rPr lang="en-US" sz="2400" strike="noStrike">
+                <a:solidFill>
+                  <a:srgbClr val="000000"/>
+                </a:solidFill>
+                <a:latin typeface="Trebuchet MS"/>
+                <a:ea typeface="DejaVu Sans"/>
+              </a:rPr>
+              <a:t>przeszukiwanie powstałych zbiorów w poszukiwaniu części wspólnych </a:t>
+            </a:r>
+            <a:endParaRPr/>
+          </a:p>
+          <a:p>
+            <a:pPr lvl="1">
+              <a:lnSpc>
+                <a:spcPct val="100000"/>
+              </a:lnSpc>
+              <a:buSzPct val="45000"/>
+              <a:buFont typeface="StarSymbol"/>
+              <a:buChar char=""/>
+            </a:pPr>
+            <a:r>
+              <a:rPr lang="en-US" sz="2400" strike="noStrike">
+                <a:solidFill>
+                  <a:srgbClr val="000000"/>
+                </a:solidFill>
+                <a:latin typeface="Trebuchet MS"/>
+                <a:ea typeface="DejaVu Sans"/>
+              </a:rPr>
+              <a:t>Dziel i zwyciężaj – znajdowanie bloków (programowanie dynamiczne, “montecarlowość”)</a:t>
+            </a:r>
+            <a:endParaRPr/>
+          </a:p>
+          <a:p>
+            <a:pPr lvl="1">
+              <a:lnSpc>
+                <a:spcPct val="100000"/>
+              </a:lnSpc>
+              <a:buSzPct val="45000"/>
+              <a:buFont typeface="StarSymbol"/>
+              <a:buChar char=""/>
+            </a:pPr>
+            <a:endParaRPr/>
+          </a:p>
+        </p:txBody>
+      </p:sp>
+    </p:spTree>
+  </p:cSld>
+  <p:transition>
+    <p:randomBar dir="horz"/>
+  </p:transition>
+  <p:timing>
+    <p:tnLst>
+      <p:par>
+        <p:cTn id="33" dur="indefinite" restart="never" nodeType="tmRoot">
+          <p:childTnLst>
+            <p:seq>
+              <p:cTn id="34" nodeType="mainSeq"/>
+              <p:prevCondLst>
+                <p:cond delay="0" evt="onPrev">
+                  <p:tgtEl>
+                    <p:sldTgt/>
+                  </p:tgtEl>
+                </p:cond>
+              </p:prevCondLst>
+              <p:nextCondLst>
+                <p:cond delay="0" evt="onNext">
+                  <p:tgtEl>
+                    <p:sldTgt/>
+                  </p:tgtEl>
+                </p:cond>
+              </p:nextCondLst>
+            </p:seq>
+          </p:childTnLst>
+        </p:cTn>
+      </p:par>
+    </p:tnLst>
+  </p:timing>
+</p:sld>
+</file>
+
+<file path=ppt/slides/slide18.xml><?xml version="1.0" encoding="utf-8"?>
+<p:sld xmlns:a="http://schemas.openxmlformats.org/drawingml/2006/main" xmlns:p="http://schemas.openxmlformats.org/presentationml/2006/main" xmlns:r="http://schemas.openxmlformats.org/officeDocument/2006/relationships">
+  <p:cSld>
+    <p:spTree>
+      <p:nvGrpSpPr>
+        <p:cNvPr id="1" name=""/>
+        <p:cNvGrpSpPr/>
+        <p:nvPr/>
+      </p:nvGrpSpPr>
+      <p:grpSpPr>
+        <a:xfrm>
+          <a:off x="0" y="0"/>
+          <a:ext cx="0" cy="0"/>
+          <a:chOff x="0" y="0"/>
+          <a:chExt cx="0" cy="0"/>
+        </a:xfrm>
+      </p:grpSpPr>
+      <p:sp>
+        <p:nvSpPr>
+          <p:cNvPr id="119" name="CustomShape 1"/>
+          <p:cNvSpPr/>
+          <p:nvPr/>
+        </p:nvSpPr>
+        <p:spPr>
+          <a:xfrm>
+            <a:off x="611280" y="630000"/>
+            <a:ext cx="8423640" cy="1033920"/>
+          </a:xfrm>
+          <a:prstGeom prst="rect">
+            <a:avLst/>
+          </a:prstGeom>
+          <a:noFill/>
+          <a:ln>
+            <a:noFill/>
+          </a:ln>
+        </p:spPr>
+        <p:style>
+          <a:lnRef idx="0"/>
+          <a:fillRef idx="0"/>
+          <a:effectRef idx="0"/>
+          <a:fontRef idx="minor"/>
+        </p:style>
+        <p:txBody>
+          <a:bodyPr lIns="90000" rIns="90000" tIns="46800" bIns="46800" anchor="ctr"/>
+          <a:p>
+            <a:r>
+              <a:rPr b="1" lang="en-US" sz="3600" strike="noStrike">
+                <a:solidFill>
+                  <a:srgbClr val="dddddd"/>
+                </a:solidFill>
+                <a:latin typeface="Trebuchet MS"/>
+                <a:ea typeface="DejaVu Sans"/>
+              </a:rPr>
+              <a:t>Rozwiązywanie zautomatyzowane</a:t>
+            </a:r>
+            <a:endParaRPr/>
+          </a:p>
+        </p:txBody>
+      </p:sp>
+      <p:sp>
+        <p:nvSpPr>
+          <p:cNvPr id="120" name="CustomShape 2"/>
+          <p:cNvSpPr/>
+          <p:nvPr/>
+        </p:nvSpPr>
+        <p:spPr>
+          <a:xfrm>
+            <a:off x="611280" y="1881360"/>
+            <a:ext cx="8423640" cy="4859640"/>
+          </a:xfrm>
+          <a:prstGeom prst="rect">
+            <a:avLst/>
+          </a:prstGeom>
+          <a:noFill/>
+          <a:ln>
+            <a:noFill/>
+          </a:ln>
+        </p:spPr>
+        <p:style>
+          <a:lnRef idx="0"/>
+          <a:fillRef idx="0"/>
+          <a:effectRef idx="0"/>
+          <a:fontRef idx="minor"/>
+        </p:style>
+        <p:txBody>
+          <a:bodyPr lIns="90000" rIns="90000" tIns="46800" bIns="46800"/>
+          <a:p>
+            <a:pPr>
+              <a:lnSpc>
+                <a:spcPct val="100000"/>
+              </a:lnSpc>
+            </a:pPr>
+            <a:endParaRPr/>
+          </a:p>
+          <a:p>
+            <a:pPr>
+              <a:lnSpc>
+                <a:spcPct val="100000"/>
+              </a:lnSpc>
+            </a:pPr>
+            <a:r>
+              <a:rPr lang="en-US" sz="2200" strike="noStrike">
+                <a:solidFill>
+                  <a:srgbClr val="000000"/>
+                </a:solidFill>
+                <a:latin typeface="Arial"/>
+                <a:ea typeface="DejaVu Sans"/>
+              </a:rPr>
+              <a:t>Automatyczne rozwiązanie tego poblemu polegać będzie na zbudowaniu grafu zależności zmiennych i trasowaniu (przeszukiwaniu) go z równoległym sprawdzaniem czy reguły są spełnione aż do momentu wyznaczenia rozwiązania lub upłynięcia czasu określonego jako maksymalny.</a:t>
+            </a:r>
+            <a:endParaRPr/>
+          </a:p>
+          <a:p>
+            <a:pPr>
+              <a:lnSpc>
+                <a:spcPct val="100000"/>
+              </a:lnSpc>
+            </a:pPr>
+            <a:endParaRPr/>
+          </a:p>
+          <a:p>
+            <a:pPr>
+              <a:lnSpc>
+                <a:spcPct val="100000"/>
+              </a:lnSpc>
+            </a:pPr>
+            <a:r>
+              <a:rPr lang="en-US" sz="2200" strike="noStrike">
+                <a:solidFill>
+                  <a:srgbClr val="000000"/>
+                </a:solidFill>
+                <a:latin typeface="Trebuchet MS"/>
+                <a:ea typeface="DejaVu Sans"/>
+              </a:rPr>
+              <a:t>Nie jest jednak tak źle jak może to wyglądać, z racji na to, że każda zmienna posiada jakąś domenę, która jest zawężana przez reguły dotyczące jej otoczenia można spróbować specjalnego trasowania grafów takiego jak: Forward Checking, Iterative Sampling, Meta Monte-Carlo search, Nested Monte-Carlo search, DFS.</a:t>
+            </a:r>
+            <a:endParaRPr/>
+          </a:p>
+          <a:p>
+            <a:pPr>
+              <a:lnSpc>
+                <a:spcPct val="100000"/>
+              </a:lnSpc>
+            </a:pPr>
+            <a:endParaRPr/>
+          </a:p>
+          <a:p>
+            <a:pPr lvl="1">
+              <a:lnSpc>
+                <a:spcPct val="100000"/>
+              </a:lnSpc>
+              <a:buSzPct val="45000"/>
+              <a:buFont typeface="StarSymbol"/>
+              <a:buChar char=""/>
+            </a:pPr>
+            <a:endParaRPr/>
+          </a:p>
+        </p:txBody>
+      </p:sp>
+    </p:spTree>
+  </p:cSld>
+  <p:transition>
+    <p:randomBar dir="horz"/>
+  </p:transition>
+  <p:timing>
+    <p:tnLst>
+      <p:par>
+        <p:cTn id="35" dur="indefinite" restart="never" nodeType="tmRoot">
+          <p:childTnLst>
+            <p:seq>
+              <p:cTn id="36" nodeType="mainSeq"/>
+              <p:prevCondLst>
+                <p:cond delay="0" evt="onPrev">
+                  <p:tgtEl>
+                    <p:sldTgt/>
+                  </p:tgtEl>
+                </p:cond>
+              </p:prevCondLst>
+              <p:nextCondLst>
+                <p:cond delay="0" evt="onNext">
+                  <p:tgtEl>
+                    <p:sldTgt/>
+                  </p:tgtEl>
+                </p:cond>
+              </p:nextCondLst>
+            </p:seq>
+          </p:childTnLst>
+        </p:cTn>
+      </p:par>
+    </p:tnLst>
+  </p:timing>
+</p:sld>
+</file>
+
+<file path=ppt/slides/slide19.xml><?xml version="1.0" encoding="utf-8"?>
+<p:sld xmlns:a="http://schemas.openxmlformats.org/drawingml/2006/main" xmlns:p="http://schemas.openxmlformats.org/presentationml/2006/main" xmlns:r="http://schemas.openxmlformats.org/officeDocument/2006/relationships">
+  <p:cSld>
+    <p:spTree>
+      <p:nvGrpSpPr>
+        <p:cNvPr id="1" name=""/>
+        <p:cNvGrpSpPr/>
+        <p:nvPr/>
+      </p:nvGrpSpPr>
+      <p:grpSpPr>
+        <a:xfrm>
+          <a:off x="0" y="0"/>
+          <a:ext cx="0" cy="0"/>
+          <a:chOff x="0" y="0"/>
+          <a:chExt cx="0" cy="0"/>
+        </a:xfrm>
+      </p:grpSpPr>
+      <p:sp>
+        <p:nvSpPr>
+          <p:cNvPr id="121" name="CustomShape 1"/>
+          <p:cNvSpPr/>
+          <p:nvPr/>
+        </p:nvSpPr>
+        <p:spPr>
+          <a:xfrm>
+            <a:off x="611280" y="630000"/>
+            <a:ext cx="8423640" cy="1033920"/>
+          </a:xfrm>
+          <a:prstGeom prst="rect">
+            <a:avLst/>
+          </a:prstGeom>
+          <a:noFill/>
+          <a:ln>
+            <a:noFill/>
+          </a:ln>
+        </p:spPr>
+        <p:style>
+          <a:lnRef idx="0"/>
+          <a:fillRef idx="0"/>
+          <a:effectRef idx="0"/>
+          <a:fontRef idx="minor"/>
+        </p:style>
+        <p:txBody>
+          <a:bodyPr lIns="90000" rIns="90000" tIns="46800" bIns="46800" anchor="ctr"/>
+          <a:p>
+            <a:r>
+              <a:rPr b="1" lang="en-US" sz="3600" strike="noStrike">
+                <a:solidFill>
+                  <a:srgbClr val="dddddd"/>
+                </a:solidFill>
+                <a:latin typeface="Trebuchet MS"/>
+                <a:ea typeface="DejaVu Sans"/>
+              </a:rPr>
+              <a:t>Rozwiązywanie zautomatyzowane</a:t>
+            </a:r>
+            <a:endParaRPr/>
+          </a:p>
+        </p:txBody>
+      </p:sp>
+      <p:sp>
+        <p:nvSpPr>
+          <p:cNvPr id="122" name="CustomShape 2"/>
+          <p:cNvSpPr/>
+          <p:nvPr/>
+        </p:nvSpPr>
+        <p:spPr>
+          <a:xfrm>
+            <a:off x="611280" y="1881360"/>
+            <a:ext cx="8423640" cy="4859640"/>
+          </a:xfrm>
+          <a:prstGeom prst="rect">
+            <a:avLst/>
+          </a:prstGeom>
+          <a:noFill/>
+          <a:ln>
+            <a:noFill/>
+          </a:ln>
+        </p:spPr>
+        <p:style>
+          <a:lnRef idx="0"/>
+          <a:fillRef idx="0"/>
+          <a:effectRef idx="0"/>
+          <a:fontRef idx="minor"/>
+        </p:style>
+        <p:txBody>
+          <a:bodyPr lIns="90000" rIns="90000" tIns="46800" bIns="46800"/>
+          <a:p>
+            <a:pPr>
+              <a:lnSpc>
+                <a:spcPct val="100000"/>
+              </a:lnSpc>
+            </a:pPr>
+            <a:endParaRPr/>
+          </a:p>
+          <a:p>
+            <a:pPr>
+              <a:lnSpc>
+                <a:spcPct val="100000"/>
+              </a:lnSpc>
+            </a:pPr>
+            <a:r>
+              <a:rPr lang="en-US" sz="2200" strike="noStrike">
+                <a:solidFill>
+                  <a:srgbClr val="000000"/>
+                </a:solidFill>
+                <a:latin typeface="Arial"/>
+                <a:ea typeface="DejaVu Sans"/>
+              </a:rPr>
+              <a:t>Automatyczne rozwiązanie tego poblemu polegać będzie na zbudowaniu grafu zależności zmiennych i trasowaniu (przeszukiwaniu) go z równoległym sprawdzaniem czy reguły są spełnione aż do momentu wyznaczenia rozwiązania lub upłynięcia czasu określonego jako maksymalny.</a:t>
+            </a:r>
+            <a:endParaRPr/>
+          </a:p>
+          <a:p>
+            <a:pPr>
+              <a:lnSpc>
+                <a:spcPct val="100000"/>
+              </a:lnSpc>
+            </a:pPr>
+            <a:endParaRPr/>
+          </a:p>
+          <a:p>
+            <a:pPr>
+              <a:lnSpc>
+                <a:spcPct val="100000"/>
+              </a:lnSpc>
+            </a:pPr>
+            <a:r>
+              <a:rPr lang="en-US" sz="2200" strike="noStrike">
+                <a:solidFill>
+                  <a:srgbClr val="000000"/>
+                </a:solidFill>
+                <a:latin typeface="Trebuchet MS"/>
+                <a:ea typeface="DejaVu Sans"/>
+              </a:rPr>
+              <a:t>Nie jest jednak tak źle jak może to wyglądać, z racji na to, że każda zmienna posiada jakąś domenę, która jest zawężana przez reguły dotyczące jej otoczenia można spróbować specjalnego trasowania grafów takiego jak: Forward Checking, Iterative Sampling, Meta Monte-Carlo search, Nested Monte-Carlo search, DFS.</a:t>
+            </a:r>
+            <a:endParaRPr/>
+          </a:p>
+          <a:p>
+            <a:pPr>
+              <a:lnSpc>
+                <a:spcPct val="100000"/>
+              </a:lnSpc>
+            </a:pPr>
+            <a:endParaRPr/>
+          </a:p>
+          <a:p>
+            <a:pPr lvl="1">
+              <a:lnSpc>
+                <a:spcPct val="100000"/>
+              </a:lnSpc>
+              <a:buSzPct val="45000"/>
+              <a:buFont typeface="StarSymbol"/>
+              <a:buChar char=""/>
+            </a:pPr>
+            <a:endParaRPr/>
+          </a:p>
+        </p:txBody>
+      </p:sp>
+    </p:spTree>
+  </p:cSld>
+  <p:transition>
+    <p:randomBar dir="horz"/>
+  </p:transition>
+  <p:timing>
+    <p:tnLst>
+      <p:par>
+        <p:cTn id="37" dur="indefinite" restart="never" nodeType="tmRoot">
+          <p:childTnLst>
+            <p:seq>
+              <p:cTn id="38" nodeType="mainSeq"/>
               <p:prevCondLst>
                 <p:cond delay="0" evt="onPrev">
                   <p:tgtEl>
@@ -3035,14 +5498,14 @@
       </p:grpSpPr>
       <p:sp>
         <p:nvSpPr>
-          <p:cNvPr id="81" name="TextShape 1"/>
-          <p:cNvSpPr txBox="1"/>
+          <p:cNvPr id="80" name="CustomShape 1"/>
+          <p:cNvSpPr/>
           <p:nvPr/>
         </p:nvSpPr>
         <p:spPr>
           <a:xfrm>
             <a:off x="611280" y="630000"/>
-            <a:ext cx="8424720" cy="1035000"/>
+            <a:ext cx="8423640" cy="1033920"/>
           </a:xfrm>
           <a:prstGeom prst="rect">
             <a:avLst/>
@@ -3052,19 +5515,37 @@
             <a:noFill/>
           </a:ln>
         </p:spPr>
+        <p:style>
+          <a:lnRef idx="0"/>
+          <a:fillRef idx="0"/>
+          <a:effectRef idx="0"/>
+          <a:fontRef idx="minor"/>
+        </p:style>
         <p:txBody>
           <a:bodyPr lIns="90000" rIns="90000" tIns="46800" bIns="46800" anchor="ctr"/>
           <a:p>
-            <a:pPr/>
-            <a:r>
-              <a:rPr b="1" lang="en-US" sz="3600">
-                <a:latin typeface="Trebuchet MS"/>
+            <a:pPr>
+              <a:lnSpc>
+                <a:spcPct val="100000"/>
+              </a:lnSpc>
+            </a:pPr>
+            <a:r>
+              <a:rPr b="1" lang="en-US" sz="3600" strike="noStrike">
+                <a:solidFill>
+                  <a:srgbClr val="ffffff"/>
+                </a:solidFill>
+                <a:latin typeface="Trebuchet MS"/>
+                <a:ea typeface="DejaVu Sans"/>
               </a:rPr>
               <a:t>Plan prezentacji</a:t>
             </a:r>
             <a:r>
-              <a:rPr b="1" lang="en-US" sz="3600">
-                <a:latin typeface="Trebuchet MS"/>
+              <a:rPr b="1" lang="en-US" sz="3600" strike="noStrike">
+                <a:solidFill>
+                  <a:srgbClr val="000000"/>
+                </a:solidFill>
+                <a:latin typeface="Trebuchet MS"/>
+                <a:ea typeface="DejaVu Sans"/>
               </a:rPr>
               <a:t>	</a:t>
             </a:r>
@@ -3074,14 +5555,14 @@
       </p:sp>
       <p:sp>
         <p:nvSpPr>
-          <p:cNvPr id="82" name="TextShape 2"/>
-          <p:cNvSpPr txBox="1"/>
+          <p:cNvPr id="81" name="CustomShape 2"/>
+          <p:cNvSpPr/>
           <p:nvPr/>
         </p:nvSpPr>
         <p:spPr>
           <a:xfrm>
             <a:off x="611280" y="1881360"/>
-            <a:ext cx="8424720" cy="4860720"/>
+            <a:ext cx="8423640" cy="4859640"/>
           </a:xfrm>
           <a:prstGeom prst="rect">
             <a:avLst/>
@@ -3091,22 +5572,39 @@
             <a:noFill/>
           </a:ln>
         </p:spPr>
+        <p:style>
+          <a:lnRef idx="0"/>
+          <a:fillRef idx="0"/>
+          <a:effectRef idx="0"/>
+          <a:fontRef idx="minor"/>
+        </p:style>
         <p:txBody>
           <a:bodyPr lIns="90000" rIns="90000" tIns="46800" bIns="46800"/>
           <a:p>
             <a:pPr>
+              <a:lnSpc>
+                <a:spcPct val="100000"/>
+              </a:lnSpc>
               <a:buFont typeface="Liberation Serif"/>
               <a:buAutoNum type="arabicParenR"/>
             </a:pPr>
             <a:r>
-              <a:rPr lang="en-US" sz="2400">
-                <a:latin typeface="Trebuchet MS"/>
+              <a:rPr lang="en-US" sz="2400" strike="noStrike">
+                <a:solidFill>
+                  <a:srgbClr val="000000"/>
+                </a:solidFill>
+                <a:latin typeface="Trebuchet MS"/>
+                <a:ea typeface="DejaVu Sans"/>
               </a:rPr>
               <a:t> </a:t>
             </a:r>
             <a:r>
-              <a:rPr lang="en-US" sz="2400">
-                <a:latin typeface="Trebuchet MS"/>
+              <a:rPr lang="en-US" sz="2400" strike="noStrike">
+                <a:solidFill>
+                  <a:srgbClr val="000000"/>
+                </a:solidFill>
+                <a:latin typeface="Trebuchet MS"/>
+                <a:ea typeface="DejaVu Sans"/>
               </a:rPr>
               <a:t>Wprowadzenie</a:t>
             </a:r>
@@ -3114,18 +5612,29 @@
           </a:p>
           <a:p>
             <a:pPr>
+              <a:lnSpc>
+                <a:spcPct val="100000"/>
+              </a:lnSpc>
               <a:buFont typeface="Liberation Serif"/>
               <a:buAutoNum type="arabicParenR"/>
             </a:pPr>
             <a:r>
-              <a:rPr lang="en-US" sz="2400">
-                <a:latin typeface="Trebuchet MS"/>
+              <a:rPr lang="en-US" sz="2400" strike="noStrike">
+                <a:solidFill>
+                  <a:srgbClr val="000000"/>
+                </a:solidFill>
+                <a:latin typeface="Trebuchet MS"/>
+                <a:ea typeface="DejaVu Sans"/>
               </a:rPr>
               <a:t> </a:t>
             </a:r>
             <a:r>
-              <a:rPr lang="en-US" sz="2400">
-                <a:latin typeface="Trebuchet MS"/>
+              <a:rPr lang="en-US" sz="2400" strike="noStrike">
+                <a:solidFill>
+                  <a:srgbClr val="000000"/>
+                </a:solidFill>
+                <a:latin typeface="Trebuchet MS"/>
+                <a:ea typeface="DejaVu Sans"/>
               </a:rPr>
               <a:t>Omówienie tematu</a:t>
             </a:r>
@@ -3133,18 +5642,29 @@
           </a:p>
           <a:p>
             <a:pPr lvl="1">
+              <a:lnSpc>
+                <a:spcPct val="100000"/>
+              </a:lnSpc>
               <a:buFont typeface="Liberation Serif"/>
               <a:buAutoNum type="arabicParenR"/>
             </a:pPr>
             <a:r>
-              <a:rPr lang="en-US" sz="2400">
-                <a:latin typeface="Trebuchet MS"/>
+              <a:rPr lang="en-US" sz="2400" strike="noStrike">
+                <a:solidFill>
+                  <a:srgbClr val="000000"/>
+                </a:solidFill>
+                <a:latin typeface="Trebuchet MS"/>
+                <a:ea typeface="DejaVu Sans"/>
               </a:rPr>
               <a:t> </a:t>
             </a:r>
             <a:r>
-              <a:rPr lang="en-US" sz="2400">
-                <a:latin typeface="Trebuchet MS"/>
+              <a:rPr lang="en-US" sz="2400" strike="noStrike">
+                <a:solidFill>
+                  <a:srgbClr val="000000"/>
+                </a:solidFill>
+                <a:latin typeface="Trebuchet MS"/>
+                <a:ea typeface="DejaVu Sans"/>
               </a:rPr>
               <a:t>Opis problemu.</a:t>
             </a:r>
@@ -3152,18 +5672,29 @@
           </a:p>
           <a:p>
             <a:pPr lvl="1">
+              <a:lnSpc>
+                <a:spcPct val="100000"/>
+              </a:lnSpc>
               <a:buFont typeface="Liberation Serif"/>
               <a:buAutoNum type="arabicParenR"/>
             </a:pPr>
             <a:r>
-              <a:rPr lang="en-US" sz="2400">
-                <a:latin typeface="Trebuchet MS"/>
+              <a:rPr lang="en-US" sz="2400" strike="noStrike">
+                <a:solidFill>
+                  <a:srgbClr val="000000"/>
+                </a:solidFill>
+                <a:latin typeface="Trebuchet MS"/>
+                <a:ea typeface="DejaVu Sans"/>
               </a:rPr>
               <a:t> </a:t>
             </a:r>
             <a:r>
-              <a:rPr lang="en-US" sz="2400">
-                <a:latin typeface="Trebuchet MS"/>
+              <a:rPr lang="en-US" sz="2400" strike="noStrike">
+                <a:solidFill>
+                  <a:srgbClr val="000000"/>
+                </a:solidFill>
+                <a:latin typeface="Trebuchet MS"/>
+                <a:ea typeface="DejaVu Sans"/>
               </a:rPr>
               <a:t>Constraint Programming – jak to się ma do Kakuro?</a:t>
             </a:r>
@@ -3171,37 +5702,59 @@
           </a:p>
           <a:p>
             <a:pPr lvl="1">
+              <a:lnSpc>
+                <a:spcPct val="100000"/>
+              </a:lnSpc>
               <a:buFont typeface="Liberation Serif"/>
               <a:buAutoNum type="arabicParenR"/>
             </a:pPr>
             <a:r>
-              <a:rPr lang="en-US" sz="2400">
-                <a:latin typeface="Trebuchet MS"/>
+              <a:rPr lang="en-US" sz="2400" strike="noStrike">
+                <a:solidFill>
+                  <a:srgbClr val="000000"/>
+                </a:solidFill>
+                <a:latin typeface="Trebuchet MS"/>
+                <a:ea typeface="DejaVu Sans"/>
               </a:rPr>
               <a:t> </a:t>
             </a:r>
             <a:r>
-              <a:rPr lang="en-US" sz="2400">
-                <a:latin typeface="Trebuchet MS"/>
-              </a:rPr>
-              <a:t>Sposób Monte-Carlo a rozwiązywanie Kakuro. </a:t>
+              <a:rPr lang="en-US" sz="2400" strike="noStrike">
+                <a:solidFill>
+                  <a:srgbClr val="000000"/>
+                </a:solidFill>
+                <a:latin typeface="Trebuchet MS"/>
+                <a:ea typeface="DejaVu Sans"/>
+              </a:rPr>
+              <a:t>Co DFS ma wspólnego z Kakuro. </a:t>
             </a:r>
             <a:endParaRPr/>
           </a:p>
           <a:p>
             <a:pPr lvl="1">
+              <a:lnSpc>
+                <a:spcPct val="100000"/>
+              </a:lnSpc>
               <a:buFont typeface="Liberation Serif"/>
               <a:buAutoNum type="arabicParenR"/>
             </a:pPr>
             <a:r>
-              <a:rPr lang="en-US" sz="2400">
-                <a:latin typeface="Trebuchet MS"/>
+              <a:rPr lang="en-US" sz="2400" strike="noStrike">
+                <a:solidFill>
+                  <a:srgbClr val="000000"/>
+                </a:solidFill>
+                <a:latin typeface="Trebuchet MS"/>
+                <a:ea typeface="DejaVu Sans"/>
               </a:rPr>
               <a:t> </a:t>
             </a:r>
             <a:r>
-              <a:rPr lang="en-US" sz="2400">
-                <a:latin typeface="Trebuchet MS"/>
+              <a:rPr lang="en-US" sz="2400" strike="noStrike">
+                <a:solidFill>
+                  <a:srgbClr val="000000"/>
+                </a:solidFill>
+                <a:latin typeface="Trebuchet MS"/>
+                <a:ea typeface="DejaVu Sans"/>
               </a:rPr>
               <a:t>Inne sposoby.</a:t>
             </a:r>
@@ -3209,12 +5762,19 @@
           </a:p>
           <a:p>
             <a:pPr>
+              <a:lnSpc>
+                <a:spcPct val="100000"/>
+              </a:lnSpc>
               <a:buFont typeface="Liberation Serif"/>
               <a:buAutoNum type="arabicParenR"/>
             </a:pPr>
             <a:r>
-              <a:rPr lang="en-US" sz="2400">
-                <a:latin typeface="Trebuchet MS"/>
+              <a:rPr lang="en-US" sz="2400" strike="noStrike">
+                <a:solidFill>
+                  <a:srgbClr val="000000"/>
+                </a:solidFill>
+                <a:latin typeface="Trebuchet MS"/>
+                <a:ea typeface="DejaVu Sans"/>
               </a:rPr>
               <a:t>Zarys architektury</a:t>
             </a:r>
@@ -3222,12 +5782,19 @@
           </a:p>
           <a:p>
             <a:pPr>
+              <a:lnSpc>
+                <a:spcPct val="100000"/>
+              </a:lnSpc>
               <a:buFont typeface="Liberation Serif"/>
               <a:buAutoNum type="arabicParenR"/>
             </a:pPr>
             <a:r>
-              <a:rPr lang="en-US" sz="2400">
-                <a:latin typeface="Trebuchet MS"/>
+              <a:rPr lang="en-US" sz="2400" strike="noStrike">
+                <a:solidFill>
+                  <a:srgbClr val="000000"/>
+                </a:solidFill>
+                <a:latin typeface="Trebuchet MS"/>
+                <a:ea typeface="DejaVu Sans"/>
               </a:rPr>
               <a:t>Harmonogram</a:t>
             </a:r>
@@ -3235,12 +5802,19 @@
           </a:p>
           <a:p>
             <a:pPr>
+              <a:lnSpc>
+                <a:spcPct val="100000"/>
+              </a:lnSpc>
               <a:buFont typeface="Liberation Serif"/>
               <a:buAutoNum type="arabicParenR"/>
             </a:pPr>
             <a:r>
-              <a:rPr lang="en-US" sz="2400">
-                <a:latin typeface="Trebuchet MS"/>
+              <a:rPr lang="en-US" sz="2400" strike="noStrike">
+                <a:solidFill>
+                  <a:srgbClr val="000000"/>
+                </a:solidFill>
+                <a:latin typeface="Trebuchet MS"/>
+                <a:ea typeface="DejaVu Sans"/>
               </a:rPr>
               <a:t>Możliwości rozwoju</a:t>
             </a:r>
@@ -3248,12 +5822,19 @@
           </a:p>
           <a:p>
             <a:pPr>
+              <a:lnSpc>
+                <a:spcPct val="100000"/>
+              </a:lnSpc>
               <a:buFont typeface="Liberation Serif"/>
               <a:buAutoNum type="arabicParenR"/>
             </a:pPr>
             <a:r>
-              <a:rPr lang="en-US" sz="2400">
-                <a:latin typeface="Trebuchet MS"/>
+              <a:rPr lang="en-US" sz="2400" strike="noStrike">
+                <a:solidFill>
+                  <a:srgbClr val="000000"/>
+                </a:solidFill>
+                <a:latin typeface="Trebuchet MS"/>
+                <a:ea typeface="DejaVu Sans"/>
               </a:rPr>
               <a:t>Technologie</a:t>
             </a:r>
@@ -3261,29 +5842,45 @@
           </a:p>
           <a:p>
             <a:pPr>
+              <a:lnSpc>
+                <a:spcPct val="100000"/>
+              </a:lnSpc>
               <a:buFont typeface="Liberation Serif"/>
               <a:buAutoNum type="arabicParenR"/>
             </a:pPr>
             <a:r>
-              <a:rPr lang="en-US" sz="2400">
-                <a:latin typeface="Trebuchet MS"/>
+              <a:rPr lang="en-US" sz="2400" strike="noStrike">
+                <a:solidFill>
+                  <a:srgbClr val="000000"/>
+                </a:solidFill>
+                <a:latin typeface="Trebuchet MS"/>
+                <a:ea typeface="DejaVu Sans"/>
               </a:rPr>
               <a:t>Bibliografia</a:t>
             </a:r>
             <a:endParaRPr/>
           </a:p>
           <a:p>
-            <a:pPr/>
-            <a:endParaRPr/>
-          </a:p>
-          <a:p>
-            <a:pPr/>
-            <a:endParaRPr/>
-          </a:p>
-          <a:p>
-            <a:pPr>
-              <a:buFont typeface="Trebuchet MS"/>
-              <a:buChar char="•"/>
+            <a:pPr>
+              <a:lnSpc>
+                <a:spcPct val="100000"/>
+              </a:lnSpc>
+            </a:pPr>
+            <a:endParaRPr/>
+          </a:p>
+          <a:p>
+            <a:pPr>
+              <a:lnSpc>
+                <a:spcPct val="100000"/>
+              </a:lnSpc>
+            </a:pPr>
+            <a:endParaRPr/>
+          </a:p>
+          <a:p>
+            <a:pPr>
+              <a:lnSpc>
+                <a:spcPct val="100000"/>
+              </a:lnSpc>
             </a:pPr>
             <a:endParaRPr/>
           </a:p>
@@ -3301,6 +5898,747 @@
           <p:childTnLst>
             <p:seq>
               <p:cTn id="4" nodeType="mainSeq"/>
+              <p:prevCondLst>
+                <p:cond delay="0" evt="onPrev">
+                  <p:tgtEl>
+                    <p:sldTgt/>
+                  </p:tgtEl>
+                </p:cond>
+              </p:prevCondLst>
+              <p:nextCondLst>
+                <p:cond delay="0" evt="onNext">
+                  <p:tgtEl>
+                    <p:sldTgt/>
+                  </p:tgtEl>
+                </p:cond>
+              </p:nextCondLst>
+            </p:seq>
+          </p:childTnLst>
+        </p:cTn>
+      </p:par>
+    </p:tnLst>
+  </p:timing>
+</p:sld>
+</file>
+
+<file path=ppt/slides/slide20.xml><?xml version="1.0" encoding="utf-8"?>
+<p:sld xmlns:a="http://schemas.openxmlformats.org/drawingml/2006/main" xmlns:p="http://schemas.openxmlformats.org/presentationml/2006/main" xmlns:r="http://schemas.openxmlformats.org/officeDocument/2006/relationships">
+  <p:cSld>
+    <p:spTree>
+      <p:nvGrpSpPr>
+        <p:cNvPr id="1" name=""/>
+        <p:cNvGrpSpPr/>
+        <p:nvPr/>
+      </p:nvGrpSpPr>
+      <p:grpSpPr>
+        <a:xfrm>
+          <a:off x="0" y="0"/>
+          <a:ext cx="0" cy="0"/>
+          <a:chOff x="0" y="0"/>
+          <a:chExt cx="0" cy="0"/>
+        </a:xfrm>
+      </p:grpSpPr>
+      <p:sp>
+        <p:nvSpPr>
+          <p:cNvPr id="123" name="CustomShape 1"/>
+          <p:cNvSpPr/>
+          <p:nvPr/>
+        </p:nvSpPr>
+        <p:spPr>
+          <a:xfrm>
+            <a:off x="611280" y="630000"/>
+            <a:ext cx="8423640" cy="1033920"/>
+          </a:xfrm>
+          <a:prstGeom prst="rect">
+            <a:avLst/>
+          </a:prstGeom>
+          <a:noFill/>
+          <a:ln>
+            <a:noFill/>
+          </a:ln>
+        </p:spPr>
+        <p:style>
+          <a:lnRef idx="0"/>
+          <a:fillRef idx="0"/>
+          <a:effectRef idx="0"/>
+          <a:fontRef idx="minor"/>
+        </p:style>
+        <p:txBody>
+          <a:bodyPr lIns="90000" rIns="90000" tIns="46800" bIns="46800" anchor="ctr"/>
+          <a:p>
+            <a:r>
+              <a:rPr b="1" lang="en-US" sz="3600" strike="noStrike">
+                <a:solidFill>
+                  <a:srgbClr val="dddddd"/>
+                </a:solidFill>
+                <a:latin typeface="Trebuchet MS"/>
+                <a:ea typeface="DejaVu Sans"/>
+              </a:rPr>
+              <a:t>Forward Checking</a:t>
+            </a:r>
+            <a:endParaRPr/>
+          </a:p>
+        </p:txBody>
+      </p:sp>
+      <p:sp>
+        <p:nvSpPr>
+          <p:cNvPr id="124" name="CustomShape 2"/>
+          <p:cNvSpPr/>
+          <p:nvPr/>
+        </p:nvSpPr>
+        <p:spPr>
+          <a:xfrm>
+            <a:off x="611280" y="1881360"/>
+            <a:ext cx="8423640" cy="4859640"/>
+          </a:xfrm>
+          <a:prstGeom prst="rect">
+            <a:avLst/>
+          </a:prstGeom>
+          <a:noFill/>
+          <a:ln>
+            <a:noFill/>
+          </a:ln>
+        </p:spPr>
+        <p:style>
+          <a:lnRef idx="0"/>
+          <a:fillRef idx="0"/>
+          <a:effectRef idx="0"/>
+          <a:fontRef idx="minor"/>
+        </p:style>
+        <p:txBody>
+          <a:bodyPr lIns="90000" rIns="90000" tIns="46800" bIns="46800"/>
+          <a:p>
+            <a:pPr>
+              <a:lnSpc>
+                <a:spcPct val="100000"/>
+              </a:lnSpc>
+            </a:pPr>
+            <a:r>
+              <a:rPr lang="en-US" sz="2200" strike="noStrike">
+                <a:solidFill>
+                  <a:srgbClr val="000000"/>
+                </a:solidFill>
+                <a:latin typeface="Arial"/>
+                <a:ea typeface="DejaVu Sans"/>
+              </a:rPr>
+              <a:t>Idea trasowania Forward Checking opiera się na ograniczaniu domen zmiennych które bezpośrednio podlegają aktualnie odwiedzanemu węzłowi w grafie (głębokość zależności można regulować).</a:t>
+            </a:r>
+            <a:endParaRPr/>
+          </a:p>
+          <a:p>
+            <a:pPr>
+              <a:lnSpc>
+                <a:spcPct val="100000"/>
+              </a:lnSpc>
+            </a:pPr>
+            <a:endParaRPr/>
+          </a:p>
+          <a:p>
+            <a:pPr>
+              <a:lnSpc>
+                <a:spcPct val="100000"/>
+              </a:lnSpc>
+            </a:pPr>
+            <a:r>
+              <a:rPr lang="en-US" sz="2200" strike="noStrike">
+                <a:solidFill>
+                  <a:srgbClr val="000000"/>
+                </a:solidFill>
+                <a:latin typeface="Trebuchet MS"/>
+                <a:ea typeface="DejaVu Sans"/>
+              </a:rPr>
+              <a:t>Przykład:</a:t>
+            </a:r>
+            <a:endParaRPr/>
+          </a:p>
+          <a:p>
+            <a:pPr>
+              <a:lnSpc>
+                <a:spcPct val="100000"/>
+              </a:lnSpc>
+            </a:pPr>
+            <a:r>
+              <a:rPr lang="en-US" sz="2200" strike="noStrike">
+                <a:solidFill>
+                  <a:srgbClr val="000000"/>
+                </a:solidFill>
+                <a:latin typeface="Trebuchet MS"/>
+                <a:ea typeface="DejaVu Sans"/>
+              </a:rPr>
+              <a:t>(autor opowiada)</a:t>
+            </a:r>
+            <a:endParaRPr/>
+          </a:p>
+        </p:txBody>
+      </p:sp>
+      <p:pic>
+        <p:nvPicPr>
+          <p:cNvPr id="125" name="" descr=""/>
+          <p:cNvPicPr/>
+          <p:nvPr/>
+        </p:nvPicPr>
+        <p:blipFill>
+          <a:blip r:embed="rId1"/>
+          <a:stretch/>
+        </p:blipFill>
+        <p:spPr>
+          <a:xfrm>
+            <a:off x="4313880" y="3334680"/>
+            <a:ext cx="3275640" cy="3066120"/>
+          </a:xfrm>
+          <a:prstGeom prst="rect">
+            <a:avLst/>
+          </a:prstGeom>
+          <a:ln>
+            <a:noFill/>
+          </a:ln>
+        </p:spPr>
+      </p:pic>
+    </p:spTree>
+  </p:cSld>
+  <p:transition>
+    <p:randomBar dir="horz"/>
+  </p:transition>
+  <p:timing>
+    <p:tnLst>
+      <p:par>
+        <p:cTn id="39" dur="indefinite" restart="never" nodeType="tmRoot">
+          <p:childTnLst>
+            <p:seq>
+              <p:cTn id="40" nodeType="mainSeq"/>
+              <p:prevCondLst>
+                <p:cond delay="0" evt="onPrev">
+                  <p:tgtEl>
+                    <p:sldTgt/>
+                  </p:tgtEl>
+                </p:cond>
+              </p:prevCondLst>
+              <p:nextCondLst>
+                <p:cond delay="0" evt="onNext">
+                  <p:tgtEl>
+                    <p:sldTgt/>
+                  </p:tgtEl>
+                </p:cond>
+              </p:nextCondLst>
+            </p:seq>
+          </p:childTnLst>
+        </p:cTn>
+      </p:par>
+    </p:tnLst>
+  </p:timing>
+</p:sld>
+</file>
+
+<file path=ppt/slides/slide21.xml><?xml version="1.0" encoding="utf-8"?>
+<p:sld xmlns:a="http://schemas.openxmlformats.org/drawingml/2006/main" xmlns:p="http://schemas.openxmlformats.org/presentationml/2006/main" xmlns:r="http://schemas.openxmlformats.org/officeDocument/2006/relationships">
+  <p:cSld>
+    <p:spTree>
+      <p:nvGrpSpPr>
+        <p:cNvPr id="1" name=""/>
+        <p:cNvGrpSpPr/>
+        <p:nvPr/>
+      </p:nvGrpSpPr>
+      <p:grpSpPr>
+        <a:xfrm>
+          <a:off x="0" y="0"/>
+          <a:ext cx="0" cy="0"/>
+          <a:chOff x="0" y="0"/>
+          <a:chExt cx="0" cy="0"/>
+        </a:xfrm>
+      </p:grpSpPr>
+      <p:sp>
+        <p:nvSpPr>
+          <p:cNvPr id="126" name="CustomShape 1"/>
+          <p:cNvSpPr/>
+          <p:nvPr/>
+        </p:nvSpPr>
+        <p:spPr>
+          <a:xfrm>
+            <a:off x="611280" y="630000"/>
+            <a:ext cx="8423640" cy="1033920"/>
+          </a:xfrm>
+          <a:prstGeom prst="rect">
+            <a:avLst/>
+          </a:prstGeom>
+          <a:noFill/>
+          <a:ln>
+            <a:noFill/>
+          </a:ln>
+        </p:spPr>
+        <p:style>
+          <a:lnRef idx="0"/>
+          <a:fillRef idx="0"/>
+          <a:effectRef idx="0"/>
+          <a:fontRef idx="minor"/>
+        </p:style>
+        <p:txBody>
+          <a:bodyPr lIns="90000" rIns="90000" tIns="46800" bIns="46800" anchor="ctr"/>
+          <a:p>
+            <a:r>
+              <a:rPr b="1" lang="en-US" sz="3600" strike="noStrike">
+                <a:solidFill>
+                  <a:srgbClr val="dddddd"/>
+                </a:solidFill>
+                <a:latin typeface="Trebuchet MS"/>
+                <a:ea typeface="DejaVu Sans"/>
+              </a:rPr>
+              <a:t>Inne sposoby</a:t>
+            </a:r>
+            <a:endParaRPr/>
+          </a:p>
+        </p:txBody>
+      </p:sp>
+      <p:sp>
+        <p:nvSpPr>
+          <p:cNvPr id="127" name="CustomShape 2"/>
+          <p:cNvSpPr/>
+          <p:nvPr/>
+        </p:nvSpPr>
+        <p:spPr>
+          <a:xfrm>
+            <a:off x="731520" y="1906920"/>
+            <a:ext cx="4143600" cy="4859640"/>
+          </a:xfrm>
+          <a:prstGeom prst="rect">
+            <a:avLst/>
+          </a:prstGeom>
+          <a:noFill/>
+          <a:ln>
+            <a:noFill/>
+          </a:ln>
+        </p:spPr>
+        <p:style>
+          <a:lnRef idx="0"/>
+          <a:fillRef idx="0"/>
+          <a:effectRef idx="0"/>
+          <a:fontRef idx="minor"/>
+        </p:style>
+        <p:txBody>
+          <a:bodyPr lIns="90000" rIns="90000" tIns="46800" bIns="46800"/>
+          <a:p>
+            <a:pPr>
+              <a:lnSpc>
+                <a:spcPct val="100000"/>
+              </a:lnSpc>
+            </a:pPr>
+            <a:r>
+              <a:rPr lang="en-US" sz="2200" strike="noStrike">
+                <a:solidFill>
+                  <a:srgbClr val="000000"/>
+                </a:solidFill>
+                <a:latin typeface="Arial"/>
+                <a:ea typeface="DejaVu Sans"/>
+              </a:rPr>
+              <a:t>Większość instancji problemów rozwiązywania Kakuro posiada w swojej strukturze tzw. “bloki”.</a:t>
+            </a:r>
+            <a:endParaRPr/>
+          </a:p>
+          <a:p>
+            <a:pPr>
+              <a:lnSpc>
+                <a:spcPct val="100000"/>
+              </a:lnSpc>
+            </a:pPr>
+            <a:endParaRPr/>
+          </a:p>
+          <a:p>
+            <a:pPr>
+              <a:lnSpc>
+                <a:spcPct val="100000"/>
+              </a:lnSpc>
+            </a:pPr>
+            <a:r>
+              <a:rPr lang="en-US" sz="2200" strike="noStrike">
+                <a:solidFill>
+                  <a:srgbClr val="000000"/>
+                </a:solidFill>
+                <a:latin typeface="Trebuchet MS"/>
+                <a:ea typeface="DejaVu Sans"/>
+              </a:rPr>
+              <a:t>Rozwiązanie całej struktury możliwe jest poprzez rozwiązywanie bloków w kolejności określonej przez ich zależność.</a:t>
+            </a:r>
+            <a:endParaRPr/>
+          </a:p>
+        </p:txBody>
+      </p:sp>
+      <p:pic>
+        <p:nvPicPr>
+          <p:cNvPr id="128" name="" descr=""/>
+          <p:cNvPicPr/>
+          <p:nvPr/>
+        </p:nvPicPr>
+        <p:blipFill>
+          <a:blip r:embed="rId1"/>
+          <a:stretch/>
+        </p:blipFill>
+        <p:spPr>
+          <a:xfrm>
+            <a:off x="4937760" y="2103120"/>
+            <a:ext cx="3931920" cy="4206240"/>
+          </a:xfrm>
+          <a:prstGeom prst="rect">
+            <a:avLst/>
+          </a:prstGeom>
+          <a:ln>
+            <a:noFill/>
+          </a:ln>
+        </p:spPr>
+      </p:pic>
+    </p:spTree>
+  </p:cSld>
+  <p:transition>
+    <p:randomBar dir="horz"/>
+  </p:transition>
+  <p:timing>
+    <p:tnLst>
+      <p:par>
+        <p:cTn id="41" dur="indefinite" restart="never" nodeType="tmRoot">
+          <p:childTnLst>
+            <p:seq>
+              <p:cTn id="42" nodeType="mainSeq"/>
+              <p:prevCondLst>
+                <p:cond delay="0" evt="onPrev">
+                  <p:tgtEl>
+                    <p:sldTgt/>
+                  </p:tgtEl>
+                </p:cond>
+              </p:prevCondLst>
+              <p:nextCondLst>
+                <p:cond delay="0" evt="onNext">
+                  <p:tgtEl>
+                    <p:sldTgt/>
+                  </p:tgtEl>
+                </p:cond>
+              </p:nextCondLst>
+            </p:seq>
+          </p:childTnLst>
+        </p:cTn>
+      </p:par>
+    </p:tnLst>
+  </p:timing>
+</p:sld>
+</file>
+
+<file path=ppt/slides/slide22.xml><?xml version="1.0" encoding="utf-8"?>
+<p:sld xmlns:a="http://schemas.openxmlformats.org/drawingml/2006/main" xmlns:p="http://schemas.openxmlformats.org/presentationml/2006/main" xmlns:r="http://schemas.openxmlformats.org/officeDocument/2006/relationships">
+  <p:cSld>
+    <p:spTree>
+      <p:nvGrpSpPr>
+        <p:cNvPr id="1" name=""/>
+        <p:cNvGrpSpPr/>
+        <p:nvPr/>
+      </p:nvGrpSpPr>
+      <p:grpSpPr>
+        <a:xfrm>
+          <a:off x="0" y="0"/>
+          <a:ext cx="0" cy="0"/>
+          <a:chOff x="0" y="0"/>
+          <a:chExt cx="0" cy="0"/>
+        </a:xfrm>
+      </p:grpSpPr>
+      <p:sp>
+        <p:nvSpPr>
+          <p:cNvPr id="129" name="CustomShape 1"/>
+          <p:cNvSpPr/>
+          <p:nvPr/>
+        </p:nvSpPr>
+        <p:spPr>
+          <a:xfrm>
+            <a:off x="611280" y="630000"/>
+            <a:ext cx="8423640" cy="1033920"/>
+          </a:xfrm>
+          <a:prstGeom prst="rect">
+            <a:avLst/>
+          </a:prstGeom>
+          <a:noFill/>
+          <a:ln>
+            <a:noFill/>
+          </a:ln>
+        </p:spPr>
+        <p:style>
+          <a:lnRef idx="0"/>
+          <a:fillRef idx="0"/>
+          <a:effectRef idx="0"/>
+          <a:fontRef idx="minor"/>
+        </p:style>
+        <p:txBody>
+          <a:bodyPr lIns="90000" rIns="90000" tIns="46800" bIns="46800" anchor="ctr"/>
+          <a:p>
+            <a:r>
+              <a:rPr b="1" lang="en-US" sz="3600" strike="noStrike">
+                <a:solidFill>
+                  <a:srgbClr val="dddddd"/>
+                </a:solidFill>
+                <a:latin typeface="Trebuchet MS"/>
+                <a:ea typeface="DejaVu Sans"/>
+              </a:rPr>
+              <a:t>Bibliografia</a:t>
+            </a:r>
+            <a:endParaRPr/>
+          </a:p>
+        </p:txBody>
+      </p:sp>
+      <p:sp>
+        <p:nvSpPr>
+          <p:cNvPr id="130" name="CustomShape 2"/>
+          <p:cNvSpPr/>
+          <p:nvPr/>
+        </p:nvSpPr>
+        <p:spPr>
+          <a:xfrm>
+            <a:off x="611280" y="1881360"/>
+            <a:ext cx="8423640" cy="4859640"/>
+          </a:xfrm>
+          <a:prstGeom prst="rect">
+            <a:avLst/>
+          </a:prstGeom>
+          <a:noFill/>
+          <a:ln>
+            <a:noFill/>
+          </a:ln>
+        </p:spPr>
+        <p:style>
+          <a:lnRef idx="0"/>
+          <a:fillRef idx="0"/>
+          <a:effectRef idx="0"/>
+          <a:fontRef idx="minor"/>
+        </p:style>
+        <p:txBody>
+          <a:bodyPr lIns="90000" rIns="90000" tIns="46800" bIns="46800"/>
+          <a:p>
+            <a:pPr>
+              <a:lnSpc>
+                <a:spcPct val="100000"/>
+              </a:lnSpc>
+              <a:buFont typeface="Trebuchet MS"/>
+              <a:buChar char="•"/>
+            </a:pPr>
+            <a:r>
+              <a:rPr i="1" lang="en-US" sz="2400" strike="noStrike" u="sng">
+                <a:solidFill>
+                  <a:srgbClr val="000000"/>
+                </a:solidFill>
+                <a:latin typeface="Trebuchet MS"/>
+                <a:ea typeface="DejaVu Sans"/>
+              </a:rPr>
+              <a:t>Constraint Programming</a:t>
+            </a:r>
+            <a:r>
+              <a:rPr lang="en-US" sz="2200" strike="noStrike">
+                <a:solidFill>
+                  <a:srgbClr val="000000"/>
+                </a:solidFill>
+                <a:latin typeface="Trebuchet MS"/>
+                <a:ea typeface="DejaVu Sans"/>
+              </a:rPr>
+              <a:t>, </a:t>
+            </a:r>
+            <a:r>
+              <a:rPr lang="en-US" sz="2000" strike="noStrike">
+                <a:solidFill>
+                  <a:srgbClr val="000000"/>
+                </a:solidFill>
+                <a:latin typeface="Trebuchet MS"/>
+                <a:ea typeface="DejaVu Sans"/>
+              </a:rPr>
+              <a:t>Roman Barták, </a:t>
+            </a:r>
+            <a:r>
+              <a:rPr i="1" lang="en-US" sz="2000" strike="noStrike">
+                <a:solidFill>
+                  <a:srgbClr val="000000"/>
+                </a:solidFill>
+                <a:latin typeface="Trebuchet MS"/>
+                <a:ea typeface="DejaVu Sans"/>
+              </a:rPr>
+              <a:t>http://ktiml.mff.cuni.cz/~bartak/constraints/index.html</a:t>
+            </a:r>
+            <a:endParaRPr/>
+          </a:p>
+          <a:p>
+            <a:pPr>
+              <a:lnSpc>
+                <a:spcPct val="100000"/>
+              </a:lnSpc>
+              <a:buFont typeface="Trebuchet MS"/>
+              <a:buChar char="•"/>
+            </a:pPr>
+            <a:r>
+              <a:rPr i="1" lang="en-US" sz="2400" strike="noStrike" u="sng">
+                <a:solidFill>
+                  <a:srgbClr val="000000"/>
+                </a:solidFill>
+                <a:latin typeface="Trebuchet MS"/>
+                <a:ea typeface="DejaVu Sans"/>
+              </a:rPr>
+              <a:t>The Computational Complexity of the Kakuro Puzzle</a:t>
+            </a:r>
+            <a:r>
+              <a:rPr i="1" lang="en-US" sz="2400" strike="noStrike">
+                <a:solidFill>
+                  <a:srgbClr val="000000"/>
+                </a:solidFill>
+                <a:latin typeface="Trebuchet MS"/>
+                <a:ea typeface="DejaVu Sans"/>
+              </a:rPr>
+              <a:t>, </a:t>
+            </a:r>
+            <a:r>
+              <a:rPr i="1" lang="en-US" sz="2000" strike="noStrike">
+                <a:solidFill>
+                  <a:srgbClr val="000000"/>
+                </a:solidFill>
+                <a:latin typeface="Trebuchet MS"/>
+                <a:ea typeface="DejaVu Sans"/>
+              </a:rPr>
+              <a:t>“Fun with Algorithms”, </a:t>
+            </a:r>
+            <a:r>
+              <a:rPr lang="en-US" sz="2000" strike="noStrike">
+                <a:solidFill>
+                  <a:srgbClr val="000000"/>
+                </a:solidFill>
+                <a:latin typeface="Trebuchet MS"/>
+                <a:ea typeface="DejaVu Sans"/>
+              </a:rPr>
+              <a:t>Oliver Ruepp, Markus Holzer</a:t>
+            </a:r>
+            <a:endParaRPr/>
+          </a:p>
+          <a:p>
+            <a:pPr>
+              <a:lnSpc>
+                <a:spcPct val="100000"/>
+              </a:lnSpc>
+              <a:buFont typeface="Trebuchet MS"/>
+              <a:buChar char="•"/>
+            </a:pPr>
+            <a:r>
+              <a:rPr lang="en-US" sz="2000" strike="noStrike">
+                <a:solidFill>
+                  <a:srgbClr val="000000"/>
+                </a:solidFill>
+                <a:latin typeface="Trebuchet MS"/>
+                <a:ea typeface="DejaVu Sans"/>
+              </a:rPr>
+              <a:t>ISBN 3-642-13121-2,  Springer-Verlag Berlin Heidelberg 2010</a:t>
+            </a:r>
+            <a:endParaRPr/>
+          </a:p>
+          <a:p>
+            <a:pPr>
+              <a:lnSpc>
+                <a:spcPct val="100000"/>
+              </a:lnSpc>
+              <a:buFont typeface="Trebuchet MS"/>
+              <a:buChar char="•"/>
+            </a:pPr>
+            <a:r>
+              <a:rPr i="1" lang="en-US" sz="2400" strike="noStrike" u="sng">
+                <a:solidFill>
+                  <a:srgbClr val="000000"/>
+                </a:solidFill>
+                <a:latin typeface="Trebuchet MS"/>
+                <a:ea typeface="DejaVu Sans"/>
+              </a:rPr>
+              <a:t>Monte-Carlo Kakuro</a:t>
+            </a:r>
+            <a:r>
+              <a:rPr i="1" lang="en-US" sz="2400" strike="noStrike">
+                <a:solidFill>
+                  <a:srgbClr val="000000"/>
+                </a:solidFill>
+                <a:latin typeface="Trebuchet MS"/>
+                <a:ea typeface="DejaVu Sans"/>
+              </a:rPr>
+              <a:t>, </a:t>
+            </a:r>
+            <a:r>
+              <a:rPr i="1" lang="en-US" sz="2000" strike="noStrike">
+                <a:solidFill>
+                  <a:srgbClr val="000000"/>
+                </a:solidFill>
+                <a:latin typeface="Trebuchet MS"/>
+                <a:ea typeface="DejaVu Sans"/>
+              </a:rPr>
+              <a:t>“Advances in Computer Games”,</a:t>
+            </a:r>
+            <a:endParaRPr/>
+          </a:p>
+          <a:p>
+            <a:pPr>
+              <a:lnSpc>
+                <a:spcPct val="100000"/>
+              </a:lnSpc>
+              <a:buFont typeface="Trebuchet MS"/>
+              <a:buChar char="•"/>
+            </a:pPr>
+            <a:r>
+              <a:rPr i="1" lang="en-US" sz="2000" strike="noStrike">
+                <a:solidFill>
+                  <a:srgbClr val="000000"/>
+                </a:solidFill>
+                <a:latin typeface="Trebuchet MS"/>
+                <a:ea typeface="DejaVu Sans"/>
+              </a:rPr>
+              <a:t>Tristan Cazenave, ISBN 3-642-12992-7,</a:t>
+            </a:r>
+            <a:endParaRPr/>
+          </a:p>
+          <a:p>
+            <a:pPr>
+              <a:lnSpc>
+                <a:spcPct val="100000"/>
+              </a:lnSpc>
+              <a:buFont typeface="Trebuchet MS"/>
+              <a:buChar char="•"/>
+            </a:pPr>
+            <a:r>
+              <a:rPr i="1" lang="en-US" sz="2000" strike="noStrike">
+                <a:solidFill>
+                  <a:srgbClr val="000000"/>
+                </a:solidFill>
+                <a:latin typeface="Trebuchet MS"/>
+                <a:ea typeface="DejaVu Sans"/>
+              </a:rPr>
+              <a:t>“</a:t>
+            </a:r>
+            <a:r>
+              <a:rPr i="1" lang="en-US" sz="2000" strike="noStrike">
+                <a:solidFill>
+                  <a:srgbClr val="000000"/>
+                </a:solidFill>
+                <a:latin typeface="Trebuchet MS"/>
+                <a:ea typeface="DejaVu Sans"/>
+              </a:rPr>
+              <a:t>Kakuro”</a:t>
+            </a:r>
+            <a:r>
+              <a:rPr lang="en-US" sz="2000" strike="noStrike">
+                <a:solidFill>
+                  <a:srgbClr val="000000"/>
+                </a:solidFill>
+                <a:latin typeface="Trebuchet MS"/>
+                <a:ea typeface="DejaVu Sans"/>
+              </a:rPr>
+              <a:t> http://en.wikipedia.org/wiki/Kakuro</a:t>
+            </a:r>
+            <a:endParaRPr/>
+          </a:p>
+        </p:txBody>
+      </p:sp>
+    </p:spTree>
+  </p:cSld>
+  <p:transition>
+    <p:randomBar dir="horz"/>
+  </p:transition>
+  <p:timing>
+    <p:tnLst>
+      <p:par>
+        <p:cTn id="43" dur="indefinite" restart="never" nodeType="tmRoot">
+          <p:childTnLst>
+            <p:seq>
+              <p:cTn id="44" nodeType="mainSeq"/>
               <p:prevCondLst>
                 <p:cond delay="0" evt="onPrev">
                   <p:tgtEl>
@@ -3343,14 +6681,14 @@
       </p:grpSpPr>
       <p:sp>
         <p:nvSpPr>
-          <p:cNvPr id="83" name="TextShape 1"/>
-          <p:cNvSpPr txBox="1"/>
+          <p:cNvPr id="82" name="CustomShape 1"/>
+          <p:cNvSpPr/>
           <p:nvPr/>
         </p:nvSpPr>
         <p:spPr>
           <a:xfrm>
             <a:off x="611280" y="630000"/>
-            <a:ext cx="8424720" cy="1035000"/>
+            <a:ext cx="8423640" cy="1033920"/>
           </a:xfrm>
           <a:prstGeom prst="rect">
             <a:avLst/>
@@ -3360,12 +6698,22 @@
             <a:noFill/>
           </a:ln>
         </p:spPr>
+        <p:style>
+          <a:lnRef idx="0"/>
+          <a:fillRef idx="0"/>
+          <a:effectRef idx="0"/>
+          <a:fontRef idx="minor"/>
+        </p:style>
         <p:txBody>
           <a:bodyPr lIns="90000" rIns="90000" tIns="46800" bIns="46800" anchor="ctr"/>
           <a:p>
             <a:r>
-              <a:rPr b="1" lang="en-US" sz="3600">
-                <a:latin typeface="Trebuchet MS"/>
+              <a:rPr b="1" lang="en-US" sz="3600" strike="noStrike">
+                <a:solidFill>
+                  <a:srgbClr val="dddddd"/>
+                </a:solidFill>
+                <a:latin typeface="Trebuchet MS"/>
+                <a:ea typeface="DejaVu Sans"/>
               </a:rPr>
               <a:t>Wprowadzenie</a:t>
             </a:r>
@@ -3375,14 +6723,14 @@
       </p:sp>
       <p:sp>
         <p:nvSpPr>
-          <p:cNvPr id="84" name="TextShape 2"/>
-          <p:cNvSpPr txBox="1"/>
+          <p:cNvPr id="83" name="CustomShape 2"/>
+          <p:cNvSpPr/>
           <p:nvPr/>
         </p:nvSpPr>
         <p:spPr>
           <a:xfrm>
             <a:off x="611280" y="1881360"/>
-            <a:ext cx="8424720" cy="4860720"/>
+            <a:ext cx="8423640" cy="4859640"/>
           </a:xfrm>
           <a:prstGeom prst="rect">
             <a:avLst/>
@@ -3392,67 +6740,144 @@
             <a:noFill/>
           </a:ln>
         </p:spPr>
+        <p:style>
+          <a:lnRef idx="0"/>
+          <a:fillRef idx="0"/>
+          <a:effectRef idx="0"/>
+          <a:fontRef idx="minor"/>
+        </p:style>
         <p:txBody>
           <a:bodyPr lIns="90000" rIns="90000" tIns="46800" bIns="46800"/>
           <a:p>
+            <a:r>
+              <a:rPr b="1" lang="en-US" sz="2600" strike="noStrike">
+                <a:solidFill>
+                  <a:srgbClr val="000000"/>
+                </a:solidFill>
+                <a:latin typeface="Trebuchet MS"/>
+                <a:ea typeface="DejaVu Sans"/>
+              </a:rPr>
+              <a:t>Kakuro </a:t>
+            </a:r>
+            <a:r>
+              <a:rPr i="1" lang="en-US" sz="2200" strike="noStrike">
+                <a:solidFill>
+                  <a:srgbClr val="000000"/>
+                </a:solidFill>
+                <a:latin typeface="Trebuchet MS"/>
+                <a:ea typeface="DejaVu Sans"/>
+              </a:rPr>
+              <a:t>(Cross-Sums lub Kakro) </a:t>
+            </a:r>
+            <a:r>
+              <a:rPr lang="en-US" sz="2200" strike="noStrike">
+                <a:solidFill>
+                  <a:srgbClr val="000000"/>
+                </a:solidFill>
+                <a:latin typeface="Trebuchet MS"/>
+                <a:ea typeface="DejaVu Sans"/>
+              </a:rPr>
+              <a:t>numeryczna krzyżówka.</a:t>
+            </a:r>
+            <a:endParaRPr/>
+          </a:p>
+          <a:p>
             <a:pPr algn="just">
+              <a:lnSpc>
+                <a:spcPct val="100000"/>
+              </a:lnSpc>
               <a:buFont typeface="Trebuchet MS"/>
               <a:buChar char="•"/>
             </a:pPr>
             <a:r>
-              <a:rPr b="1" lang="en-US" sz="2600">
-                <a:latin typeface="Trebuchet MS"/>
-              </a:rPr>
-              <a:t>Kakuro </a:t>
-            </a:r>
-            <a:r>
-              <a:rPr i="1" lang="en-US" sz="2200">
-                <a:latin typeface="Trebuchet MS"/>
-              </a:rPr>
-              <a:t>(Cross-Sums lub Kakro) </a:t>
-            </a:r>
-            <a:r>
-              <a:rPr lang="en-US" sz="2200">
-                <a:latin typeface="Trebuchet MS"/>
-              </a:rPr>
-              <a:t>numeryczna krzyżówka.</a:t>
-            </a:r>
-            <a:r>
-              <a:rPr lang="en-US" sz="2200">
-                <a:latin typeface="Trebuchet MS"/>
-              </a:rPr>
-              <a:t>
-</a:t>
-            </a:r>
-            <a:r>
-              <a:rPr lang="en-US" sz="2200">
-                <a:latin typeface="Trebuchet MS"/>
+              <a:rPr lang="en-US" sz="2200" strike="noStrike">
+                <a:solidFill>
+                  <a:srgbClr val="000000"/>
+                </a:solidFill>
+                <a:latin typeface="Trebuchet MS"/>
+                <a:ea typeface="DejaVu Sans"/>
               </a:rPr>
               <a:t>Polega na wpisywaniu cyfr od </a:t>
             </a:r>
             <a:r>
-              <a:rPr lang="en-US" sz="2200" u="sng">
-                <a:latin typeface="Trebuchet MS"/>
+              <a:rPr lang="en-US" sz="2200" strike="noStrike" u="sng">
+                <a:solidFill>
+                  <a:srgbClr val="000000"/>
+                </a:solidFill>
+                <a:latin typeface="Trebuchet MS"/>
+                <a:ea typeface="DejaVu Sans"/>
               </a:rPr>
               <a:t>1 do 9</a:t>
             </a:r>
             <a:r>
-              <a:rPr lang="en-US" sz="2200">
-                <a:latin typeface="Trebuchet MS"/>
+              <a:rPr lang="en-US" sz="2200" strike="noStrike">
+                <a:solidFill>
+                  <a:srgbClr val="000000"/>
+                </a:solidFill>
+                <a:latin typeface="Trebuchet MS"/>
+                <a:ea typeface="DejaVu Sans"/>
               </a:rPr>
               <a:t> tak, aby zsumowały się do liczby wskazanej w pionowym lub poziomym bloku. W jednym bloku </a:t>
             </a:r>
             <a:r>
-              <a:rPr lang="en-US" sz="2200" u="sng">
-                <a:latin typeface="Trebuchet MS"/>
+              <a:rPr lang="en-US" sz="2200" strike="noStrike" u="sng">
+                <a:solidFill>
+                  <a:srgbClr val="000000"/>
+                </a:solidFill>
+                <a:latin typeface="Trebuchet MS"/>
+                <a:ea typeface="DejaVu Sans"/>
               </a:rPr>
               <a:t>nie mogą się powtarzać</a:t>
             </a:r>
             <a:r>
-              <a:rPr lang="en-US" sz="2200">
-                <a:latin typeface="Trebuchet MS"/>
-              </a:rPr>
-              <a:t> takie same cyfry. Zabawa podobna jest do popularnej gry sudoku. </a:t>
+              <a:rPr lang="en-US" sz="2200" strike="noStrike">
+                <a:solidFill>
+                  <a:srgbClr val="000000"/>
+                </a:solidFill>
+                <a:latin typeface="Trebuchet MS"/>
+                <a:ea typeface="DejaVu Sans"/>
+              </a:rPr>
+              <a:t> takie same cyfry. Zabawa podobna jest do popularnej gry sudoku. Istnieją różne wariacje </a:t>
+            </a:r>
+            <a:r>
+              <a:rPr i="1" lang="en-US" sz="2200" strike="noStrike">
+                <a:solidFill>
+                  <a:srgbClr val="000000"/>
+                </a:solidFill>
+                <a:latin typeface="Trebuchet MS"/>
+                <a:ea typeface="DejaVu Sans"/>
+              </a:rPr>
+              <a:t>Kakuro. </a:t>
+            </a:r>
+            <a:r>
+              <a:rPr lang="en-US" sz="2200" strike="noStrike">
+                <a:solidFill>
+                  <a:srgbClr val="000000"/>
+                </a:solidFill>
+                <a:latin typeface="Trebuchet MS"/>
+                <a:ea typeface="DejaVu Sans"/>
+              </a:rPr>
+              <a:t>Oryginalna wersja zapewnia sumę maksymalną 45 w maksymalnie dziewięciu komórkach. Wariacje ograniczają dotyczą ilości maksymalnej komórek oraz maksymalnej dozwolonej sumy, na przykład: “36w5” , “12w3” itd. Istnieją też bardziej rozbudowane krzyżówki bazujące na idei </a:t>
+            </a:r>
+            <a:r>
+              <a:rPr i="1" lang="en-US" sz="2200" strike="noStrike">
+                <a:solidFill>
+                  <a:srgbClr val="000000"/>
+                </a:solidFill>
+                <a:latin typeface="Trebuchet MS"/>
+                <a:ea typeface="DejaVu Sans"/>
+              </a:rPr>
+              <a:t>Kakuro, </a:t>
+            </a:r>
+            <a:r>
+              <a:rPr lang="en-US" sz="2200" strike="noStrike">
+                <a:solidFill>
+                  <a:srgbClr val="000000"/>
+                </a:solidFill>
+                <a:latin typeface="Trebuchet MS"/>
+                <a:ea typeface="DejaVu Sans"/>
+              </a:rPr>
+              <a:t>które rozszerzają ją do trówymiarowej kostki a nawet tesseraktu. Więcej niż cztero-wymiarowe kostki są już trudne do wyobrażenia.</a:t>
             </a:r>
             <a:endParaRPr/>
           </a:p>
@@ -3512,14 +6937,14 @@
       </p:grpSpPr>
       <p:sp>
         <p:nvSpPr>
-          <p:cNvPr id="85" name="TextShape 1"/>
-          <p:cNvSpPr txBox="1"/>
+          <p:cNvPr id="84" name="CustomShape 1"/>
+          <p:cNvSpPr/>
           <p:nvPr/>
         </p:nvSpPr>
         <p:spPr>
           <a:xfrm>
             <a:off x="611280" y="630000"/>
-            <a:ext cx="8424720" cy="1035000"/>
+            <a:ext cx="8423640" cy="1033920"/>
           </a:xfrm>
           <a:prstGeom prst="rect">
             <a:avLst/>
@@ -3529,12 +6954,22 @@
             <a:noFill/>
           </a:ln>
         </p:spPr>
+        <p:style>
+          <a:lnRef idx="0"/>
+          <a:fillRef idx="0"/>
+          <a:effectRef idx="0"/>
+          <a:fontRef idx="minor"/>
+        </p:style>
         <p:txBody>
           <a:bodyPr lIns="90000" rIns="90000" tIns="46800" bIns="46800" anchor="ctr"/>
           <a:p>
             <a:r>
-              <a:rPr b="1" lang="en-US" sz="3600">
-                <a:latin typeface="Trebuchet MS"/>
+              <a:rPr b="1" lang="en-US" sz="3600" strike="noStrike">
+                <a:solidFill>
+                  <a:srgbClr val="eeeeee"/>
+                </a:solidFill>
+                <a:latin typeface="Trebuchet MS"/>
+                <a:ea typeface="DejaVu Sans"/>
               </a:rPr>
               <a:t>Wprowadzenie</a:t>
             </a:r>
@@ -3544,7 +6979,7 @@
       </p:sp>
       <p:pic>
         <p:nvPicPr>
-          <p:cNvPr id="86" name="" descr=""/>
+          <p:cNvPr id="85" name="" descr=""/>
           <p:cNvPicPr/>
           <p:nvPr/>
         </p:nvPicPr>
@@ -3555,7 +6990,7 @@
         <p:spPr>
           <a:xfrm>
             <a:off x="2194560" y="2103120"/>
-            <a:ext cx="4937760" cy="4541040"/>
+            <a:ext cx="4936680" cy="4539960"/>
           </a:xfrm>
           <a:prstGeom prst="rect">
             <a:avLst/>
@@ -3619,14 +7054,14 @@
       </p:grpSpPr>
       <p:sp>
         <p:nvSpPr>
-          <p:cNvPr id="87" name="TextShape 1"/>
-          <p:cNvSpPr txBox="1"/>
+          <p:cNvPr id="86" name="CustomShape 1"/>
+          <p:cNvSpPr/>
           <p:nvPr/>
         </p:nvSpPr>
         <p:spPr>
           <a:xfrm>
             <a:off x="611280" y="630000"/>
-            <a:ext cx="8424720" cy="1035000"/>
+            <a:ext cx="8423640" cy="1033920"/>
           </a:xfrm>
           <a:prstGeom prst="rect">
             <a:avLst/>
@@ -3636,12 +7071,22 @@
             <a:noFill/>
           </a:ln>
         </p:spPr>
+        <p:style>
+          <a:lnRef idx="0"/>
+          <a:fillRef idx="0"/>
+          <a:effectRef idx="0"/>
+          <a:fontRef idx="minor"/>
+        </p:style>
         <p:txBody>
           <a:bodyPr lIns="90000" rIns="90000" tIns="46800" bIns="46800" anchor="ctr"/>
           <a:p>
             <a:r>
-              <a:rPr b="1" lang="en-US" sz="3600">
-                <a:latin typeface="Trebuchet MS"/>
+              <a:rPr b="1" lang="en-US" sz="3600" strike="noStrike">
+                <a:solidFill>
+                  <a:srgbClr val="eeeeee"/>
+                </a:solidFill>
+                <a:latin typeface="Trebuchet MS"/>
+                <a:ea typeface="DejaVu Sans"/>
               </a:rPr>
               <a:t>Omówienie problemu</a:t>
             </a:r>
@@ -3651,14 +7096,14 @@
       </p:sp>
       <p:sp>
         <p:nvSpPr>
-          <p:cNvPr id="88" name="TextShape 2"/>
-          <p:cNvSpPr txBox="1"/>
+          <p:cNvPr id="87" name="CustomShape 2"/>
+          <p:cNvSpPr/>
           <p:nvPr/>
         </p:nvSpPr>
         <p:spPr>
           <a:xfrm>
             <a:off x="611280" y="1881360"/>
-            <a:ext cx="8424720" cy="4860720"/>
+            <a:ext cx="8423640" cy="4859640"/>
           </a:xfrm>
           <a:prstGeom prst="rect">
             <a:avLst/>
@@ -3668,70 +7113,131 @@
             <a:noFill/>
           </a:ln>
         </p:spPr>
+        <p:style>
+          <a:lnRef idx="0"/>
+          <a:fillRef idx="0"/>
+          <a:effectRef idx="0"/>
+          <a:fontRef idx="minor"/>
+        </p:style>
         <p:txBody>
           <a:bodyPr lIns="90000" rIns="90000" tIns="46800" bIns="46800"/>
           <a:p>
             <a:pPr>
+              <a:lnSpc>
+                <a:spcPct val="100000"/>
+              </a:lnSpc>
               <a:buFont typeface="Trebuchet MS"/>
               <a:buChar char="•"/>
             </a:pPr>
-            <a:r>
-              <a:rPr lang="en-US" sz="3200">
-                <a:latin typeface="Trebuchet MS"/>
-              </a:rPr>
-              <a:t>analiza problemu</a:t>
-            </a:r>
-            <a:endParaRPr/>
-          </a:p>
-          <a:p>
-            <a:pPr>
+            <a:endParaRPr/>
+          </a:p>
+          <a:p>
+            <a:pPr>
+              <a:lnSpc>
+                <a:spcPct val="100000"/>
+              </a:lnSpc>
               <a:buFont typeface="Trebuchet MS"/>
               <a:buChar char="•"/>
             </a:pPr>
-            <a:r>
-              <a:rPr lang="en-US" sz="3200">
-                <a:latin typeface="Trebuchet MS"/>
-              </a:rPr>
-              <a:t>trudność problemu (analiza złożoności)</a:t>
-            </a:r>
-            <a:endParaRPr/>
-          </a:p>
-          <a:p>
-            <a:pPr>
+            <a:endParaRPr/>
+          </a:p>
+          <a:p>
+            <a:pPr>
+              <a:lnSpc>
+                <a:spcPct val="100000"/>
+              </a:lnSpc>
               <a:buFont typeface="Trebuchet MS"/>
               <a:buChar char="•"/>
             </a:pPr>
             <a:r>
-              <a:rPr lang="en-US" sz="3200">
-                <a:latin typeface="Trebuchet MS"/>
-              </a:rPr>
-              <a:t>sposoby reprezentacji instancji problemu</a:t>
-            </a:r>
-            <a:endParaRPr/>
-          </a:p>
-          <a:p>
-            <a:pPr>
+              <a:rPr lang="en-US" sz="3200" strike="noStrike">
+                <a:solidFill>
+                  <a:srgbClr val="000000"/>
+                </a:solidFill>
+                <a:latin typeface="Trebuchet MS"/>
+                <a:ea typeface="DejaVu Sans"/>
+              </a:rPr>
+              <a:t>analiza problemu</a:t>
+            </a:r>
+            <a:endParaRPr/>
+          </a:p>
+          <a:p>
+            <a:pPr>
+              <a:lnSpc>
+                <a:spcPct val="100000"/>
+              </a:lnSpc>
               <a:buFont typeface="Trebuchet MS"/>
               <a:buChar char="•"/>
             </a:pPr>
             <a:r>
-              <a:rPr lang="en-US" sz="3200">
-                <a:latin typeface="Trebuchet MS"/>
-              </a:rPr>
-              <a:t>manualne rozwiązywanie, a rozwiązywanie  zautomatyzowane</a:t>
-            </a:r>
-            <a:endParaRPr/>
-          </a:p>
-          <a:p>
-            <a:pPr>
+              <a:rPr lang="en-US" sz="3200" strike="noStrike">
+                <a:solidFill>
+                  <a:srgbClr val="000000"/>
+                </a:solidFill>
+                <a:latin typeface="Trebuchet MS"/>
+                <a:ea typeface="DejaVu Sans"/>
+              </a:rPr>
+              <a:t>trudność problemu (analiza złożoności)</a:t>
+            </a:r>
+            <a:endParaRPr/>
+          </a:p>
+          <a:p>
+            <a:pPr>
+              <a:lnSpc>
+                <a:spcPct val="100000"/>
+              </a:lnSpc>
               <a:buFont typeface="Trebuchet MS"/>
               <a:buChar char="•"/>
             </a:pPr>
             <a:r>
-              <a:rPr lang="en-US" sz="3200">
-                <a:latin typeface="Trebuchet MS"/>
-              </a:rPr>
-              <a:t>prezentacja zasad gry</a:t>
+              <a:rPr lang="en-US" sz="3200" strike="noStrike">
+                <a:solidFill>
+                  <a:srgbClr val="000000"/>
+                </a:solidFill>
+                <a:latin typeface="Trebuchet MS"/>
+                <a:ea typeface="DejaVu Sans"/>
+              </a:rPr>
+              <a:t>sposoby reprezentacji instancji problemu</a:t>
+            </a:r>
+            <a:endParaRPr/>
+          </a:p>
+          <a:p>
+            <a:pPr>
+              <a:lnSpc>
+                <a:spcPct val="100000"/>
+              </a:lnSpc>
+              <a:buFont typeface="Trebuchet MS"/>
+              <a:buChar char="•"/>
+            </a:pPr>
+            <a:r>
+              <a:rPr lang="en-US" sz="3200" strike="noStrike">
+                <a:solidFill>
+                  <a:srgbClr val="000000"/>
+                </a:solidFill>
+                <a:latin typeface="Trebuchet MS"/>
+                <a:ea typeface="DejaVu Sans"/>
+              </a:rPr>
+              <a:t>manualne rozwiązywanie, a rozwiązywanie  zautomatyzowane</a:t>
+            </a:r>
+            <a:endParaRPr/>
+          </a:p>
+          <a:p>
+            <a:pPr>
+              <a:lnSpc>
+                <a:spcPct val="100000"/>
+              </a:lnSpc>
+              <a:buFont typeface="Trebuchet MS"/>
+              <a:buChar char="•"/>
+            </a:pPr>
+            <a:r>
+              <a:rPr lang="en-US" sz="3200" strike="noStrike">
+                <a:solidFill>
+                  <a:srgbClr val="000000"/>
+                </a:solidFill>
+                <a:latin typeface="Trebuchet MS"/>
+                <a:ea typeface="DejaVu Sans"/>
+              </a:rPr>
+              <a:t>wizualizacja zasad gry</a:t>
             </a:r>
             <a:endParaRPr/>
           </a:p>
@@ -3791,14 +7297,14 @@
       </p:grpSpPr>
       <p:sp>
         <p:nvSpPr>
-          <p:cNvPr id="89" name="TextShape 1"/>
-          <p:cNvSpPr txBox="1"/>
+          <p:cNvPr id="88" name="CustomShape 1"/>
+          <p:cNvSpPr/>
           <p:nvPr/>
         </p:nvSpPr>
         <p:spPr>
           <a:xfrm>
-            <a:off x="611280" y="630000"/>
-            <a:ext cx="8424720" cy="1035000"/>
+            <a:off x="628920" y="640080"/>
+            <a:ext cx="8423640" cy="1033920"/>
           </a:xfrm>
           <a:prstGeom prst="rect">
             <a:avLst/>
@@ -3808,14 +7314,153 @@
             <a:noFill/>
           </a:ln>
         </p:spPr>
+        <p:style>
+          <a:lnRef idx="0"/>
+          <a:fillRef idx="0"/>
+          <a:effectRef idx="0"/>
+          <a:fontRef idx="minor"/>
+        </p:style>
         <p:txBody>
           <a:bodyPr lIns="90000" rIns="90000" tIns="46800" bIns="46800" anchor="ctr"/>
           <a:p>
             <a:r>
-              <a:rPr b="1" lang="en-US" sz="3600">
-                <a:latin typeface="Trebuchet MS"/>
-              </a:rPr>
-              <a:t>Kakuro – prezentacja zasad gry</a:t>
+              <a:rPr b="1" lang="en-US" sz="3600" strike="noStrike">
+                <a:solidFill>
+                  <a:srgbClr val="eeeeee"/>
+                </a:solidFill>
+                <a:latin typeface="Trebuchet MS"/>
+                <a:ea typeface="DejaVu Sans"/>
+              </a:rPr>
+              <a:t>Omówienie problemu - analiza</a:t>
+            </a:r>
+            <a:endParaRPr/>
+          </a:p>
+        </p:txBody>
+      </p:sp>
+      <p:sp>
+        <p:nvSpPr>
+          <p:cNvPr id="89" name="CustomShape 2"/>
+          <p:cNvSpPr/>
+          <p:nvPr/>
+        </p:nvSpPr>
+        <p:spPr>
+          <a:xfrm>
+            <a:off x="611280" y="1881360"/>
+            <a:ext cx="8423640" cy="4859640"/>
+          </a:xfrm>
+          <a:prstGeom prst="rect">
+            <a:avLst/>
+          </a:prstGeom>
+          <a:noFill/>
+          <a:ln>
+            <a:noFill/>
+          </a:ln>
+        </p:spPr>
+        <p:style>
+          <a:lnRef idx="0"/>
+          <a:fillRef idx="0"/>
+          <a:effectRef idx="0"/>
+          <a:fontRef idx="minor"/>
+        </p:style>
+        <p:txBody>
+          <a:bodyPr lIns="90000" rIns="90000" tIns="46800" bIns="46800"/>
+          <a:p>
+            <a:pPr>
+              <a:lnSpc>
+                <a:spcPct val="100000"/>
+              </a:lnSpc>
+              <a:buFont typeface="Trebuchet MS"/>
+              <a:buChar char="•"/>
+            </a:pPr>
+            <a:endParaRPr/>
+          </a:p>
+          <a:p>
+            <a:pPr>
+              <a:lnSpc>
+                <a:spcPct val="100000"/>
+              </a:lnSpc>
+              <a:buFont typeface="Trebuchet MS"/>
+              <a:buChar char="•"/>
+            </a:pPr>
+            <a:endParaRPr/>
+          </a:p>
+          <a:p>
+            <a:pPr>
+              <a:lnSpc>
+                <a:spcPct val="100000"/>
+              </a:lnSpc>
+              <a:buFont typeface="Trebuchet MS"/>
+              <a:buChar char="•"/>
+            </a:pPr>
+            <a:r>
+              <a:rPr lang="en-US" sz="3200" strike="noStrike">
+                <a:solidFill>
+                  <a:srgbClr val="000000"/>
+                </a:solidFill>
+                <a:latin typeface="Trebuchet MS"/>
+                <a:ea typeface="DejaVu Sans"/>
+              </a:rPr>
+              <a:t>wymiary krzyżówki</a:t>
+            </a:r>
+            <a:endParaRPr/>
+          </a:p>
+          <a:p>
+            <a:pPr>
+              <a:lnSpc>
+                <a:spcPct val="100000"/>
+              </a:lnSpc>
+              <a:buFont typeface="Trebuchet MS"/>
+              <a:buChar char="•"/>
+            </a:pPr>
+            <a:r>
+              <a:rPr lang="en-US" sz="3200" strike="noStrike">
+                <a:solidFill>
+                  <a:srgbClr val="000000"/>
+                </a:solidFill>
+                <a:latin typeface="Trebuchet MS"/>
+                <a:ea typeface="DejaVu Sans"/>
+              </a:rPr>
+              <a:t>wartości możliwe do wstawienia w poszczególne komórki</a:t>
+            </a:r>
+            <a:endParaRPr/>
+          </a:p>
+          <a:p>
+            <a:pPr>
+              <a:lnSpc>
+                <a:spcPct val="100000"/>
+              </a:lnSpc>
+              <a:buFont typeface="Trebuchet MS"/>
+              <a:buChar char="•"/>
+            </a:pPr>
+            <a:r>
+              <a:rPr lang="en-US" sz="3200" strike="noStrike">
+                <a:solidFill>
+                  <a:srgbClr val="000000"/>
+                </a:solidFill>
+                <a:latin typeface="Trebuchet MS"/>
+                <a:ea typeface="DejaVu Sans"/>
+              </a:rPr>
+              <a:t>ograniczenia, reguły i zasady</a:t>
+            </a:r>
+            <a:endParaRPr/>
+          </a:p>
+          <a:p>
+            <a:pPr>
+              <a:lnSpc>
+                <a:spcPct val="100000"/>
+              </a:lnSpc>
+              <a:buFont typeface="Trebuchet MS"/>
+              <a:buChar char="•"/>
+            </a:pPr>
+            <a:r>
+              <a:rPr lang="en-US" sz="3200" strike="noStrike">
+                <a:solidFill>
+                  <a:srgbClr val="000000"/>
+                </a:solidFill>
+                <a:latin typeface="Trebuchet MS"/>
+                <a:ea typeface="DejaVu Sans"/>
+              </a:rPr>
+              <a:t>trudność danej krzyżówki oraz rozwiązywalność</a:t>
             </a:r>
             <a:endParaRPr/>
           </a:p>
@@ -3826,6 +7471,33 @@
   <p:transition>
     <p:randomBar dir="horz"/>
   </p:transition>
+  <p:timing>
+    <p:tnLst>
+      <p:par>
+        <p:cTn id="11" dur="indefinite" restart="never" nodeType="tmRoot">
+          <p:childTnLst>
+            <p:seq>
+              <p:cTn id="12" nodeType="mainSeq"/>
+              <p:prevCondLst>
+                <p:cond delay="0" evt="onPrev">
+                  <p:tgtEl>
+                    <p:sldTgt/>
+                  </p:tgtEl>
+                </p:cond>
+              </p:prevCondLst>
+              <p:nextCondLst>
+                <p:cond delay="0" evt="onNext">
+                  <p:tgtEl>
+                    <p:sldTgt/>
+                  </p:tgtEl>
+                </p:cond>
+              </p:nextCondLst>
+            </p:seq>
+          </p:childTnLst>
+        </p:cTn>
+      </p:par>
+    </p:tnLst>
+  </p:timing>
 </p:sld>
 </file>
 
@@ -3848,14 +7520,14 @@
       </p:grpSpPr>
       <p:sp>
         <p:nvSpPr>
-          <p:cNvPr id="90" name="TextShape 1"/>
-          <p:cNvSpPr txBox="1"/>
+          <p:cNvPr id="90" name="CustomShape 1"/>
+          <p:cNvSpPr/>
           <p:nvPr/>
         </p:nvSpPr>
         <p:spPr>
           <a:xfrm>
-            <a:off x="611280" y="630000"/>
-            <a:ext cx="8424720" cy="1035000"/>
+            <a:off x="628920" y="640080"/>
+            <a:ext cx="8423640" cy="1033920"/>
           </a:xfrm>
           <a:prstGeom prst="rect">
             <a:avLst/>
@@ -3865,155 +7537,75 @@
             <a:noFill/>
           </a:ln>
         </p:spPr>
+        <p:style>
+          <a:lnRef idx="0"/>
+          <a:fillRef idx="0"/>
+          <a:effectRef idx="0"/>
+          <a:fontRef idx="minor"/>
+        </p:style>
         <p:txBody>
           <a:bodyPr lIns="90000" rIns="90000" tIns="46800" bIns="46800" anchor="ctr"/>
           <a:p>
             <a:r>
-              <a:rPr b="1" lang="en-US" sz="3600">
-                <a:latin typeface="Trebuchet MS"/>
-              </a:rPr>
-              <a:t>Constraint Programming</a:t>
-            </a:r>
-            <a:endParaRPr/>
-          </a:p>
-        </p:txBody>
-      </p:sp>
-      <p:sp>
-        <p:nvSpPr>
-          <p:cNvPr id="91" name="TextShape 2"/>
-          <p:cNvSpPr txBox="1"/>
+              <a:rPr b="1" lang="en-US" sz="3600" strike="noStrike">
+                <a:solidFill>
+                  <a:srgbClr val="eeeeee"/>
+                </a:solidFill>
+                <a:latin typeface="Trebuchet MS"/>
+                <a:ea typeface="DejaVu Sans"/>
+              </a:rPr>
+              <a:t>Omówienie problemu - analiza</a:t>
+            </a:r>
+            <a:endParaRPr/>
+          </a:p>
+        </p:txBody>
+      </p:sp>
+      <p:pic>
+        <p:nvPicPr>
+          <p:cNvPr id="91" name="" descr=""/>
+          <p:cNvPicPr/>
           <p:nvPr/>
-        </p:nvSpPr>
-        <p:spPr>
-          <a:xfrm>
-            <a:off x="611280" y="1881360"/>
-            <a:ext cx="8424720" cy="4860720"/>
-          </a:xfrm>
-          <a:prstGeom prst="rect">
-            <a:avLst/>
-          </a:prstGeom>
-          <a:noFill/>
+        </p:nvPicPr>
+        <p:blipFill>
+          <a:blip r:embed="rId1"/>
+          <a:stretch/>
+        </p:blipFill>
+        <p:spPr>
+          <a:xfrm>
+            <a:off x="822960" y="1828800"/>
+            <a:ext cx="3200400" cy="4846320"/>
+          </a:xfrm>
+          <a:prstGeom prst="rect">
+            <a:avLst/>
+          </a:prstGeom>
           <a:ln>
             <a:noFill/>
           </a:ln>
         </p:spPr>
-        <p:txBody>
-          <a:bodyPr lIns="90000" rIns="90000" tIns="46800" bIns="46800"/>
-          <a:p>
-            <a:pPr>
-              <a:buFont typeface="Trebuchet MS"/>
-              <a:buChar char="•"/>
-            </a:pPr>
-            <a:r>
-              <a:rPr lang="en-US" sz="3200">
-                <a:latin typeface="Trebuchet MS"/>
-              </a:rPr>
-              <a:t>Constraint Programming – programowanie, którego celem jest zaimplementowanie istniejących reguł dotyczących problemu tak, by otrzymać akceptowalne dla danego problemu rozwiązanie. </a:t>
-            </a:r>
-            <a:endParaRPr/>
-          </a:p>
-          <a:p>
-            <a:pPr>
-              <a:buFont typeface="Trebuchet MS"/>
-              <a:buChar char="•"/>
-            </a:pPr>
-            <a:endParaRPr/>
-          </a:p>
-          <a:p>
-            <a:pPr>
-              <a:buFont typeface="Trebuchet MS"/>
-              <a:buChar char="•"/>
-            </a:pPr>
-            <a:r>
-              <a:rPr lang="en-US" sz="3200">
-                <a:latin typeface="Trebuchet MS"/>
-              </a:rPr>
-              <a:t>Główne części:</a:t>
-            </a:r>
-            <a:endParaRPr/>
-          </a:p>
-          <a:p>
-            <a:pPr>
-              <a:buFont typeface="Trebuchet MS"/>
-              <a:buChar char="•"/>
-            </a:pPr>
-            <a:r>
-              <a:rPr lang="en-US" sz="3200">
-                <a:latin typeface="Trebuchet MS"/>
-              </a:rPr>
-              <a:t>Reguła</a:t>
-            </a:r>
-            <a:endParaRPr/>
-          </a:p>
-          <a:p>
-            <a:pPr>
-              <a:buFont typeface="Trebuchet MS"/>
-              <a:buChar char="•"/>
-            </a:pPr>
-            <a:r>
-              <a:rPr lang="en-US" sz="3200">
-                <a:latin typeface="Trebuchet MS"/>
-              </a:rPr>
-              <a:t>Wartość</a:t>
-            </a:r>
-            <a:endParaRPr/>
-          </a:p>
-          <a:p>
-            <a:pPr>
-              <a:buFont typeface="Trebuchet MS"/>
-              <a:buChar char="•"/>
-            </a:pPr>
-            <a:r>
-              <a:rPr lang="en-US" sz="3200">
-                <a:latin typeface="Trebuchet MS"/>
-              </a:rPr>
-              <a:t>Zmienna</a:t>
-            </a:r>
-            <a:endParaRPr/>
-          </a:p>
-          <a:p>
-            <a:pPr>
-              <a:buFont typeface="Trebuchet MS"/>
-              <a:buChar char="•"/>
-            </a:pPr>
-            <a:endParaRPr/>
-          </a:p>
-        </p:txBody>
-      </p:sp>
-      <p:graphicFrame>
-        <p:nvGraphicFramePr>
-          <p:cNvPr id="92" name="Table 3"/>
-          <p:cNvGraphicFramePr/>
+      </p:pic>
+      <p:pic>
+        <p:nvPicPr>
+          <p:cNvPr id="92" name="" descr=""/>
+          <p:cNvPicPr/>
           <p:nvPr/>
-        </p:nvGraphicFramePr>
-        <p:xfrm>
-          <a:off x="6949440" y="7040880"/>
-          <a:ext cx="1279800" cy="182520"/>
-        </p:xfrm>
-        <a:graphic>
-          <a:graphicData uri="http://schemas.openxmlformats.org/drawingml/2006/table">
-            <a:tbl>
-              <a:tblPr/>
-              <a:tblGrid>
-                <a:gridCol w="426600"/>
-                <a:gridCol w="426600"/>
-                <a:gridCol w="426600"/>
-              </a:tblGrid>
-              <a:tr h="349920">
-                <a:tc>
-                  <a:tcPr/>
-                </a:tc>
-                <a:tc>
-                  <a:tcPr/>
-                </a:tc>
-                <a:tc>
-                  <a:tcPr/>
-                </a:tc>
-              </a:tr>
-            </a:tbl>
-          </a:graphicData>
-        </a:graphic>
-      </p:graphicFrame>
+        </p:nvPicPr>
+        <p:blipFill>
+          <a:blip r:embed="rId2"/>
+          <a:stretch/>
+        </p:blipFill>
+        <p:spPr>
+          <a:xfrm>
+            <a:off x="4389120" y="2560320"/>
+            <a:ext cx="4389120" cy="3430440"/>
+          </a:xfrm>
+          <a:prstGeom prst="rect">
+            <a:avLst/>
+          </a:prstGeom>
+          <a:ln>
+            <a:noFill/>
+          </a:ln>
+        </p:spPr>
+      </p:pic>
     </p:spTree>
   </p:cSld>
   <p:transition>
@@ -4022,10 +7614,10 @@
   <p:timing>
     <p:tnLst>
       <p:par>
-        <p:cTn id="11" dur="indefinite" restart="never" nodeType="tmRoot">
+        <p:cTn id="13" dur="indefinite" restart="never" nodeType="tmRoot">
           <p:childTnLst>
             <p:seq>
-              <p:cTn id="12" nodeType="mainSeq"/>
+              <p:cTn id="14" nodeType="mainSeq"/>
               <p:prevCondLst>
                 <p:cond delay="0" evt="onPrev">
                   <p:tgtEl>
@@ -4068,14 +7660,14 @@
       </p:grpSpPr>
       <p:sp>
         <p:nvSpPr>
-          <p:cNvPr id="93" name="TextShape 1"/>
-          <p:cNvSpPr txBox="1"/>
+          <p:cNvPr id="93" name="CustomShape 1"/>
+          <p:cNvSpPr/>
           <p:nvPr/>
         </p:nvSpPr>
         <p:spPr>
           <a:xfrm>
             <a:off x="611280" y="630000"/>
-            <a:ext cx="8424720" cy="1035000"/>
+            <a:ext cx="8423640" cy="1033920"/>
           </a:xfrm>
           <a:prstGeom prst="rect">
             <a:avLst/>
@@ -4085,29 +7677,62 @@
             <a:noFill/>
           </a:ln>
         </p:spPr>
+        <p:style>
+          <a:lnRef idx="0"/>
+          <a:fillRef idx="0"/>
+          <a:effectRef idx="0"/>
+          <a:fontRef idx="minor"/>
+        </p:style>
         <p:txBody>
           <a:bodyPr lIns="90000" rIns="90000" tIns="46800" bIns="46800" anchor="ctr"/>
           <a:p>
             <a:r>
-              <a:rPr b="1" lang="en-US" sz="3600">
-                <a:latin typeface="Trebuchet MS"/>
-              </a:rPr>
-              <a:t>Constraint Satisfaction Problem</a:t>
-            </a:r>
-            <a:endParaRPr/>
-          </a:p>
-        </p:txBody>
-      </p:sp>
-      <p:sp>
-        <p:nvSpPr>
-          <p:cNvPr id="94" name="TextShape 2"/>
-          <p:cNvSpPr txBox="1"/>
+              <a:rPr b="1" lang="en-US" sz="3600" strike="noStrike">
+                <a:solidFill>
+                  <a:srgbClr val="dddddd"/>
+                </a:solidFill>
+                <a:latin typeface="Trebuchet MS"/>
+                <a:ea typeface="DejaVu Sans"/>
+              </a:rPr>
+              <a:t>Kakuro – prezentacja zasad gry</a:t>
+            </a:r>
+            <a:endParaRPr/>
+          </a:p>
+        </p:txBody>
+      </p:sp>
+      <p:pic>
+        <p:nvPicPr>
+          <p:cNvPr id="94" name="" descr=""/>
+          <p:cNvPicPr/>
           <p:nvPr/>
-        </p:nvSpPr>
-        <p:spPr>
-          <a:xfrm>
-            <a:off x="611280" y="1881360"/>
-            <a:ext cx="8424720" cy="4860720"/>
+        </p:nvPicPr>
+        <p:blipFill>
+          <a:blip r:embed="rId1"/>
+          <a:stretch/>
+        </p:blipFill>
+        <p:spPr>
+          <a:xfrm>
+            <a:off x="1097280" y="1858320"/>
+            <a:ext cx="4713840" cy="4542480"/>
+          </a:xfrm>
+          <a:prstGeom prst="rect">
+            <a:avLst/>
+          </a:prstGeom>
+          <a:ln>
+            <a:noFill/>
+          </a:ln>
+        </p:spPr>
+      </p:pic>
+      <p:sp>
+        <p:nvSpPr>
+          <p:cNvPr id="95" name="CustomShape 2"/>
+          <p:cNvSpPr/>
+          <p:nvPr/>
+        </p:nvSpPr>
+        <p:spPr>
+          <a:xfrm>
+            <a:off x="6035040" y="3017520"/>
+            <a:ext cx="3017520" cy="3474720"/>
           </a:xfrm>
           <a:prstGeom prst="rect">
             <a:avLst/>
@@ -4117,26 +7742,51 @@
             <a:noFill/>
           </a:ln>
         </p:spPr>
-        <p:txBody>
-          <a:bodyPr lIns="90000" rIns="90000" tIns="46800" bIns="46800"/>
-          <a:p>
-            <a:pPr>
-              <a:buFont typeface="Trebuchet MS"/>
-              <a:buChar char="•"/>
-            </a:pPr>
-            <a:r>
-              <a:rPr lang="en-US" sz="3200">
-                <a:latin typeface="Trebuchet MS"/>
-              </a:rPr>
-              <a:t>Analogia z grą Kakuro:</a:t>
-            </a:r>
-            <a:endParaRPr/>
-          </a:p>
-          <a:p>
-            <a:pPr>
-              <a:buFont typeface="Trebuchet MS"/>
-              <a:buChar char="•"/>
-            </a:pPr>
+        <p:style>
+          <a:lnRef idx="0"/>
+          <a:fillRef idx="0"/>
+          <a:effectRef idx="0"/>
+          <a:fontRef idx="minor"/>
+        </p:style>
+        <p:txBody>
+          <a:bodyPr lIns="90000" rIns="90000" tIns="46800" bIns="46800" anchor="ctr"/>
+          <a:p>
+            <a:r>
+              <a:rPr b="1" lang="en-US" sz="2800" strike="noStrike">
+                <a:solidFill>
+                  <a:srgbClr val="000000"/>
+                </a:solidFill>
+                <a:latin typeface="Trebuchet MS"/>
+                <a:ea typeface="DejaVu Sans"/>
+              </a:rPr>
+              <a:t>16 = 7+9</a:t>
+            </a:r>
+            <a:endParaRPr/>
+          </a:p>
+          <a:p>
+            <a:r>
+              <a:rPr b="1" lang="en-US" sz="2800" strike="noStrike">
+                <a:solidFill>
+                  <a:srgbClr val="000000"/>
+                </a:solidFill>
+                <a:latin typeface="Trebuchet MS"/>
+                <a:ea typeface="DejaVu Sans"/>
+              </a:rPr>
+              <a:t>23 = 6+8+9</a:t>
+            </a:r>
+            <a:endParaRPr/>
+          </a:p>
+          <a:p>
+            <a:r>
+              <a:rPr b="1" lang="en-US" sz="2800" strike="noStrike">
+                <a:solidFill>
+                  <a:srgbClr val="000000"/>
+                </a:solidFill>
+                <a:latin typeface="Trebuchet MS"/>
+                <a:ea typeface="DejaVu Sans"/>
+              </a:rPr>
+              <a:t>30 = 6+7+8+9</a:t>
+            </a:r>
             <a:endParaRPr/>
           </a:p>
         </p:txBody>
@@ -4149,10 +7799,10 @@
   <p:timing>
     <p:tnLst>
       <p:par>
-        <p:cTn id="13" dur="indefinite" restart="never" nodeType="tmRoot">
+        <p:cTn id="15" dur="indefinite" restart="never" nodeType="tmRoot">
           <p:childTnLst>
             <p:seq>
-              <p:cTn id="14" nodeType="mainSeq"/>
+              <p:cTn id="16" nodeType="mainSeq"/>
               <p:prevCondLst>
                 <p:cond delay="0" evt="onPrev">
                   <p:tgtEl>
@@ -4195,14 +7845,14 @@
       </p:grpSpPr>
       <p:sp>
         <p:nvSpPr>
-          <p:cNvPr id="95" name="TextShape 1"/>
-          <p:cNvSpPr txBox="1"/>
+          <p:cNvPr id="96" name="CustomShape 1"/>
+          <p:cNvSpPr/>
           <p:nvPr/>
         </p:nvSpPr>
         <p:spPr>
           <a:xfrm>
             <a:off x="611280" y="630000"/>
-            <a:ext cx="8424720" cy="1035000"/>
+            <a:ext cx="8423640" cy="1033920"/>
           </a:xfrm>
           <a:prstGeom prst="rect">
             <a:avLst/>
@@ -4212,206 +7862,52 @@
             <a:noFill/>
           </a:ln>
         </p:spPr>
+        <p:style>
+          <a:lnRef idx="0"/>
+          <a:fillRef idx="0"/>
+          <a:effectRef idx="0"/>
+          <a:fontRef idx="minor"/>
+        </p:style>
         <p:txBody>
           <a:bodyPr lIns="90000" rIns="90000" tIns="46800" bIns="46800" anchor="ctr"/>
           <a:p>
             <a:r>
-              <a:rPr b="1" lang="en-US" sz="3600">
-                <a:latin typeface="Trebuchet MS"/>
-              </a:rPr>
-              <a:t>Bibliografia</a:t>
-            </a:r>
-            <a:endParaRPr/>
-          </a:p>
-        </p:txBody>
-      </p:sp>
-      <p:sp>
-        <p:nvSpPr>
-          <p:cNvPr id="96" name="TextShape 2"/>
-          <p:cNvSpPr txBox="1"/>
+              <a:rPr b="1" lang="en-US" sz="3600" strike="noStrike">
+                <a:solidFill>
+                  <a:srgbClr val="dddddd"/>
+                </a:solidFill>
+                <a:latin typeface="Trebuchet MS"/>
+                <a:ea typeface="DejaVu Sans"/>
+              </a:rPr>
+              <a:t>Kakuro – prezentacja zasad gry</a:t>
+            </a:r>
+            <a:endParaRPr/>
+          </a:p>
+        </p:txBody>
+      </p:sp>
+      <p:pic>
+        <p:nvPicPr>
+          <p:cNvPr id="97" name="" descr=""/>
+          <p:cNvPicPr/>
           <p:nvPr/>
-        </p:nvSpPr>
-        <p:spPr>
-          <a:xfrm>
-            <a:off x="611280" y="1881360"/>
-            <a:ext cx="8424720" cy="4860720"/>
-          </a:xfrm>
-          <a:prstGeom prst="rect">
-            <a:avLst/>
-          </a:prstGeom>
-          <a:noFill/>
+        </p:nvPicPr>
+        <p:blipFill>
+          <a:blip r:embed="rId1"/>
+          <a:stretch/>
+        </p:blipFill>
+        <p:spPr>
+          <a:xfrm>
+            <a:off x="2596680" y="2649960"/>
+            <a:ext cx="3438360" cy="3933720"/>
+          </a:xfrm>
+          <a:prstGeom prst="rect">
+            <a:avLst/>
+          </a:prstGeom>
           <a:ln>
             <a:noFill/>
           </a:ln>
         </p:spPr>
-        <p:txBody>
-          <a:bodyPr lIns="90000" rIns="90000" tIns="46800" bIns="46800"/>
-          <a:p>
-            <a:pPr>
-              <a:buFont typeface="Trebuchet MS"/>
-              <a:buChar char="•"/>
-            </a:pPr>
-            <a:r>
-              <a:rPr i="1" lang="en-US" sz="2400" u="sng">
-                <a:latin typeface="Trebuchet MS"/>
-              </a:rPr>
-              <a:t>Constraint Programming</a:t>
-            </a:r>
-            <a:r>
-              <a:rPr lang="en-US" sz="2200">
-                <a:latin typeface="Trebuchet MS"/>
-              </a:rPr>
-              <a:t>, </a:t>
-            </a:r>
-            <a:r>
-              <a:rPr lang="en-US" sz="2000">
-                <a:latin typeface="Trebuchet MS"/>
-              </a:rPr>
-              <a:t>Roman Barták,</a:t>
-            </a:r>
-            <a:endParaRPr/>
-          </a:p>
-          <a:p>
-            <a:pPr>
-              <a:buFont typeface="Trebuchet MS"/>
-              <a:buChar char="•"/>
-            </a:pPr>
-            <a:r>
-              <a:rPr i="1" lang="en-US" sz="2000">
-                <a:latin typeface="Trebuchet MS"/>
-              </a:rPr>
-              <a:t>http://ktiml.mff.cuni.cz/~bartak/constraints/index.html</a:t>
-            </a:r>
-            <a:endParaRPr/>
-          </a:p>
-          <a:p>
-            <a:pPr>
-              <a:buFont typeface="Trebuchet MS"/>
-              <a:buChar char="•"/>
-            </a:pPr>
-            <a:r>
-              <a:rPr i="1" lang="en-US" sz="2400" u="sng">
-                <a:latin typeface="Trebuchet MS"/>
-              </a:rPr>
-              <a:t>The Computational Complexity of the Kakuro Puzzle</a:t>
-            </a:r>
-            <a:r>
-              <a:rPr i="1" lang="en-US" sz="2400">
-                <a:latin typeface="Trebuchet MS"/>
-              </a:rPr>
-              <a:t>, </a:t>
-            </a:r>
-            <a:r>
-              <a:rPr i="1" lang="en-US" sz="2000">
-                <a:latin typeface="Trebuchet MS"/>
-              </a:rPr>
-              <a:t>“</a:t>
-            </a:r>
-            <a:r>
-              <a:rPr i="1" lang="en-US" sz="2000">
-                <a:latin typeface="Trebuchet MS"/>
-              </a:rPr>
-              <a:t>Fun with Algorithms”, </a:t>
-            </a:r>
-            <a:r>
-              <a:rPr lang="en-US" sz="2000">
-                <a:latin typeface="Trebuchet MS"/>
-              </a:rPr>
-              <a:t>Oliver Ruepp, Markus Holzer</a:t>
-            </a:r>
-            <a:r>
-              <a:rPr i="1" lang="en-US" sz="2000">
-                <a:latin typeface="Trebuchet MS"/>
-              </a:rPr>
-              <a:t>
-</a:t>
-            </a:r>
-            <a:r>
-              <a:rPr lang="en-US" sz="2000">
-                <a:latin typeface="Trebuchet MS"/>
-              </a:rPr>
-              <a:t>ISBN 3-642-13121-2,  Springer-Verlag Berlin Heidelberg 2010</a:t>
-            </a:r>
-            <a:endParaRPr/>
-          </a:p>
-          <a:p>
-            <a:pPr>
-              <a:buFont typeface="Trebuchet MS"/>
-              <a:buChar char="•"/>
-            </a:pPr>
-            <a:r>
-              <a:rPr i="1" lang="en-US" sz="2400" u="sng">
-                <a:latin typeface="Trebuchet MS"/>
-              </a:rPr>
-              <a:t>Monte-Carlo Kakuro</a:t>
-            </a:r>
-            <a:r>
-              <a:rPr i="1" lang="en-US" sz="2400">
-                <a:latin typeface="Trebuchet MS"/>
-              </a:rPr>
-              <a:t>, </a:t>
-            </a:r>
-            <a:r>
-              <a:rPr i="1" lang="en-US" sz="2000">
-                <a:latin typeface="Trebuchet MS"/>
-              </a:rPr>
-              <a:t>“Advances in Computer Games”,</a:t>
-            </a:r>
-            <a:r>
-              <a:rPr i="1" lang="en-US" sz="2000">
-                <a:latin typeface="Trebuchet MS"/>
-              </a:rPr>
-              <a:t>
-</a:t>
-            </a:r>
-            <a:r>
-              <a:rPr i="1" lang="en-US" sz="2000">
-                <a:latin typeface="Trebuchet MS"/>
-              </a:rPr>
-              <a:t>Tristan Cazenave, ISBN 3-642-12992-7</a:t>
-            </a:r>
-            <a:endParaRPr/>
-          </a:p>
-          <a:p>
-            <a:pPr>
-              <a:buFont typeface="Trebuchet MS"/>
-              <a:buChar char="•"/>
-            </a:pPr>
-            <a:r>
-              <a:rPr i="1" lang="en-US" sz="2000">
-                <a:latin typeface="Trebuchet MS"/>
-              </a:rPr>
-              <a:t>“</a:t>
-            </a:r>
-            <a:r>
-              <a:rPr i="1" lang="en-US" sz="2000">
-                <a:latin typeface="Trebuchet MS"/>
-              </a:rPr>
-              <a:t>Kakuro”</a:t>
-            </a:r>
-            <a:r>
-              <a:rPr lang="en-US" sz="2000">
-                <a:latin typeface="Trebuchet MS"/>
-              </a:rPr>
-              <a:t> </a:t>
-            </a:r>
-            <a:r>
-              <a:rPr lang="en-US" sz="2000">
-                <a:latin typeface="Trebuchet MS"/>
-              </a:rPr>
-              <a:t>
-</a:t>
-            </a:r>
-            <a:r>
-              <a:rPr lang="en-US" sz="2000">
-                <a:latin typeface="Trebuchet MS"/>
-              </a:rPr>
-              <a:t>http://en.wikipedia.org/wiki/Kakuro</a:t>
-            </a:r>
-            <a:endParaRPr/>
-          </a:p>
-        </p:txBody>
-      </p:sp>
+      </p:pic>
     </p:spTree>
   </p:cSld>
   <p:transition>
@@ -4420,10 +7916,10 @@
   <p:timing>
     <p:tnLst>
       <p:par>
-        <p:cTn id="15" dur="indefinite" restart="never" nodeType="tmRoot">
+        <p:cTn id="17" dur="indefinite" restart="never" nodeType="tmRoot">
           <p:childTnLst>
             <p:seq>
-              <p:cTn id="16" nodeType="mainSeq"/>
+              <p:cTn id="18" nodeType="mainSeq"/>
               <p:prevCondLst>
                 <p:cond delay="0" evt="onPrev">
                   <p:tgtEl>
